--- a/NBA MAD MONEY.pptx
+++ b/NBA MAD MONEY.pptx
@@ -1,37 +1,37 @@
 
 <file path=ppt/presentation.xml><?xml version="1.0" encoding="utf-8"?>
-<p:presentation xmlns:a="http://schemas.openxmlformats.org/drawingml/2006/main" xmlns:r="http://schemas.openxmlformats.org/officeDocument/2006/relationships" xmlns:mc="http://schemas.openxmlformats.org/markup-compatibility/2006" xmlns:mv="urn:schemas-microsoft-com:mac:vml" xmlns:p="http://schemas.openxmlformats.org/presentationml/2006/main" xmlns:c="http://schemas.openxmlformats.org/drawingml/2006/chart" xmlns:dgm="http://schemas.openxmlformats.org/drawingml/2006/diagram" xmlns:o="urn:schemas-microsoft-com:office:office" xmlns:v="urn:schemas-microsoft-com:vml" xmlns:pvml="urn:schemas-microsoft-com:office:powerpoint" xmlns:com="http://schemas.openxmlformats.org/drawingml/2006/compatibility" xmlns:p14="http://schemas.microsoft.com/office/powerpoint/2010/main" xmlns:p15="http://schemas.microsoft.com/office/powerpoint/2012/main" xmlns:ahyp="http://schemas.microsoft.com/office/drawing/2018/hyperlinkcolor" autoCompressPictures="0" embedTrueTypeFonts="1" strictFirstAndLastChars="0" saveSubsetFonts="1">
+<p:presentation xmlns:a="http://schemas.openxmlformats.org/drawingml/2006/main" xmlns:r="http://schemas.openxmlformats.org/officeDocument/2006/relationships" xmlns:p="http://schemas.openxmlformats.org/presentationml/2006/main" strictFirstAndLastChars="0" embedTrueTypeFonts="1" saveSubsetFonts="1" autoCompressPictures="0">
   <p:sldMasterIdLst>
-    <p:sldMasterId id="2147483659" r:id="rId4"/>
+    <p:sldMasterId id="2147483659" r:id="rId1"/>
   </p:sldMasterIdLst>
   <p:notesMasterIdLst>
-    <p:notesMasterId r:id="rId5"/>
+    <p:notesMasterId r:id="rId10"/>
   </p:notesMasterIdLst>
   <p:sldIdLst>
-    <p:sldId id="256" r:id="rId6"/>
-    <p:sldId id="257" r:id="rId7"/>
-    <p:sldId id="258" r:id="rId8"/>
-    <p:sldId id="259" r:id="rId9"/>
-    <p:sldId id="260" r:id="rId10"/>
-    <p:sldId id="261" r:id="rId11"/>
-    <p:sldId id="262" r:id="rId12"/>
-    <p:sldId id="263" r:id="rId13"/>
+    <p:sldId id="256" r:id="rId2"/>
+    <p:sldId id="257" r:id="rId3"/>
+    <p:sldId id="258" r:id="rId4"/>
+    <p:sldId id="259" r:id="rId5"/>
+    <p:sldId id="260" r:id="rId6"/>
+    <p:sldId id="261" r:id="rId7"/>
+    <p:sldId id="262" r:id="rId8"/>
+    <p:sldId id="263" r:id="rId9"/>
   </p:sldIdLst>
-  <p:sldSz cy="5143500" cx="9144000"/>
+  <p:sldSz cx="9144000" cy="5143500" type="screen16x9"/>
   <p:notesSz cx="6858000" cy="9144000"/>
   <p:embeddedFontLst>
     <p:embeddedFont>
-      <p:font typeface="Average"/>
-      <p:regular r:id="rId14"/>
+      <p:font typeface="Average" panose="020B0604020202020204" charset="0"/>
+      <p:regular r:id="rId11"/>
     </p:embeddedFont>
     <p:embeddedFont>
-      <p:font typeface="Oswald"/>
-      <p:regular r:id="rId15"/>
-      <p:bold r:id="rId16"/>
+      <p:font typeface="Oswald" panose="020B0604020202020204" charset="0"/>
+      <p:regular r:id="rId12"/>
+      <p:bold r:id="rId13"/>
     </p:embeddedFont>
   </p:embeddedFontLst>
   <p:defaultTextStyle>
-    <a:defPPr lvl="0" marR="0" rtl="0" algn="l">
+    <a:defPPr marR="0" lvl="0" algn="l" rtl="0">
       <a:lnSpc>
         <a:spcPct val="100000"/>
       </a:lnSpc>
@@ -42,7 +42,7 @@
         <a:spcPts val="0"/>
       </a:spcAft>
     </a:defPPr>
-    <a:lvl1pPr lvl="0" marR="0" rtl="0" algn="l">
+    <a:lvl1pPr marR="0" lvl="0" algn="l" rtl="0">
       <a:lnSpc>
         <a:spcPct val="100000"/>
       </a:lnSpc>
@@ -56,7 +56,7 @@
         <a:srgbClr val="000000"/>
       </a:buClr>
       <a:buFont typeface="Arial"/>
-      <a:defRPr b="0" i="0" sz="1400" u="none" cap="none" strike="noStrike">
+      <a:defRPr sz="1400" b="0" i="0" u="none" strike="noStrike" cap="none">
         <a:solidFill>
           <a:srgbClr val="000000"/>
         </a:solidFill>
@@ -66,7 +66,7 @@
         <a:sym typeface="Arial"/>
       </a:defRPr>
     </a:lvl1pPr>
-    <a:lvl2pPr lvl="1" marR="0" rtl="0" algn="l">
+    <a:lvl2pPr marR="0" lvl="1" algn="l" rtl="0">
       <a:lnSpc>
         <a:spcPct val="100000"/>
       </a:lnSpc>
@@ -80,7 +80,7 @@
         <a:srgbClr val="000000"/>
       </a:buClr>
       <a:buFont typeface="Arial"/>
-      <a:defRPr b="0" i="0" sz="1400" u="none" cap="none" strike="noStrike">
+      <a:defRPr sz="1400" b="0" i="0" u="none" strike="noStrike" cap="none">
         <a:solidFill>
           <a:srgbClr val="000000"/>
         </a:solidFill>
@@ -90,7 +90,7 @@
         <a:sym typeface="Arial"/>
       </a:defRPr>
     </a:lvl2pPr>
-    <a:lvl3pPr lvl="2" marR="0" rtl="0" algn="l">
+    <a:lvl3pPr marR="0" lvl="2" algn="l" rtl="0">
       <a:lnSpc>
         <a:spcPct val="100000"/>
       </a:lnSpc>
@@ -104,7 +104,7 @@
         <a:srgbClr val="000000"/>
       </a:buClr>
       <a:buFont typeface="Arial"/>
-      <a:defRPr b="0" i="0" sz="1400" u="none" cap="none" strike="noStrike">
+      <a:defRPr sz="1400" b="0" i="0" u="none" strike="noStrike" cap="none">
         <a:solidFill>
           <a:srgbClr val="000000"/>
         </a:solidFill>
@@ -114,7 +114,7 @@
         <a:sym typeface="Arial"/>
       </a:defRPr>
     </a:lvl3pPr>
-    <a:lvl4pPr lvl="3" marR="0" rtl="0" algn="l">
+    <a:lvl4pPr marR="0" lvl="3" algn="l" rtl="0">
       <a:lnSpc>
         <a:spcPct val="100000"/>
       </a:lnSpc>
@@ -128,7 +128,7 @@
         <a:srgbClr val="000000"/>
       </a:buClr>
       <a:buFont typeface="Arial"/>
-      <a:defRPr b="0" i="0" sz="1400" u="none" cap="none" strike="noStrike">
+      <a:defRPr sz="1400" b="0" i="0" u="none" strike="noStrike" cap="none">
         <a:solidFill>
           <a:srgbClr val="000000"/>
         </a:solidFill>
@@ -138,7 +138,7 @@
         <a:sym typeface="Arial"/>
       </a:defRPr>
     </a:lvl4pPr>
-    <a:lvl5pPr lvl="4" marR="0" rtl="0" algn="l">
+    <a:lvl5pPr marR="0" lvl="4" algn="l" rtl="0">
       <a:lnSpc>
         <a:spcPct val="100000"/>
       </a:lnSpc>
@@ -152,7 +152,7 @@
         <a:srgbClr val="000000"/>
       </a:buClr>
       <a:buFont typeface="Arial"/>
-      <a:defRPr b="0" i="0" sz="1400" u="none" cap="none" strike="noStrike">
+      <a:defRPr sz="1400" b="0" i="0" u="none" strike="noStrike" cap="none">
         <a:solidFill>
           <a:srgbClr val="000000"/>
         </a:solidFill>
@@ -162,7 +162,7 @@
         <a:sym typeface="Arial"/>
       </a:defRPr>
     </a:lvl5pPr>
-    <a:lvl6pPr lvl="5" marR="0" rtl="0" algn="l">
+    <a:lvl6pPr marR="0" lvl="5" algn="l" rtl="0">
       <a:lnSpc>
         <a:spcPct val="100000"/>
       </a:lnSpc>
@@ -176,7 +176,7 @@
         <a:srgbClr val="000000"/>
       </a:buClr>
       <a:buFont typeface="Arial"/>
-      <a:defRPr b="0" i="0" sz="1400" u="none" cap="none" strike="noStrike">
+      <a:defRPr sz="1400" b="0" i="0" u="none" strike="noStrike" cap="none">
         <a:solidFill>
           <a:srgbClr val="000000"/>
         </a:solidFill>
@@ -186,7 +186,7 @@
         <a:sym typeface="Arial"/>
       </a:defRPr>
     </a:lvl6pPr>
-    <a:lvl7pPr lvl="6" marR="0" rtl="0" algn="l">
+    <a:lvl7pPr marR="0" lvl="6" algn="l" rtl="0">
       <a:lnSpc>
         <a:spcPct val="100000"/>
       </a:lnSpc>
@@ -200,7 +200,7 @@
         <a:srgbClr val="000000"/>
       </a:buClr>
       <a:buFont typeface="Arial"/>
-      <a:defRPr b="0" i="0" sz="1400" u="none" cap="none" strike="noStrike">
+      <a:defRPr sz="1400" b="0" i="0" u="none" strike="noStrike" cap="none">
         <a:solidFill>
           <a:srgbClr val="000000"/>
         </a:solidFill>
@@ -210,7 +210,7 @@
         <a:sym typeface="Arial"/>
       </a:defRPr>
     </a:lvl7pPr>
-    <a:lvl8pPr lvl="7" marR="0" rtl="0" algn="l">
+    <a:lvl8pPr marR="0" lvl="7" algn="l" rtl="0">
       <a:lnSpc>
         <a:spcPct val="100000"/>
       </a:lnSpc>
@@ -224,7 +224,7 @@
         <a:srgbClr val="000000"/>
       </a:buClr>
       <a:buFont typeface="Arial"/>
-      <a:defRPr b="0" i="0" sz="1400" u="none" cap="none" strike="noStrike">
+      <a:defRPr sz="1400" b="0" i="0" u="none" strike="noStrike" cap="none">
         <a:solidFill>
           <a:srgbClr val="000000"/>
         </a:solidFill>
@@ -234,7 +234,7 @@
         <a:sym typeface="Arial"/>
       </a:defRPr>
     </a:lvl8pPr>
-    <a:lvl9pPr lvl="8" marR="0" rtl="0" algn="l">
+    <a:lvl9pPr marR="0" lvl="8" algn="l" rtl="0">
       <a:lnSpc>
         <a:spcPct val="100000"/>
       </a:lnSpc>
@@ -248,7 +248,7 @@
         <a:srgbClr val="000000"/>
       </a:buClr>
       <a:buFont typeface="Arial"/>
-      <a:defRPr b="0" i="0" sz="1400" u="none" cap="none" strike="noStrike">
+      <a:defRPr sz="1400" b="0" i="0" u="none" strike="noStrike" cap="none">
         <a:solidFill>
           <a:srgbClr val="000000"/>
         </a:solidFill>
@@ -261,7 +261,7 @@
   </p:defaultTextStyle>
   <p:extLst>
     <p:ext uri="{EFAFB233-063F-42B5-8137-9DF3F51BA10A}">
-      <p15:sldGuideLst>
+      <p15:sldGuideLst xmlns:p15="http://schemas.microsoft.com/office/powerpoint/2012/main">
         <p15:guide id="1" orient="horz" pos="1620">
           <p15:clr>
             <a:srgbClr val="A4A3A4"/>
@@ -279,11 +279,16 @@
 </file>
 
 <file path=ppt/notesMasters/notesMaster1.xml><?xml version="1.0" encoding="utf-8"?>
-<p:notesMaster xmlns:a="http://schemas.openxmlformats.org/drawingml/2006/main" xmlns:r="http://schemas.openxmlformats.org/officeDocument/2006/relationships" xmlns:mc="http://schemas.openxmlformats.org/markup-compatibility/2006" xmlns:mv="urn:schemas-microsoft-com:mac:vml" xmlns:p="http://schemas.openxmlformats.org/presentationml/2006/main" xmlns:c="http://schemas.openxmlformats.org/drawingml/2006/chart" xmlns:dgm="http://schemas.openxmlformats.org/drawingml/2006/diagram" xmlns:o="urn:schemas-microsoft-com:office:office" xmlns:v="urn:schemas-microsoft-com:vml" xmlns:pvml="urn:schemas-microsoft-com:office:powerpoint" xmlns:com="http://schemas.openxmlformats.org/drawingml/2006/compatibility" xmlns:p14="http://schemas.microsoft.com/office/powerpoint/2010/main" xmlns:p15="http://schemas.microsoft.com/office/powerpoint/2012/main" xmlns:ahyp="http://schemas.microsoft.com/office/drawing/2018/hyperlinkcolor">
+<p:notesMaster xmlns:a="http://schemas.openxmlformats.org/drawingml/2006/main" xmlns:r="http://schemas.openxmlformats.org/officeDocument/2006/relationships" xmlns:p="http://schemas.openxmlformats.org/presentationml/2006/main">
   <p:cSld>
+    <p:bg>
+      <p:bgRef idx="1001">
+        <a:schemeClr val="bg1"/>
+      </p:bgRef>
+    </p:bg>
     <p:spTree>
       <p:nvGrpSpPr>
-        <p:cNvPr id="2" name="Shape 2"/>
+        <p:cNvPr id="1" name="Shape 2"/>
         <p:cNvGrpSpPr/>
         <p:nvPr/>
       </p:nvGrpSpPr>
@@ -298,9 +303,11 @@
       <p:sp>
         <p:nvSpPr>
           <p:cNvPr id="3" name="Google Shape;3;n"/>
-          <p:cNvSpPr/>
+          <p:cNvSpPr>
+            <a:spLocks noGrp="1" noRot="1" noChangeAspect="1"/>
+          </p:cNvSpPr>
           <p:nvPr>
-            <p:ph idx="2" type="sldImg"/>
+            <p:ph type="sldImg" idx="2"/>
           </p:nvPr>
         </p:nvSpPr>
         <p:spPr>
@@ -309,9 +316,13 @@
             <a:ext cx="6096075" cy="3429000"/>
           </a:xfrm>
           <a:custGeom>
-            <a:rect b="b" l="l" r="r" t="t"/>
+            <a:avLst/>
+            <a:gdLst/>
+            <a:ahLst/>
+            <a:cxnLst/>
+            <a:rect l="l" t="t" r="r" b="b"/>
             <a:pathLst>
-              <a:path extrusionOk="0" h="120000" w="120000">
+              <a:path w="120000" h="120000" extrusionOk="0">
                 <a:moveTo>
                   <a:pt x="0" y="0"/>
                 </a:moveTo>
@@ -329,23 +340,25 @@
             </a:pathLst>
           </a:custGeom>
           <a:noFill/>
-          <a:ln cap="flat" cmpd="sng" w="9525">
+          <a:ln w="9525" cap="flat" cmpd="sng">
             <a:solidFill>
               <a:srgbClr val="000000"/>
             </a:solidFill>
             <a:prstDash val="solid"/>
             <a:round/>
-            <a:headEnd len="sm" w="sm" type="none"/>
-            <a:tailEnd len="sm" w="sm" type="none"/>
+            <a:headEnd type="none" w="sm" len="sm"/>
+            <a:tailEnd type="none" w="sm" len="sm"/>
           </a:ln>
         </p:spPr>
       </p:sp>
       <p:sp>
         <p:nvSpPr>
           <p:cNvPr id="4" name="Google Shape;4;n"/>
-          <p:cNvSpPr txBox="1"/>
+          <p:cNvSpPr txBox="1">
+            <a:spLocks noGrp="1"/>
+          </p:cNvSpPr>
           <p:nvPr>
-            <p:ph idx="1" type="body"/>
+            <p:ph type="body" idx="1"/>
           </p:nvPr>
         </p:nvSpPr>
         <p:spPr>
@@ -362,11 +375,11 @@
           </a:ln>
         </p:spPr>
         <p:txBody>
-          <a:bodyPr anchorCtr="0" anchor="t" bIns="91425" lIns="91425" spcFirstLastPara="1" rIns="91425" wrap="square" tIns="91425">
+          <a:bodyPr spcFirstLastPara="1" wrap="square" lIns="91425" tIns="91425" rIns="91425" bIns="91425" anchor="t" anchorCtr="0">
             <a:noAutofit/>
           </a:bodyPr>
           <a:lstStyle>
-            <a:lvl1pPr indent="-298450" lvl="0" marL="457200">
+            <a:lvl1pPr marL="457200" lvl="0" indent="-298450">
               <a:spcBef>
                 <a:spcPts val="0"/>
               </a:spcBef>
@@ -377,7 +390,7 @@
               <a:buChar char="●"/>
               <a:defRPr sz="1100"/>
             </a:lvl1pPr>
-            <a:lvl2pPr indent="-298450" lvl="1" marL="914400">
+            <a:lvl2pPr marL="914400" lvl="1" indent="-298450">
               <a:spcBef>
                 <a:spcPts val="0"/>
               </a:spcBef>
@@ -388,7 +401,7 @@
               <a:buChar char="○"/>
               <a:defRPr sz="1100"/>
             </a:lvl2pPr>
-            <a:lvl3pPr indent="-298450" lvl="2" marL="1371600">
+            <a:lvl3pPr marL="1371600" lvl="2" indent="-298450">
               <a:spcBef>
                 <a:spcPts val="0"/>
               </a:spcBef>
@@ -399,7 +412,7 @@
               <a:buChar char="■"/>
               <a:defRPr sz="1100"/>
             </a:lvl3pPr>
-            <a:lvl4pPr indent="-298450" lvl="3" marL="1828800">
+            <a:lvl4pPr marL="1828800" lvl="3" indent="-298450">
               <a:spcBef>
                 <a:spcPts val="0"/>
               </a:spcBef>
@@ -410,7 +423,7 @@
               <a:buChar char="●"/>
               <a:defRPr sz="1100"/>
             </a:lvl4pPr>
-            <a:lvl5pPr indent="-298450" lvl="4" marL="2286000">
+            <a:lvl5pPr marL="2286000" lvl="4" indent="-298450">
               <a:spcBef>
                 <a:spcPts val="0"/>
               </a:spcBef>
@@ -421,7 +434,7 @@
               <a:buChar char="○"/>
               <a:defRPr sz="1100"/>
             </a:lvl5pPr>
-            <a:lvl6pPr indent="-298450" lvl="5" marL="2743200">
+            <a:lvl6pPr marL="2743200" lvl="5" indent="-298450">
               <a:spcBef>
                 <a:spcPts val="0"/>
               </a:spcBef>
@@ -432,7 +445,7 @@
               <a:buChar char="■"/>
               <a:defRPr sz="1100"/>
             </a:lvl6pPr>
-            <a:lvl7pPr indent="-298450" lvl="6" marL="3200400">
+            <a:lvl7pPr marL="3200400" lvl="6" indent="-298450">
               <a:spcBef>
                 <a:spcPts val="0"/>
               </a:spcBef>
@@ -443,7 +456,7 @@
               <a:buChar char="●"/>
               <a:defRPr sz="1100"/>
             </a:lvl7pPr>
-            <a:lvl8pPr indent="-298450" lvl="7" marL="3657600">
+            <a:lvl8pPr marL="3657600" lvl="7" indent="-298450">
               <a:spcBef>
                 <a:spcPts val="0"/>
               </a:spcBef>
@@ -454,7 +467,7 @@
               <a:buChar char="○"/>
               <a:defRPr sz="1100"/>
             </a:lvl8pPr>
-            <a:lvl9pPr indent="-298450" lvl="8" marL="4114800">
+            <a:lvl9pPr marL="4114800" lvl="8" indent="-298450">
               <a:spcBef>
                 <a:spcPts val="0"/>
               </a:spcBef>
@@ -466,14 +479,16 @@
               <a:defRPr sz="1100"/>
             </a:lvl9pPr>
           </a:lstStyle>
-          <a:p/>
+          <a:p>
+            <a:endParaRPr/>
+          </a:p>
         </p:txBody>
       </p:sp>
     </p:spTree>
   </p:cSld>
-  <p:clrMap accent1="accent1" accent2="accent2" accent3="accent3" accent4="accent4" accent5="accent5" accent6="accent6" bg1="lt1" bg2="dk2" tx1="dk1" tx2="lt2" folHlink="folHlink" hlink="hlink"/>
+  <p:clrMap bg1="lt1" tx1="dk1" bg2="dk2" tx2="lt2" accent1="accent1" accent2="accent2" accent3="accent3" accent4="accent4" accent5="accent5" accent6="accent6" hlink="hlink" folHlink="folHlink"/>
   <p:notesStyle>
-    <a:defPPr lvl="0" marR="0" rtl="0" algn="l">
+    <a:defPPr marR="0" lvl="0" algn="l" rtl="0">
       <a:lnSpc>
         <a:spcPct val="100000"/>
       </a:lnSpc>
@@ -484,7 +499,7 @@
         <a:spcPts val="0"/>
       </a:spcAft>
     </a:defPPr>
-    <a:lvl1pPr lvl="0" marR="0" rtl="0" algn="l">
+    <a:lvl1pPr marR="0" lvl="0" algn="l" rtl="0">
       <a:lnSpc>
         <a:spcPct val="100000"/>
       </a:lnSpc>
@@ -498,7 +513,7 @@
         <a:srgbClr val="000000"/>
       </a:buClr>
       <a:buFont typeface="Arial"/>
-      <a:defRPr b="0" i="0" sz="1400" u="none" cap="none" strike="noStrike">
+      <a:defRPr sz="1400" b="0" i="0" u="none" strike="noStrike" cap="none">
         <a:solidFill>
           <a:srgbClr val="000000"/>
         </a:solidFill>
@@ -508,7 +523,7 @@
         <a:sym typeface="Arial"/>
       </a:defRPr>
     </a:lvl1pPr>
-    <a:lvl2pPr lvl="1" marR="0" rtl="0" algn="l">
+    <a:lvl2pPr marR="0" lvl="1" algn="l" rtl="0">
       <a:lnSpc>
         <a:spcPct val="100000"/>
       </a:lnSpc>
@@ -522,7 +537,7 @@
         <a:srgbClr val="000000"/>
       </a:buClr>
       <a:buFont typeface="Arial"/>
-      <a:defRPr b="0" i="0" sz="1400" u="none" cap="none" strike="noStrike">
+      <a:defRPr sz="1400" b="0" i="0" u="none" strike="noStrike" cap="none">
         <a:solidFill>
           <a:srgbClr val="000000"/>
         </a:solidFill>
@@ -532,7 +547,7 @@
         <a:sym typeface="Arial"/>
       </a:defRPr>
     </a:lvl2pPr>
-    <a:lvl3pPr lvl="2" marR="0" rtl="0" algn="l">
+    <a:lvl3pPr marR="0" lvl="2" algn="l" rtl="0">
       <a:lnSpc>
         <a:spcPct val="100000"/>
       </a:lnSpc>
@@ -546,7 +561,7 @@
         <a:srgbClr val="000000"/>
       </a:buClr>
       <a:buFont typeface="Arial"/>
-      <a:defRPr b="0" i="0" sz="1400" u="none" cap="none" strike="noStrike">
+      <a:defRPr sz="1400" b="0" i="0" u="none" strike="noStrike" cap="none">
         <a:solidFill>
           <a:srgbClr val="000000"/>
         </a:solidFill>
@@ -556,7 +571,7 @@
         <a:sym typeface="Arial"/>
       </a:defRPr>
     </a:lvl3pPr>
-    <a:lvl4pPr lvl="3" marR="0" rtl="0" algn="l">
+    <a:lvl4pPr marR="0" lvl="3" algn="l" rtl="0">
       <a:lnSpc>
         <a:spcPct val="100000"/>
       </a:lnSpc>
@@ -570,7 +585,7 @@
         <a:srgbClr val="000000"/>
       </a:buClr>
       <a:buFont typeface="Arial"/>
-      <a:defRPr b="0" i="0" sz="1400" u="none" cap="none" strike="noStrike">
+      <a:defRPr sz="1400" b="0" i="0" u="none" strike="noStrike" cap="none">
         <a:solidFill>
           <a:srgbClr val="000000"/>
         </a:solidFill>
@@ -580,7 +595,7 @@
         <a:sym typeface="Arial"/>
       </a:defRPr>
     </a:lvl4pPr>
-    <a:lvl5pPr lvl="4" marR="0" rtl="0" algn="l">
+    <a:lvl5pPr marR="0" lvl="4" algn="l" rtl="0">
       <a:lnSpc>
         <a:spcPct val="100000"/>
       </a:lnSpc>
@@ -594,7 +609,7 @@
         <a:srgbClr val="000000"/>
       </a:buClr>
       <a:buFont typeface="Arial"/>
-      <a:defRPr b="0" i="0" sz="1400" u="none" cap="none" strike="noStrike">
+      <a:defRPr sz="1400" b="0" i="0" u="none" strike="noStrike" cap="none">
         <a:solidFill>
           <a:srgbClr val="000000"/>
         </a:solidFill>
@@ -604,7 +619,7 @@
         <a:sym typeface="Arial"/>
       </a:defRPr>
     </a:lvl5pPr>
-    <a:lvl6pPr lvl="5" marR="0" rtl="0" algn="l">
+    <a:lvl6pPr marR="0" lvl="5" algn="l" rtl="0">
       <a:lnSpc>
         <a:spcPct val="100000"/>
       </a:lnSpc>
@@ -618,7 +633,7 @@
         <a:srgbClr val="000000"/>
       </a:buClr>
       <a:buFont typeface="Arial"/>
-      <a:defRPr b="0" i="0" sz="1400" u="none" cap="none" strike="noStrike">
+      <a:defRPr sz="1400" b="0" i="0" u="none" strike="noStrike" cap="none">
         <a:solidFill>
           <a:srgbClr val="000000"/>
         </a:solidFill>
@@ -628,7 +643,7 @@
         <a:sym typeface="Arial"/>
       </a:defRPr>
     </a:lvl6pPr>
-    <a:lvl7pPr lvl="6" marR="0" rtl="0" algn="l">
+    <a:lvl7pPr marR="0" lvl="6" algn="l" rtl="0">
       <a:lnSpc>
         <a:spcPct val="100000"/>
       </a:lnSpc>
@@ -642,7 +657,7 @@
         <a:srgbClr val="000000"/>
       </a:buClr>
       <a:buFont typeface="Arial"/>
-      <a:defRPr b="0" i="0" sz="1400" u="none" cap="none" strike="noStrike">
+      <a:defRPr sz="1400" b="0" i="0" u="none" strike="noStrike" cap="none">
         <a:solidFill>
           <a:srgbClr val="000000"/>
         </a:solidFill>
@@ -652,7 +667,7 @@
         <a:sym typeface="Arial"/>
       </a:defRPr>
     </a:lvl7pPr>
-    <a:lvl8pPr lvl="7" marR="0" rtl="0" algn="l">
+    <a:lvl8pPr marR="0" lvl="7" algn="l" rtl="0">
       <a:lnSpc>
         <a:spcPct val="100000"/>
       </a:lnSpc>
@@ -666,7 +681,7 @@
         <a:srgbClr val="000000"/>
       </a:buClr>
       <a:buFont typeface="Arial"/>
-      <a:defRPr b="0" i="0" sz="1400" u="none" cap="none" strike="noStrike">
+      <a:defRPr sz="1400" b="0" i="0" u="none" strike="noStrike" cap="none">
         <a:solidFill>
           <a:srgbClr val="000000"/>
         </a:solidFill>
@@ -676,7 +691,7 @@
         <a:sym typeface="Arial"/>
       </a:defRPr>
     </a:lvl8pPr>
-    <a:lvl9pPr lvl="8" marR="0" rtl="0" algn="l">
+    <a:lvl9pPr marR="0" lvl="8" algn="l" rtl="0">
       <a:lnSpc>
         <a:spcPct val="100000"/>
       </a:lnSpc>
@@ -690,7 +705,7 @@
         <a:srgbClr val="000000"/>
       </a:buClr>
       <a:buFont typeface="Arial"/>
-      <a:defRPr b="0" i="0" sz="1400" u="none" cap="none" strike="noStrike">
+      <a:defRPr sz="1400" b="0" i="0" u="none" strike="noStrike" cap="none">
         <a:solidFill>
           <a:srgbClr val="000000"/>
         </a:solidFill>
@@ -705,11 +720,11 @@
 </file>
 
 <file path=ppt/notesSlides/notesSlide1.xml><?xml version="1.0" encoding="utf-8"?>
-<p:notes xmlns:a="http://schemas.openxmlformats.org/drawingml/2006/main" xmlns:r="http://schemas.openxmlformats.org/officeDocument/2006/relationships" xmlns:mc="http://schemas.openxmlformats.org/markup-compatibility/2006" xmlns:mv="urn:schemas-microsoft-com:mac:vml" xmlns:p="http://schemas.openxmlformats.org/presentationml/2006/main" xmlns:c="http://schemas.openxmlformats.org/drawingml/2006/chart" xmlns:dgm="http://schemas.openxmlformats.org/drawingml/2006/diagram" xmlns:o="urn:schemas-microsoft-com:office:office" xmlns:v="urn:schemas-microsoft-com:vml" xmlns:pvml="urn:schemas-microsoft-com:office:powerpoint" xmlns:com="http://schemas.openxmlformats.org/drawingml/2006/compatibility" xmlns:p14="http://schemas.microsoft.com/office/powerpoint/2010/main" xmlns:p15="http://schemas.microsoft.com/office/powerpoint/2012/main" xmlns:ahyp="http://schemas.microsoft.com/office/drawing/2018/hyperlinkcolor" showMasterPhAnim="0" showMasterSp="0">
+<p:notes xmlns:a="http://schemas.openxmlformats.org/drawingml/2006/main" xmlns:r="http://schemas.openxmlformats.org/officeDocument/2006/relationships" xmlns:p="http://schemas.openxmlformats.org/presentationml/2006/main" showMasterSp="0" showMasterPhAnim="0">
   <p:cSld>
     <p:spTree>
       <p:nvGrpSpPr>
-        <p:cNvPr id="55" name="Shape 55"/>
+        <p:cNvPr id="1" name="Shape 55"/>
         <p:cNvGrpSpPr/>
         <p:nvPr/>
       </p:nvGrpSpPr>
@@ -724,20 +739,26 @@
       <p:sp>
         <p:nvSpPr>
           <p:cNvPr id="56" name="Google Shape;56;p:notes"/>
-          <p:cNvSpPr/>
+          <p:cNvSpPr>
+            <a:spLocks noGrp="1" noRot="1" noChangeAspect="1"/>
+          </p:cNvSpPr>
           <p:nvPr>
-            <p:ph idx="2" type="sldImg"/>
+            <p:ph type="sldImg" idx="2"/>
           </p:nvPr>
         </p:nvSpPr>
         <p:spPr>
           <a:xfrm>
-            <a:off x="381300" y="685800"/>
-            <a:ext cx="6096075" cy="3429000"/>
+            <a:off x="381000" y="685800"/>
+            <a:ext cx="6096000" cy="3429000"/>
           </a:xfrm>
           <a:custGeom>
-            <a:rect b="b" l="l" r="r" t="t"/>
+            <a:avLst/>
+            <a:gdLst/>
+            <a:ahLst/>
+            <a:cxnLst/>
+            <a:rect l="l" t="t" r="r" b="b"/>
             <a:pathLst>
-              <a:path extrusionOk="0" h="120000" w="120000">
+              <a:path w="120000" h="120000" extrusionOk="0">
                 <a:moveTo>
                   <a:pt x="0" y="0"/>
                 </a:moveTo>
@@ -759,9 +780,11 @@
       <p:sp>
         <p:nvSpPr>
           <p:cNvPr id="57" name="Google Shape;57;p:notes"/>
-          <p:cNvSpPr txBox="1"/>
+          <p:cNvSpPr txBox="1">
+            <a:spLocks noGrp="1"/>
+          </p:cNvSpPr>
           <p:nvPr>
-            <p:ph idx="1" type="body"/>
+            <p:ph type="body" idx="1"/>
           </p:nvPr>
         </p:nvSpPr>
         <p:spPr>
@@ -774,12 +797,12 @@
           </a:prstGeom>
         </p:spPr>
         <p:txBody>
-          <a:bodyPr anchorCtr="0" anchor="t" bIns="91425" lIns="91425" spcFirstLastPara="1" rIns="91425" wrap="square" tIns="91425">
+          <a:bodyPr spcFirstLastPara="1" wrap="square" lIns="91425" tIns="91425" rIns="91425" bIns="91425" anchor="t" anchorCtr="0">
             <a:noAutofit/>
           </a:bodyPr>
           <a:lstStyle/>
           <a:p>
-            <a:pPr indent="0" lvl="0" marL="0" rtl="0" algn="l">
+            <a:pPr marL="0" lvl="0" indent="0" algn="l" rtl="0">
               <a:spcBef>
                 <a:spcPts val="0"/>
               </a:spcBef>
@@ -788,9 +811,6 @@
               </a:spcAft>
               <a:buNone/>
             </a:pPr>
-            <a:r>
-              <a:t/>
-            </a:r>
             <a:endParaRPr/>
           </a:p>
         </p:txBody>
@@ -804,11 +824,11 @@
 </file>
 
 <file path=ppt/notesSlides/notesSlide2.xml><?xml version="1.0" encoding="utf-8"?>
-<p:notes xmlns:a="http://schemas.openxmlformats.org/drawingml/2006/main" xmlns:r="http://schemas.openxmlformats.org/officeDocument/2006/relationships" xmlns:mc="http://schemas.openxmlformats.org/markup-compatibility/2006" xmlns:mv="urn:schemas-microsoft-com:mac:vml" xmlns:p="http://schemas.openxmlformats.org/presentationml/2006/main" xmlns:c="http://schemas.openxmlformats.org/drawingml/2006/chart" xmlns:dgm="http://schemas.openxmlformats.org/drawingml/2006/diagram" xmlns:o="urn:schemas-microsoft-com:office:office" xmlns:v="urn:schemas-microsoft-com:vml" xmlns:pvml="urn:schemas-microsoft-com:office:powerpoint" xmlns:com="http://schemas.openxmlformats.org/drawingml/2006/compatibility" xmlns:p14="http://schemas.microsoft.com/office/powerpoint/2010/main" xmlns:p15="http://schemas.microsoft.com/office/powerpoint/2012/main" xmlns:ahyp="http://schemas.microsoft.com/office/drawing/2018/hyperlinkcolor" showMasterPhAnim="0" showMasterSp="0">
+<p:notes xmlns:a="http://schemas.openxmlformats.org/drawingml/2006/main" xmlns:r="http://schemas.openxmlformats.org/officeDocument/2006/relationships" xmlns:p="http://schemas.openxmlformats.org/presentationml/2006/main" showMasterSp="0" showMasterPhAnim="0">
   <p:cSld>
     <p:spTree>
       <p:nvGrpSpPr>
-        <p:cNvPr id="61" name="Shape 61"/>
+        <p:cNvPr id="1" name="Shape 61"/>
         <p:cNvGrpSpPr/>
         <p:nvPr/>
       </p:nvGrpSpPr>
@@ -823,20 +843,26 @@
       <p:sp>
         <p:nvSpPr>
           <p:cNvPr id="62" name="Google Shape;62;gd2f33769ed_0_174:notes"/>
-          <p:cNvSpPr/>
+          <p:cNvSpPr>
+            <a:spLocks noGrp="1" noRot="1" noChangeAspect="1"/>
+          </p:cNvSpPr>
           <p:nvPr>
-            <p:ph idx="2" type="sldImg"/>
+            <p:ph type="sldImg" idx="2"/>
           </p:nvPr>
         </p:nvSpPr>
         <p:spPr>
           <a:xfrm>
-            <a:off x="381300" y="685800"/>
+            <a:off x="381000" y="685800"/>
             <a:ext cx="6096000" cy="3429000"/>
           </a:xfrm>
           <a:custGeom>
-            <a:rect b="b" l="l" r="r" t="t"/>
+            <a:avLst/>
+            <a:gdLst/>
+            <a:ahLst/>
+            <a:cxnLst/>
+            <a:rect l="l" t="t" r="r" b="b"/>
             <a:pathLst>
-              <a:path extrusionOk="0" h="120000" w="120000">
+              <a:path w="120000" h="120000" extrusionOk="0">
                 <a:moveTo>
                   <a:pt x="0" y="0"/>
                 </a:moveTo>
@@ -858,9 +884,11 @@
       <p:sp>
         <p:nvSpPr>
           <p:cNvPr id="63" name="Google Shape;63;gd2f33769ed_0_174:notes"/>
-          <p:cNvSpPr txBox="1"/>
+          <p:cNvSpPr txBox="1">
+            <a:spLocks noGrp="1"/>
+          </p:cNvSpPr>
           <p:nvPr>
-            <p:ph idx="1" type="body"/>
+            <p:ph type="body" idx="1"/>
           </p:nvPr>
         </p:nvSpPr>
         <p:spPr>
@@ -873,12 +901,12 @@
           </a:prstGeom>
         </p:spPr>
         <p:txBody>
-          <a:bodyPr anchorCtr="0" anchor="t" bIns="91425" lIns="91425" spcFirstLastPara="1" rIns="91425" wrap="square" tIns="91425">
+          <a:bodyPr spcFirstLastPara="1" wrap="square" lIns="91425" tIns="91425" rIns="91425" bIns="91425" anchor="t" anchorCtr="0">
             <a:noAutofit/>
           </a:bodyPr>
           <a:lstStyle/>
           <a:p>
-            <a:pPr indent="0" lvl="0" marL="0" rtl="0" algn="l">
+            <a:pPr marL="0" lvl="0" indent="0" algn="l" rtl="0">
               <a:spcBef>
                 <a:spcPts val="0"/>
               </a:spcBef>
@@ -887,9 +915,6 @@
               </a:spcAft>
               <a:buNone/>
             </a:pPr>
-            <a:r>
-              <a:t/>
-            </a:r>
             <a:endParaRPr/>
           </a:p>
         </p:txBody>
@@ -903,11 +928,11 @@
 </file>
 
 <file path=ppt/notesSlides/notesSlide3.xml><?xml version="1.0" encoding="utf-8"?>
-<p:notes xmlns:a="http://schemas.openxmlformats.org/drawingml/2006/main" xmlns:r="http://schemas.openxmlformats.org/officeDocument/2006/relationships" xmlns:mc="http://schemas.openxmlformats.org/markup-compatibility/2006" xmlns:mv="urn:schemas-microsoft-com:mac:vml" xmlns:p="http://schemas.openxmlformats.org/presentationml/2006/main" xmlns:c="http://schemas.openxmlformats.org/drawingml/2006/chart" xmlns:dgm="http://schemas.openxmlformats.org/drawingml/2006/diagram" xmlns:o="urn:schemas-microsoft-com:office:office" xmlns:v="urn:schemas-microsoft-com:vml" xmlns:pvml="urn:schemas-microsoft-com:office:powerpoint" xmlns:com="http://schemas.openxmlformats.org/drawingml/2006/compatibility" xmlns:p14="http://schemas.microsoft.com/office/powerpoint/2010/main" xmlns:p15="http://schemas.microsoft.com/office/powerpoint/2012/main" xmlns:ahyp="http://schemas.microsoft.com/office/drawing/2018/hyperlinkcolor" showMasterPhAnim="0" showMasterSp="0">
+<p:notes xmlns:a="http://schemas.openxmlformats.org/drawingml/2006/main" xmlns:r="http://schemas.openxmlformats.org/officeDocument/2006/relationships" xmlns:p="http://schemas.openxmlformats.org/presentationml/2006/main" showMasterSp="0" showMasterPhAnim="0">
   <p:cSld>
     <p:spTree>
       <p:nvGrpSpPr>
-        <p:cNvPr id="67" name="Shape 67"/>
+        <p:cNvPr id="1" name="Shape 67"/>
         <p:cNvGrpSpPr/>
         <p:nvPr/>
       </p:nvGrpSpPr>
@@ -922,20 +947,26 @@
       <p:sp>
         <p:nvSpPr>
           <p:cNvPr id="68" name="Google Shape;68;gd2f33769ed_0_179:notes"/>
-          <p:cNvSpPr/>
+          <p:cNvSpPr>
+            <a:spLocks noGrp="1" noRot="1" noChangeAspect="1"/>
+          </p:cNvSpPr>
           <p:nvPr>
-            <p:ph idx="2" type="sldImg"/>
+            <p:ph type="sldImg" idx="2"/>
           </p:nvPr>
         </p:nvSpPr>
         <p:spPr>
           <a:xfrm>
-            <a:off x="381300" y="685800"/>
+            <a:off x="381000" y="685800"/>
             <a:ext cx="6096000" cy="3429000"/>
           </a:xfrm>
           <a:custGeom>
-            <a:rect b="b" l="l" r="r" t="t"/>
+            <a:avLst/>
+            <a:gdLst/>
+            <a:ahLst/>
+            <a:cxnLst/>
+            <a:rect l="l" t="t" r="r" b="b"/>
             <a:pathLst>
-              <a:path extrusionOk="0" h="120000" w="120000">
+              <a:path w="120000" h="120000" extrusionOk="0">
                 <a:moveTo>
                   <a:pt x="0" y="0"/>
                 </a:moveTo>
@@ -957,9 +988,11 @@
       <p:sp>
         <p:nvSpPr>
           <p:cNvPr id="69" name="Google Shape;69;gd2f33769ed_0_179:notes"/>
-          <p:cNvSpPr txBox="1"/>
+          <p:cNvSpPr txBox="1">
+            <a:spLocks noGrp="1"/>
+          </p:cNvSpPr>
           <p:nvPr>
-            <p:ph idx="1" type="body"/>
+            <p:ph type="body" idx="1"/>
           </p:nvPr>
         </p:nvSpPr>
         <p:spPr>
@@ -972,12 +1005,12 @@
           </a:prstGeom>
         </p:spPr>
         <p:txBody>
-          <a:bodyPr anchorCtr="0" anchor="t" bIns="91425" lIns="91425" spcFirstLastPara="1" rIns="91425" wrap="square" tIns="91425">
+          <a:bodyPr spcFirstLastPara="1" wrap="square" lIns="91425" tIns="91425" rIns="91425" bIns="91425" anchor="t" anchorCtr="0">
             <a:noAutofit/>
           </a:bodyPr>
           <a:lstStyle/>
           <a:p>
-            <a:pPr indent="0" lvl="0" marL="0" rtl="0" algn="l">
+            <a:pPr marL="0" lvl="0" indent="0" algn="l" rtl="0">
               <a:spcBef>
                 <a:spcPts val="0"/>
               </a:spcBef>
@@ -986,9 +1019,6 @@
               </a:spcAft>
               <a:buNone/>
             </a:pPr>
-            <a:r>
-              <a:t/>
-            </a:r>
             <a:endParaRPr/>
           </a:p>
         </p:txBody>
@@ -1002,11 +1032,11 @@
 </file>
 
 <file path=ppt/notesSlides/notesSlide4.xml><?xml version="1.0" encoding="utf-8"?>
-<p:notes xmlns:a="http://schemas.openxmlformats.org/drawingml/2006/main" xmlns:r="http://schemas.openxmlformats.org/officeDocument/2006/relationships" xmlns:mc="http://schemas.openxmlformats.org/markup-compatibility/2006" xmlns:mv="urn:schemas-microsoft-com:mac:vml" xmlns:p="http://schemas.openxmlformats.org/presentationml/2006/main" xmlns:c="http://schemas.openxmlformats.org/drawingml/2006/chart" xmlns:dgm="http://schemas.openxmlformats.org/drawingml/2006/diagram" xmlns:o="urn:schemas-microsoft-com:office:office" xmlns:v="urn:schemas-microsoft-com:vml" xmlns:pvml="urn:schemas-microsoft-com:office:powerpoint" xmlns:com="http://schemas.openxmlformats.org/drawingml/2006/compatibility" xmlns:p14="http://schemas.microsoft.com/office/powerpoint/2010/main" xmlns:p15="http://schemas.microsoft.com/office/powerpoint/2012/main" xmlns:ahyp="http://schemas.microsoft.com/office/drawing/2018/hyperlinkcolor" showMasterPhAnim="0" showMasterSp="0">
+<p:notes xmlns:a="http://schemas.openxmlformats.org/drawingml/2006/main" xmlns:r="http://schemas.openxmlformats.org/officeDocument/2006/relationships" xmlns:p="http://schemas.openxmlformats.org/presentationml/2006/main" showMasterSp="0" showMasterPhAnim="0">
   <p:cSld>
     <p:spTree>
       <p:nvGrpSpPr>
-        <p:cNvPr id="73" name="Shape 73"/>
+        <p:cNvPr id="1" name="Shape 73"/>
         <p:cNvGrpSpPr/>
         <p:nvPr/>
       </p:nvGrpSpPr>
@@ -1021,20 +1051,26 @@
       <p:sp>
         <p:nvSpPr>
           <p:cNvPr id="74" name="Google Shape;74;gd2f33769ed_0_1226:notes"/>
-          <p:cNvSpPr/>
+          <p:cNvSpPr>
+            <a:spLocks noGrp="1" noRot="1" noChangeAspect="1"/>
+          </p:cNvSpPr>
           <p:nvPr>
-            <p:ph idx="2" type="sldImg"/>
+            <p:ph type="sldImg" idx="2"/>
           </p:nvPr>
         </p:nvSpPr>
         <p:spPr>
           <a:xfrm>
-            <a:off x="381300" y="685800"/>
+            <a:off x="381000" y="685800"/>
             <a:ext cx="6096000" cy="3429000"/>
           </a:xfrm>
           <a:custGeom>
-            <a:rect b="b" l="l" r="r" t="t"/>
+            <a:avLst/>
+            <a:gdLst/>
+            <a:ahLst/>
+            <a:cxnLst/>
+            <a:rect l="l" t="t" r="r" b="b"/>
             <a:pathLst>
-              <a:path extrusionOk="0" h="120000" w="120000">
+              <a:path w="120000" h="120000" extrusionOk="0">
                 <a:moveTo>
                   <a:pt x="0" y="0"/>
                 </a:moveTo>
@@ -1056,9 +1092,11 @@
       <p:sp>
         <p:nvSpPr>
           <p:cNvPr id="75" name="Google Shape;75;gd2f33769ed_0_1226:notes"/>
-          <p:cNvSpPr txBox="1"/>
+          <p:cNvSpPr txBox="1">
+            <a:spLocks noGrp="1"/>
+          </p:cNvSpPr>
           <p:nvPr>
-            <p:ph idx="1" type="body"/>
+            <p:ph type="body" idx="1"/>
           </p:nvPr>
         </p:nvSpPr>
         <p:spPr>
@@ -1071,12 +1109,12 @@
           </a:prstGeom>
         </p:spPr>
         <p:txBody>
-          <a:bodyPr anchorCtr="0" anchor="t" bIns="91425" lIns="91425" spcFirstLastPara="1" rIns="91425" wrap="square" tIns="91425">
+          <a:bodyPr spcFirstLastPara="1" wrap="square" lIns="91425" tIns="91425" rIns="91425" bIns="91425" anchor="t" anchorCtr="0">
             <a:noAutofit/>
           </a:bodyPr>
           <a:lstStyle/>
           <a:p>
-            <a:pPr indent="0" lvl="0" marL="0" rtl="0" algn="l">
+            <a:pPr marL="0" lvl="0" indent="0" algn="l" rtl="0">
               <a:spcBef>
                 <a:spcPts val="0"/>
               </a:spcBef>
@@ -1085,9 +1123,6 @@
               </a:spcAft>
               <a:buNone/>
             </a:pPr>
-            <a:r>
-              <a:t/>
-            </a:r>
             <a:endParaRPr/>
           </a:p>
         </p:txBody>
@@ -1101,11 +1136,11 @@
 </file>
 
 <file path=ppt/notesSlides/notesSlide5.xml><?xml version="1.0" encoding="utf-8"?>
-<p:notes xmlns:a="http://schemas.openxmlformats.org/drawingml/2006/main" xmlns:r="http://schemas.openxmlformats.org/officeDocument/2006/relationships" xmlns:mc="http://schemas.openxmlformats.org/markup-compatibility/2006" xmlns:mv="urn:schemas-microsoft-com:mac:vml" xmlns:p="http://schemas.openxmlformats.org/presentationml/2006/main" xmlns:c="http://schemas.openxmlformats.org/drawingml/2006/chart" xmlns:dgm="http://schemas.openxmlformats.org/drawingml/2006/diagram" xmlns:o="urn:schemas-microsoft-com:office:office" xmlns:v="urn:schemas-microsoft-com:vml" xmlns:pvml="urn:schemas-microsoft-com:office:powerpoint" xmlns:com="http://schemas.openxmlformats.org/drawingml/2006/compatibility" xmlns:p14="http://schemas.microsoft.com/office/powerpoint/2010/main" xmlns:p15="http://schemas.microsoft.com/office/powerpoint/2012/main" xmlns:ahyp="http://schemas.microsoft.com/office/drawing/2018/hyperlinkcolor" showMasterPhAnim="0" showMasterSp="0">
+<p:notes xmlns:a="http://schemas.openxmlformats.org/drawingml/2006/main" xmlns:r="http://schemas.openxmlformats.org/officeDocument/2006/relationships" xmlns:p="http://schemas.openxmlformats.org/presentationml/2006/main" showMasterSp="0" showMasterPhAnim="0">
   <p:cSld>
     <p:spTree>
       <p:nvGrpSpPr>
-        <p:cNvPr id="79" name="Shape 79"/>
+        <p:cNvPr id="1" name="Shape 79"/>
         <p:cNvGrpSpPr/>
         <p:nvPr/>
       </p:nvGrpSpPr>
@@ -1120,9 +1155,11 @@
       <p:sp>
         <p:nvSpPr>
           <p:cNvPr id="80" name="Google Shape;80;gd2f33769ed_0_0:notes"/>
-          <p:cNvSpPr/>
+          <p:cNvSpPr>
+            <a:spLocks noGrp="1" noRot="1" noChangeAspect="1"/>
+          </p:cNvSpPr>
           <p:nvPr>
-            <p:ph idx="2" type="sldImg"/>
+            <p:ph type="sldImg" idx="2"/>
           </p:nvPr>
         </p:nvSpPr>
         <p:spPr>
@@ -1131,9 +1168,13 @@
             <a:ext cx="6096000" cy="3429000"/>
           </a:xfrm>
           <a:custGeom>
-            <a:rect b="b" l="l" r="r" t="t"/>
+            <a:avLst/>
+            <a:gdLst/>
+            <a:ahLst/>
+            <a:cxnLst/>
+            <a:rect l="l" t="t" r="r" b="b"/>
             <a:pathLst>
-              <a:path extrusionOk="0" h="120000" w="120000">
+              <a:path w="120000" h="120000" extrusionOk="0">
                 <a:moveTo>
                   <a:pt x="0" y="0"/>
                 </a:moveTo>
@@ -1155,9 +1196,11 @@
       <p:sp>
         <p:nvSpPr>
           <p:cNvPr id="81" name="Google Shape;81;gd2f33769ed_0_0:notes"/>
-          <p:cNvSpPr txBox="1"/>
+          <p:cNvSpPr txBox="1">
+            <a:spLocks noGrp="1"/>
+          </p:cNvSpPr>
           <p:nvPr>
-            <p:ph idx="1" type="body"/>
+            <p:ph type="body" idx="1"/>
           </p:nvPr>
         </p:nvSpPr>
         <p:spPr>
@@ -1170,12 +1213,12 @@
           </a:prstGeom>
         </p:spPr>
         <p:txBody>
-          <a:bodyPr anchorCtr="0" anchor="t" bIns="91425" lIns="91425" spcFirstLastPara="1" rIns="91425" wrap="square" tIns="91425">
+          <a:bodyPr spcFirstLastPara="1" wrap="square" lIns="91425" tIns="91425" rIns="91425" bIns="91425" anchor="t" anchorCtr="0">
             <a:noAutofit/>
           </a:bodyPr>
           <a:lstStyle/>
           <a:p>
-            <a:pPr indent="0" lvl="0" marL="0" rtl="0" algn="l">
+            <a:pPr marL="0" lvl="0" indent="0" algn="l" rtl="0">
               <a:spcBef>
                 <a:spcPts val="0"/>
               </a:spcBef>
@@ -1184,9 +1227,6 @@
               </a:spcAft>
               <a:buNone/>
             </a:pPr>
-            <a:r>
-              <a:t/>
-            </a:r>
             <a:endParaRPr/>
           </a:p>
         </p:txBody>
@@ -1200,11 +1240,11 @@
 </file>
 
 <file path=ppt/notesSlides/notesSlide6.xml><?xml version="1.0" encoding="utf-8"?>
-<p:notes xmlns:a="http://schemas.openxmlformats.org/drawingml/2006/main" xmlns:r="http://schemas.openxmlformats.org/officeDocument/2006/relationships" xmlns:mc="http://schemas.openxmlformats.org/markup-compatibility/2006" xmlns:mv="urn:schemas-microsoft-com:mac:vml" xmlns:p="http://schemas.openxmlformats.org/presentationml/2006/main" xmlns:c="http://schemas.openxmlformats.org/drawingml/2006/chart" xmlns:dgm="http://schemas.openxmlformats.org/drawingml/2006/diagram" xmlns:o="urn:schemas-microsoft-com:office:office" xmlns:v="urn:schemas-microsoft-com:vml" xmlns:pvml="urn:schemas-microsoft-com:office:powerpoint" xmlns:com="http://schemas.openxmlformats.org/drawingml/2006/compatibility" xmlns:p14="http://schemas.microsoft.com/office/powerpoint/2010/main" xmlns:p15="http://schemas.microsoft.com/office/powerpoint/2012/main" xmlns:ahyp="http://schemas.microsoft.com/office/drawing/2018/hyperlinkcolor" showMasterPhAnim="0" showMasterSp="0">
+<p:notes xmlns:a="http://schemas.openxmlformats.org/drawingml/2006/main" xmlns:r="http://schemas.openxmlformats.org/officeDocument/2006/relationships" xmlns:p="http://schemas.openxmlformats.org/presentationml/2006/main" showMasterSp="0" showMasterPhAnim="0">
   <p:cSld>
     <p:spTree>
       <p:nvGrpSpPr>
-        <p:cNvPr id="86" name="Shape 86"/>
+        <p:cNvPr id="1" name="Shape 86"/>
         <p:cNvGrpSpPr/>
         <p:nvPr/>
       </p:nvGrpSpPr>
@@ -1219,9 +1259,11 @@
       <p:sp>
         <p:nvSpPr>
           <p:cNvPr id="87" name="Google Shape;87;gd2f33769ed_0_168:notes"/>
-          <p:cNvSpPr/>
+          <p:cNvSpPr>
+            <a:spLocks noGrp="1" noRot="1" noChangeAspect="1"/>
+          </p:cNvSpPr>
           <p:nvPr>
-            <p:ph idx="2" type="sldImg"/>
+            <p:ph type="sldImg" idx="2"/>
           </p:nvPr>
         </p:nvSpPr>
         <p:spPr>
@@ -1230,9 +1272,13 @@
             <a:ext cx="6096000" cy="3429000"/>
           </a:xfrm>
           <a:custGeom>
-            <a:rect b="b" l="l" r="r" t="t"/>
+            <a:avLst/>
+            <a:gdLst/>
+            <a:ahLst/>
+            <a:cxnLst/>
+            <a:rect l="l" t="t" r="r" b="b"/>
             <a:pathLst>
-              <a:path extrusionOk="0" h="120000" w="120000">
+              <a:path w="120000" h="120000" extrusionOk="0">
                 <a:moveTo>
                   <a:pt x="0" y="0"/>
                 </a:moveTo>
@@ -1254,9 +1300,11 @@
       <p:sp>
         <p:nvSpPr>
           <p:cNvPr id="88" name="Google Shape;88;gd2f33769ed_0_168:notes"/>
-          <p:cNvSpPr txBox="1"/>
+          <p:cNvSpPr txBox="1">
+            <a:spLocks noGrp="1"/>
+          </p:cNvSpPr>
           <p:nvPr>
-            <p:ph idx="1" type="body"/>
+            <p:ph type="body" idx="1"/>
           </p:nvPr>
         </p:nvSpPr>
         <p:spPr>
@@ -1269,12 +1317,12 @@
           </a:prstGeom>
         </p:spPr>
         <p:txBody>
-          <a:bodyPr anchorCtr="0" anchor="t" bIns="91425" lIns="91425" spcFirstLastPara="1" rIns="91425" wrap="square" tIns="91425">
+          <a:bodyPr spcFirstLastPara="1" wrap="square" lIns="91425" tIns="91425" rIns="91425" bIns="91425" anchor="t" anchorCtr="0">
             <a:noAutofit/>
           </a:bodyPr>
           <a:lstStyle/>
           <a:p>
-            <a:pPr indent="0" lvl="0" marL="0" rtl="0" algn="l">
+            <a:pPr marL="0" lvl="0" indent="0" algn="l" rtl="0">
               <a:spcBef>
                 <a:spcPts val="0"/>
               </a:spcBef>
@@ -1283,9 +1331,6 @@
               </a:spcAft>
               <a:buNone/>
             </a:pPr>
-            <a:r>
-              <a:t/>
-            </a:r>
             <a:endParaRPr/>
           </a:p>
         </p:txBody>
@@ -1299,11 +1344,11 @@
 </file>
 
 <file path=ppt/notesSlides/notesSlide7.xml><?xml version="1.0" encoding="utf-8"?>
-<p:notes xmlns:a="http://schemas.openxmlformats.org/drawingml/2006/main" xmlns:r="http://schemas.openxmlformats.org/officeDocument/2006/relationships" xmlns:mc="http://schemas.openxmlformats.org/markup-compatibility/2006" xmlns:mv="urn:schemas-microsoft-com:mac:vml" xmlns:p="http://schemas.openxmlformats.org/presentationml/2006/main" xmlns:c="http://schemas.openxmlformats.org/drawingml/2006/chart" xmlns:dgm="http://schemas.openxmlformats.org/drawingml/2006/diagram" xmlns:o="urn:schemas-microsoft-com:office:office" xmlns:v="urn:schemas-microsoft-com:vml" xmlns:pvml="urn:schemas-microsoft-com:office:powerpoint" xmlns:com="http://schemas.openxmlformats.org/drawingml/2006/compatibility" xmlns:p14="http://schemas.microsoft.com/office/powerpoint/2010/main" xmlns:p15="http://schemas.microsoft.com/office/powerpoint/2012/main" xmlns:ahyp="http://schemas.microsoft.com/office/drawing/2018/hyperlinkcolor" showMasterPhAnim="0" showMasterSp="0">
+<p:notes xmlns:a="http://schemas.openxmlformats.org/drawingml/2006/main" xmlns:r="http://schemas.openxmlformats.org/officeDocument/2006/relationships" xmlns:p="http://schemas.openxmlformats.org/presentationml/2006/main" showMasterSp="0" showMasterPhAnim="0">
   <p:cSld>
     <p:spTree>
       <p:nvGrpSpPr>
-        <p:cNvPr id="92" name="Shape 92"/>
+        <p:cNvPr id="1" name="Shape 92"/>
         <p:cNvGrpSpPr/>
         <p:nvPr/>
       </p:nvGrpSpPr>
@@ -1318,9 +1363,11 @@
       <p:sp>
         <p:nvSpPr>
           <p:cNvPr id="93" name="Google Shape;93;gd2f33769ed_0_156:notes"/>
-          <p:cNvSpPr/>
+          <p:cNvSpPr>
+            <a:spLocks noGrp="1" noRot="1" noChangeAspect="1"/>
+          </p:cNvSpPr>
           <p:nvPr>
-            <p:ph idx="2" type="sldImg"/>
+            <p:ph type="sldImg" idx="2"/>
           </p:nvPr>
         </p:nvSpPr>
         <p:spPr>
@@ -1329,9 +1376,13 @@
             <a:ext cx="6096000" cy="3429000"/>
           </a:xfrm>
           <a:custGeom>
-            <a:rect b="b" l="l" r="r" t="t"/>
+            <a:avLst/>
+            <a:gdLst/>
+            <a:ahLst/>
+            <a:cxnLst/>
+            <a:rect l="l" t="t" r="r" b="b"/>
             <a:pathLst>
-              <a:path extrusionOk="0" h="120000" w="120000">
+              <a:path w="120000" h="120000" extrusionOk="0">
                 <a:moveTo>
                   <a:pt x="0" y="0"/>
                 </a:moveTo>
@@ -1353,9 +1404,11 @@
       <p:sp>
         <p:nvSpPr>
           <p:cNvPr id="94" name="Google Shape;94;gd2f33769ed_0_156:notes"/>
-          <p:cNvSpPr txBox="1"/>
+          <p:cNvSpPr txBox="1">
+            <a:spLocks noGrp="1"/>
+          </p:cNvSpPr>
           <p:nvPr>
-            <p:ph idx="1" type="body"/>
+            <p:ph type="body" idx="1"/>
           </p:nvPr>
         </p:nvSpPr>
         <p:spPr>
@@ -1368,12 +1421,12 @@
           </a:prstGeom>
         </p:spPr>
         <p:txBody>
-          <a:bodyPr anchorCtr="0" anchor="t" bIns="91425" lIns="91425" spcFirstLastPara="1" rIns="91425" wrap="square" tIns="91425">
+          <a:bodyPr spcFirstLastPara="1" wrap="square" lIns="91425" tIns="91425" rIns="91425" bIns="91425" anchor="t" anchorCtr="0">
             <a:noAutofit/>
           </a:bodyPr>
           <a:lstStyle/>
           <a:p>
-            <a:pPr indent="0" lvl="0" marL="0" rtl="0" algn="l">
+            <a:pPr marL="0" lvl="0" indent="0" algn="l" rtl="0">
               <a:spcBef>
                 <a:spcPts val="0"/>
               </a:spcBef>
@@ -1382,9 +1435,6 @@
               </a:spcAft>
               <a:buNone/>
             </a:pPr>
-            <a:r>
-              <a:t/>
-            </a:r>
             <a:endParaRPr/>
           </a:p>
         </p:txBody>
@@ -1398,11 +1448,11 @@
 </file>
 
 <file path=ppt/notesSlides/notesSlide8.xml><?xml version="1.0" encoding="utf-8"?>
-<p:notes xmlns:a="http://schemas.openxmlformats.org/drawingml/2006/main" xmlns:r="http://schemas.openxmlformats.org/officeDocument/2006/relationships" xmlns:mc="http://schemas.openxmlformats.org/markup-compatibility/2006" xmlns:mv="urn:schemas-microsoft-com:mac:vml" xmlns:p="http://schemas.openxmlformats.org/presentationml/2006/main" xmlns:c="http://schemas.openxmlformats.org/drawingml/2006/chart" xmlns:dgm="http://schemas.openxmlformats.org/drawingml/2006/diagram" xmlns:o="urn:schemas-microsoft-com:office:office" xmlns:v="urn:schemas-microsoft-com:vml" xmlns:pvml="urn:schemas-microsoft-com:office:powerpoint" xmlns:com="http://schemas.openxmlformats.org/drawingml/2006/compatibility" xmlns:p14="http://schemas.microsoft.com/office/powerpoint/2010/main" xmlns:p15="http://schemas.microsoft.com/office/powerpoint/2012/main" xmlns:ahyp="http://schemas.microsoft.com/office/drawing/2018/hyperlinkcolor" showMasterPhAnim="0" showMasterSp="0">
+<p:notes xmlns:a="http://schemas.openxmlformats.org/drawingml/2006/main" xmlns:r="http://schemas.openxmlformats.org/officeDocument/2006/relationships" xmlns:p="http://schemas.openxmlformats.org/presentationml/2006/main" showMasterSp="0" showMasterPhAnim="0">
   <p:cSld>
     <p:spTree>
       <p:nvGrpSpPr>
-        <p:cNvPr id="98" name="Shape 98"/>
+        <p:cNvPr id="1" name="Shape 98"/>
         <p:cNvGrpSpPr/>
         <p:nvPr/>
       </p:nvGrpSpPr>
@@ -1417,9 +1467,11 @@
       <p:sp>
         <p:nvSpPr>
           <p:cNvPr id="99" name="Google Shape;99;gd2f33769ed_0_162:notes"/>
-          <p:cNvSpPr/>
+          <p:cNvSpPr>
+            <a:spLocks noGrp="1" noRot="1" noChangeAspect="1"/>
+          </p:cNvSpPr>
           <p:nvPr>
-            <p:ph idx="2" type="sldImg"/>
+            <p:ph type="sldImg" idx="2"/>
           </p:nvPr>
         </p:nvSpPr>
         <p:spPr>
@@ -1428,9 +1480,13 @@
             <a:ext cx="6096000" cy="3429000"/>
           </a:xfrm>
           <a:custGeom>
-            <a:rect b="b" l="l" r="r" t="t"/>
+            <a:avLst/>
+            <a:gdLst/>
+            <a:ahLst/>
+            <a:cxnLst/>
+            <a:rect l="l" t="t" r="r" b="b"/>
             <a:pathLst>
-              <a:path extrusionOk="0" h="120000" w="120000">
+              <a:path w="120000" h="120000" extrusionOk="0">
                 <a:moveTo>
                   <a:pt x="0" y="0"/>
                 </a:moveTo>
@@ -1452,9 +1508,11 @@
       <p:sp>
         <p:nvSpPr>
           <p:cNvPr id="100" name="Google Shape;100;gd2f33769ed_0_162:notes"/>
-          <p:cNvSpPr txBox="1"/>
+          <p:cNvSpPr txBox="1">
+            <a:spLocks noGrp="1"/>
+          </p:cNvSpPr>
           <p:nvPr>
-            <p:ph idx="1" type="body"/>
+            <p:ph type="body" idx="1"/>
           </p:nvPr>
         </p:nvSpPr>
         <p:spPr>
@@ -1467,12 +1525,12 @@
           </a:prstGeom>
         </p:spPr>
         <p:txBody>
-          <a:bodyPr anchorCtr="0" anchor="t" bIns="91425" lIns="91425" spcFirstLastPara="1" rIns="91425" wrap="square" tIns="91425">
+          <a:bodyPr spcFirstLastPara="1" wrap="square" lIns="91425" tIns="91425" rIns="91425" bIns="91425" anchor="t" anchorCtr="0">
             <a:noAutofit/>
           </a:bodyPr>
           <a:lstStyle/>
           <a:p>
-            <a:pPr indent="0" lvl="0" marL="0" rtl="0" algn="l">
+            <a:pPr marL="0" lvl="0" indent="0" algn="l" rtl="0">
               <a:spcBef>
                 <a:spcPts val="0"/>
               </a:spcBef>
@@ -1481,9 +1539,6 @@
               </a:spcAft>
               <a:buNone/>
             </a:pPr>
-            <a:r>
-              <a:t/>
-            </a:r>
             <a:endParaRPr/>
           </a:p>
         </p:txBody>
@@ -1497,11 +1552,11 @@
 </file>
 
 <file path=ppt/slideLayouts/slideLayout1.xml><?xml version="1.0" encoding="utf-8"?>
-<p:sldLayout xmlns:a="http://schemas.openxmlformats.org/drawingml/2006/main" xmlns:r="http://schemas.openxmlformats.org/officeDocument/2006/relationships" xmlns:mc="http://schemas.openxmlformats.org/markup-compatibility/2006" xmlns:mv="urn:schemas-microsoft-com:mac:vml" xmlns:p="http://schemas.openxmlformats.org/presentationml/2006/main" xmlns:c="http://schemas.openxmlformats.org/drawingml/2006/chart" xmlns:dgm="http://schemas.openxmlformats.org/drawingml/2006/diagram" xmlns:o="urn:schemas-microsoft-com:office:office" xmlns:v="urn:schemas-microsoft-com:vml" xmlns:pvml="urn:schemas-microsoft-com:office:powerpoint" xmlns:com="http://schemas.openxmlformats.org/drawingml/2006/compatibility" xmlns:p14="http://schemas.microsoft.com/office/powerpoint/2010/main" xmlns:p15="http://schemas.microsoft.com/office/powerpoint/2012/main" xmlns:ahyp="http://schemas.microsoft.com/office/drawing/2018/hyperlinkcolor" matchingName="Title slide" type="title">
+<p:sldLayout xmlns:a="http://schemas.openxmlformats.org/drawingml/2006/main" xmlns:r="http://schemas.openxmlformats.org/officeDocument/2006/relationships" xmlns:p="http://schemas.openxmlformats.org/presentationml/2006/main" matchingName="Title slide" type="title">
   <p:cSld name="TITLE">
     <p:spTree>
       <p:nvGrpSpPr>
-        <p:cNvPr id="9" name="Shape 9"/>
+        <p:cNvPr id="1" name="Shape 9"/>
         <p:cNvGrpSpPr/>
         <p:nvPr/>
       </p:nvGrpSpPr>
@@ -1549,12 +1604,12 @@
             </a:ln>
           </p:spPr>
           <p:txBody>
-            <a:bodyPr anchorCtr="0" anchor="ctr" bIns="91425" lIns="91425" spcFirstLastPara="1" rIns="91425" wrap="square" tIns="91425">
+            <a:bodyPr spcFirstLastPara="1" wrap="square" lIns="91425" tIns="91425" rIns="91425" bIns="91425" anchor="ctr" anchorCtr="0">
               <a:noAutofit/>
             </a:bodyPr>
             <a:lstStyle/>
             <a:p>
-              <a:pPr indent="0" lvl="0" marL="0" rtl="0" algn="l">
+              <a:pPr marL="0" lvl="0" indent="0" algn="l" rtl="0">
                 <a:spcBef>
                   <a:spcPts val="0"/>
                 </a:spcBef>
@@ -1563,9 +1618,6 @@
                 </a:spcAft>
                 <a:buNone/>
               </a:pPr>
-              <a:r>
-                <a:t/>
-              </a:r>
               <a:endParaRPr/>
             </a:p>
           </p:txBody>
@@ -1592,12 +1644,12 @@
             </a:ln>
           </p:spPr>
           <p:txBody>
-            <a:bodyPr anchorCtr="0" anchor="ctr" bIns="91425" lIns="91425" spcFirstLastPara="1" rIns="91425" wrap="square" tIns="91425">
+            <a:bodyPr spcFirstLastPara="1" wrap="square" lIns="91425" tIns="91425" rIns="91425" bIns="91425" anchor="ctr" anchorCtr="0">
               <a:noAutofit/>
             </a:bodyPr>
             <a:lstStyle/>
             <a:p>
-              <a:pPr indent="0" lvl="0" marL="0" rtl="0" algn="l">
+              <a:pPr marL="0" lvl="0" indent="0" algn="l" rtl="0">
                 <a:spcBef>
                   <a:spcPts val="0"/>
                 </a:spcBef>
@@ -1606,9 +1658,6 @@
                 </a:spcAft>
                 <a:buNone/>
               </a:pPr>
-              <a:r>
-                <a:t/>
-              </a:r>
               <a:endParaRPr/>
             </a:p>
           </p:txBody>
@@ -1635,12 +1684,12 @@
             </a:ln>
           </p:spPr>
           <p:txBody>
-            <a:bodyPr anchorCtr="0" anchor="ctr" bIns="91425" lIns="91425" spcFirstLastPara="1" rIns="91425" wrap="square" tIns="91425">
+            <a:bodyPr spcFirstLastPara="1" wrap="square" lIns="91425" tIns="91425" rIns="91425" bIns="91425" anchor="ctr" anchorCtr="0">
               <a:noAutofit/>
             </a:bodyPr>
             <a:lstStyle/>
             <a:p>
-              <a:pPr indent="0" lvl="0" marL="0" rtl="0" algn="l">
+              <a:pPr marL="0" lvl="0" indent="0" algn="l" rtl="0">
                 <a:spcBef>
                   <a:spcPts val="0"/>
                 </a:spcBef>
@@ -1649,9 +1698,6 @@
                 </a:spcAft>
                 <a:buNone/>
               </a:pPr>
-              <a:r>
-                <a:t/>
-              </a:r>
               <a:endParaRPr/>
             </a:p>
           </p:txBody>
@@ -1660,7 +1706,9 @@
       <p:sp>
         <p:nvSpPr>
           <p:cNvPr id="14" name="Google Shape;14;p2"/>
-          <p:cNvSpPr txBox="1"/>
+          <p:cNvSpPr txBox="1">
+            <a:spLocks noGrp="1"/>
+          </p:cNvSpPr>
           <p:nvPr>
             <p:ph type="ctrTitle"/>
           </p:nvPr>
@@ -1675,7 +1723,7 @@
           </a:prstGeom>
         </p:spPr>
         <p:txBody>
-          <a:bodyPr anchorCtr="0" anchor="b" bIns="91425" lIns="91425" spcFirstLastPara="1" rIns="91425" wrap="square" tIns="91425">
+          <a:bodyPr spcFirstLastPara="1" wrap="square" lIns="91425" tIns="91425" rIns="91425" bIns="91425" anchor="b" anchorCtr="0">
             <a:normAutofit/>
           </a:bodyPr>
           <a:lstStyle>
@@ -1779,15 +1827,19 @@
               <a:defRPr sz="4800"/>
             </a:lvl9pPr>
           </a:lstStyle>
-          <a:p/>
+          <a:p>
+            <a:endParaRPr/>
+          </a:p>
         </p:txBody>
       </p:sp>
       <p:sp>
         <p:nvSpPr>
           <p:cNvPr id="15" name="Google Shape;15;p2"/>
-          <p:cNvSpPr txBox="1"/>
+          <p:cNvSpPr txBox="1">
+            <a:spLocks noGrp="1"/>
+          </p:cNvSpPr>
           <p:nvPr>
-            <p:ph idx="1" type="subTitle"/>
+            <p:ph type="subTitle" idx="1"/>
           </p:nvPr>
         </p:nvSpPr>
         <p:spPr>
@@ -1800,7 +1852,7 @@
           </a:prstGeom>
         </p:spPr>
         <p:txBody>
-          <a:bodyPr anchorCtr="0" anchor="t" bIns="91425" lIns="91425" spcFirstLastPara="1" rIns="91425" wrap="square" tIns="91425">
+          <a:bodyPr spcFirstLastPara="1" wrap="square" lIns="91425" tIns="91425" rIns="91425" bIns="91425" anchor="t" anchorCtr="0">
             <a:normAutofit/>
           </a:bodyPr>
           <a:lstStyle>
@@ -1931,15 +1983,19 @@
               <a:defRPr sz="2100"/>
             </a:lvl9pPr>
           </a:lstStyle>
-          <a:p/>
+          <a:p>
+            <a:endParaRPr/>
+          </a:p>
         </p:txBody>
       </p:sp>
       <p:sp>
         <p:nvSpPr>
           <p:cNvPr id="16" name="Google Shape;16;p2"/>
-          <p:cNvSpPr txBox="1"/>
+          <p:cNvSpPr txBox="1">
+            <a:spLocks noGrp="1"/>
+          </p:cNvSpPr>
           <p:nvPr>
-            <p:ph idx="12" type="sldNum"/>
+            <p:ph type="sldNum" idx="12"/>
           </p:nvPr>
         </p:nvSpPr>
         <p:spPr>
@@ -1952,7 +2008,7 @@
           </a:prstGeom>
         </p:spPr>
         <p:txBody>
-          <a:bodyPr anchorCtr="0" anchor="ctr" bIns="91425" lIns="91425" spcFirstLastPara="1" rIns="91425" wrap="square" tIns="91425">
+          <a:bodyPr spcFirstLastPara="1" wrap="square" lIns="91425" tIns="91425" rIns="91425" bIns="91425" anchor="ctr" anchorCtr="0">
             <a:normAutofit/>
           </a:bodyPr>
           <a:lstStyle>
@@ -1994,7 +2050,7 @@
             </a:lvl9pPr>
           </a:lstStyle>
           <a:p>
-            <a:pPr indent="0" lvl="0" marL="0" rtl="0" algn="r">
+            <a:pPr marL="0" lvl="0" indent="0" algn="r" rtl="0">
               <a:spcBef>
                 <a:spcPts val="0"/>
               </a:spcBef>
@@ -2020,11 +2076,11 @@
 </file>
 
 <file path=ppt/slideLayouts/slideLayout10.xml><?xml version="1.0" encoding="utf-8"?>
-<p:sldLayout xmlns:a="http://schemas.openxmlformats.org/drawingml/2006/main" xmlns:r="http://schemas.openxmlformats.org/officeDocument/2006/relationships" xmlns:mc="http://schemas.openxmlformats.org/markup-compatibility/2006" xmlns:mv="urn:schemas-microsoft-com:mac:vml" xmlns:p="http://schemas.openxmlformats.org/presentationml/2006/main" xmlns:c="http://schemas.openxmlformats.org/drawingml/2006/chart" xmlns:dgm="http://schemas.openxmlformats.org/drawingml/2006/diagram" xmlns:o="urn:schemas-microsoft-com:office:office" xmlns:v="urn:schemas-microsoft-com:vml" xmlns:pvml="urn:schemas-microsoft-com:office:powerpoint" xmlns:com="http://schemas.openxmlformats.org/drawingml/2006/compatibility" xmlns:p14="http://schemas.microsoft.com/office/powerpoint/2010/main" xmlns:p15="http://schemas.microsoft.com/office/powerpoint/2012/main" xmlns:ahyp="http://schemas.microsoft.com/office/drawing/2018/hyperlinkcolor" matchingName="Big number">
+<p:sldLayout xmlns:a="http://schemas.openxmlformats.org/drawingml/2006/main" xmlns:r="http://schemas.openxmlformats.org/officeDocument/2006/relationships" xmlns:p="http://schemas.openxmlformats.org/presentationml/2006/main" matchingName="Big number">
   <p:cSld name="BIG_NUMBER">
     <p:spTree>
       <p:nvGrpSpPr>
-        <p:cNvPr id="49" name="Shape 49"/>
+        <p:cNvPr id="1" name="Shape 49"/>
         <p:cNvGrpSpPr/>
         <p:nvPr/>
       </p:nvGrpSpPr>
@@ -2039,9 +2095,11 @@
       <p:sp>
         <p:nvSpPr>
           <p:cNvPr id="50" name="Google Shape;50;p11"/>
-          <p:cNvSpPr txBox="1"/>
+          <p:cNvSpPr txBox="1">
+            <a:spLocks noGrp="1"/>
+          </p:cNvSpPr>
           <p:nvPr>
-            <p:ph hasCustomPrompt="1" type="title"/>
+            <p:ph type="title" hasCustomPrompt="1"/>
           </p:nvPr>
         </p:nvSpPr>
         <p:spPr>
@@ -2054,7 +2112,7 @@
           </a:prstGeom>
         </p:spPr>
         <p:txBody>
-          <a:bodyPr anchorCtr="0" anchor="b" bIns="91425" lIns="91425" spcFirstLastPara="1" rIns="91425" wrap="square" tIns="91425">
+          <a:bodyPr spcFirstLastPara="1" wrap="square" lIns="91425" tIns="91425" rIns="91425" bIns="91425" anchor="b" anchorCtr="0">
             <a:normAutofit/>
           </a:bodyPr>
           <a:lstStyle>
@@ -2168,9 +2226,11 @@
       <p:sp>
         <p:nvSpPr>
           <p:cNvPr id="51" name="Google Shape;51;p11"/>
-          <p:cNvSpPr txBox="1"/>
+          <p:cNvSpPr txBox="1">
+            <a:spLocks noGrp="1"/>
+          </p:cNvSpPr>
           <p:nvPr>
-            <p:ph idx="1" type="body"/>
+            <p:ph type="body" idx="1"/>
           </p:nvPr>
         </p:nvSpPr>
         <p:spPr>
@@ -2183,11 +2243,11 @@
           </a:prstGeom>
         </p:spPr>
         <p:txBody>
-          <a:bodyPr anchorCtr="0" anchor="t" bIns="91425" lIns="91425" spcFirstLastPara="1" rIns="91425" wrap="square" tIns="91425">
+          <a:bodyPr spcFirstLastPara="1" wrap="square" lIns="91425" tIns="91425" rIns="91425" bIns="91425" anchor="t" anchorCtr="0">
             <a:normAutofit/>
           </a:bodyPr>
           <a:lstStyle>
-            <a:lvl1pPr indent="-342900" lvl="0" marL="457200" algn="ctr">
+            <a:lvl1pPr marL="457200" lvl="0" indent="-342900" algn="ctr">
               <a:spcBef>
                 <a:spcPts val="0"/>
               </a:spcBef>
@@ -2198,7 +2258,7 @@
               <a:buChar char="●"/>
               <a:defRPr/>
             </a:lvl1pPr>
-            <a:lvl2pPr indent="-317500" lvl="1" marL="914400" algn="ctr">
+            <a:lvl2pPr marL="914400" lvl="1" indent="-317500" algn="ctr">
               <a:spcBef>
                 <a:spcPts val="0"/>
               </a:spcBef>
@@ -2209,7 +2269,7 @@
               <a:buChar char="○"/>
               <a:defRPr/>
             </a:lvl2pPr>
-            <a:lvl3pPr indent="-317500" lvl="2" marL="1371600" algn="ctr">
+            <a:lvl3pPr marL="1371600" lvl="2" indent="-317500" algn="ctr">
               <a:spcBef>
                 <a:spcPts val="0"/>
               </a:spcBef>
@@ -2220,7 +2280,7 @@
               <a:buChar char="■"/>
               <a:defRPr/>
             </a:lvl3pPr>
-            <a:lvl4pPr indent="-317500" lvl="3" marL="1828800" algn="ctr">
+            <a:lvl4pPr marL="1828800" lvl="3" indent="-317500" algn="ctr">
               <a:spcBef>
                 <a:spcPts val="0"/>
               </a:spcBef>
@@ -2231,7 +2291,7 @@
               <a:buChar char="●"/>
               <a:defRPr/>
             </a:lvl4pPr>
-            <a:lvl5pPr indent="-317500" lvl="4" marL="2286000" algn="ctr">
+            <a:lvl5pPr marL="2286000" lvl="4" indent="-317500" algn="ctr">
               <a:spcBef>
                 <a:spcPts val="0"/>
               </a:spcBef>
@@ -2242,7 +2302,7 @@
               <a:buChar char="○"/>
               <a:defRPr/>
             </a:lvl5pPr>
-            <a:lvl6pPr indent="-317500" lvl="5" marL="2743200" algn="ctr">
+            <a:lvl6pPr marL="2743200" lvl="5" indent="-317500" algn="ctr">
               <a:spcBef>
                 <a:spcPts val="0"/>
               </a:spcBef>
@@ -2253,7 +2313,7 @@
               <a:buChar char="■"/>
               <a:defRPr/>
             </a:lvl6pPr>
-            <a:lvl7pPr indent="-317500" lvl="6" marL="3200400" algn="ctr">
+            <a:lvl7pPr marL="3200400" lvl="6" indent="-317500" algn="ctr">
               <a:spcBef>
                 <a:spcPts val="0"/>
               </a:spcBef>
@@ -2264,7 +2324,7 @@
               <a:buChar char="●"/>
               <a:defRPr/>
             </a:lvl7pPr>
-            <a:lvl8pPr indent="-317500" lvl="7" marL="3657600" algn="ctr">
+            <a:lvl8pPr marL="3657600" lvl="7" indent="-317500" algn="ctr">
               <a:spcBef>
                 <a:spcPts val="0"/>
               </a:spcBef>
@@ -2275,7 +2335,7 @@
               <a:buChar char="○"/>
               <a:defRPr/>
             </a:lvl8pPr>
-            <a:lvl9pPr indent="-317500" lvl="8" marL="4114800" algn="ctr">
+            <a:lvl9pPr marL="4114800" lvl="8" indent="-317500" algn="ctr">
               <a:spcBef>
                 <a:spcPts val="0"/>
               </a:spcBef>
@@ -2287,15 +2347,19 @@
               <a:defRPr/>
             </a:lvl9pPr>
           </a:lstStyle>
-          <a:p/>
+          <a:p>
+            <a:endParaRPr/>
+          </a:p>
         </p:txBody>
       </p:sp>
       <p:sp>
         <p:nvSpPr>
           <p:cNvPr id="52" name="Google Shape;52;p11"/>
-          <p:cNvSpPr txBox="1"/>
+          <p:cNvSpPr txBox="1">
+            <a:spLocks noGrp="1"/>
+          </p:cNvSpPr>
           <p:nvPr>
-            <p:ph idx="12" type="sldNum"/>
+            <p:ph type="sldNum" idx="12"/>
           </p:nvPr>
         </p:nvSpPr>
         <p:spPr>
@@ -2308,7 +2372,7 @@
           </a:prstGeom>
         </p:spPr>
         <p:txBody>
-          <a:bodyPr anchorCtr="0" anchor="ctr" bIns="91425" lIns="91425" spcFirstLastPara="1" rIns="91425" wrap="square" tIns="91425">
+          <a:bodyPr spcFirstLastPara="1" wrap="square" lIns="91425" tIns="91425" rIns="91425" bIns="91425" anchor="ctr" anchorCtr="0">
             <a:normAutofit/>
           </a:bodyPr>
           <a:lstStyle>
@@ -2350,7 +2414,7 @@
             </a:lvl9pPr>
           </a:lstStyle>
           <a:p>
-            <a:pPr indent="0" lvl="0" marL="0" rtl="0" algn="r">
+            <a:pPr marL="0" lvl="0" indent="0" algn="r" rtl="0">
               <a:spcBef>
                 <a:spcPts val="0"/>
               </a:spcBef>
@@ -2376,11 +2440,11 @@
 </file>
 
 <file path=ppt/slideLayouts/slideLayout11.xml><?xml version="1.0" encoding="utf-8"?>
-<p:sldLayout xmlns:a="http://schemas.openxmlformats.org/drawingml/2006/main" xmlns:r="http://schemas.openxmlformats.org/officeDocument/2006/relationships" xmlns:mc="http://schemas.openxmlformats.org/markup-compatibility/2006" xmlns:mv="urn:schemas-microsoft-com:mac:vml" xmlns:p="http://schemas.openxmlformats.org/presentationml/2006/main" xmlns:c="http://schemas.openxmlformats.org/drawingml/2006/chart" xmlns:dgm="http://schemas.openxmlformats.org/drawingml/2006/diagram" xmlns:o="urn:schemas-microsoft-com:office:office" xmlns:v="urn:schemas-microsoft-com:vml" xmlns:pvml="urn:schemas-microsoft-com:office:powerpoint" xmlns:com="http://schemas.openxmlformats.org/drawingml/2006/compatibility" xmlns:p14="http://schemas.microsoft.com/office/powerpoint/2010/main" xmlns:p15="http://schemas.microsoft.com/office/powerpoint/2012/main" xmlns:ahyp="http://schemas.microsoft.com/office/drawing/2018/hyperlinkcolor" matchingName="Blank" type="blank">
+<p:sldLayout xmlns:a="http://schemas.openxmlformats.org/drawingml/2006/main" xmlns:r="http://schemas.openxmlformats.org/officeDocument/2006/relationships" xmlns:p="http://schemas.openxmlformats.org/presentationml/2006/main" matchingName="Blank" type="blank">
   <p:cSld name="BLANK">
     <p:spTree>
       <p:nvGrpSpPr>
-        <p:cNvPr id="53" name="Shape 53"/>
+        <p:cNvPr id="1" name="Shape 53"/>
         <p:cNvGrpSpPr/>
         <p:nvPr/>
       </p:nvGrpSpPr>
@@ -2395,9 +2459,11 @@
       <p:sp>
         <p:nvSpPr>
           <p:cNvPr id="54" name="Google Shape;54;p12"/>
-          <p:cNvSpPr txBox="1"/>
+          <p:cNvSpPr txBox="1">
+            <a:spLocks noGrp="1"/>
+          </p:cNvSpPr>
           <p:nvPr>
-            <p:ph idx="12" type="sldNum"/>
+            <p:ph type="sldNum" idx="12"/>
           </p:nvPr>
         </p:nvSpPr>
         <p:spPr>
@@ -2410,7 +2476,7 @@
           </a:prstGeom>
         </p:spPr>
         <p:txBody>
-          <a:bodyPr anchorCtr="0" anchor="ctr" bIns="91425" lIns="91425" spcFirstLastPara="1" rIns="91425" wrap="square" tIns="91425">
+          <a:bodyPr spcFirstLastPara="1" wrap="square" lIns="91425" tIns="91425" rIns="91425" bIns="91425" anchor="ctr" anchorCtr="0">
             <a:normAutofit/>
           </a:bodyPr>
           <a:lstStyle>
@@ -2452,7 +2518,7 @@
             </a:lvl9pPr>
           </a:lstStyle>
           <a:p>
-            <a:pPr indent="0" lvl="0" marL="0" rtl="0" algn="r">
+            <a:pPr marL="0" lvl="0" indent="0" algn="r" rtl="0">
               <a:spcBef>
                 <a:spcPts val="0"/>
               </a:spcBef>
@@ -2478,11 +2544,11 @@
 </file>
 
 <file path=ppt/slideLayouts/slideLayout2.xml><?xml version="1.0" encoding="utf-8"?>
-<p:sldLayout xmlns:a="http://schemas.openxmlformats.org/drawingml/2006/main" xmlns:r="http://schemas.openxmlformats.org/officeDocument/2006/relationships" xmlns:mc="http://schemas.openxmlformats.org/markup-compatibility/2006" xmlns:mv="urn:schemas-microsoft-com:mac:vml" xmlns:p="http://schemas.openxmlformats.org/presentationml/2006/main" xmlns:c="http://schemas.openxmlformats.org/drawingml/2006/chart" xmlns:dgm="http://schemas.openxmlformats.org/drawingml/2006/diagram" xmlns:o="urn:schemas-microsoft-com:office:office" xmlns:v="urn:schemas-microsoft-com:vml" xmlns:pvml="urn:schemas-microsoft-com:office:powerpoint" xmlns:com="http://schemas.openxmlformats.org/drawingml/2006/compatibility" xmlns:p14="http://schemas.microsoft.com/office/powerpoint/2010/main" xmlns:p15="http://schemas.microsoft.com/office/powerpoint/2012/main" xmlns:ahyp="http://schemas.microsoft.com/office/drawing/2018/hyperlinkcolor" matchingName="Section header" type="secHead">
+<p:sldLayout xmlns:a="http://schemas.openxmlformats.org/drawingml/2006/main" xmlns:r="http://schemas.openxmlformats.org/officeDocument/2006/relationships" xmlns:p="http://schemas.openxmlformats.org/presentationml/2006/main" matchingName="Section header" type="secHead">
   <p:cSld name="SECTION_HEADER">
     <p:spTree>
       <p:nvGrpSpPr>
-        <p:cNvPr id="17" name="Shape 17"/>
+        <p:cNvPr id="1" name="Shape 17"/>
         <p:cNvGrpSpPr/>
         <p:nvPr/>
       </p:nvGrpSpPr>
@@ -2497,7 +2563,9 @@
       <p:sp>
         <p:nvSpPr>
           <p:cNvPr id="18" name="Google Shape;18;p3"/>
-          <p:cNvSpPr txBox="1"/>
+          <p:cNvSpPr txBox="1">
+            <a:spLocks noGrp="1"/>
+          </p:cNvSpPr>
           <p:nvPr>
             <p:ph type="title"/>
           </p:nvPr>
@@ -2512,7 +2580,7 @@
           </a:prstGeom>
         </p:spPr>
         <p:txBody>
-          <a:bodyPr anchorCtr="0" anchor="ctr" bIns="91425" lIns="91425" spcFirstLastPara="1" rIns="91425" wrap="square" tIns="91425">
+          <a:bodyPr spcFirstLastPara="1" wrap="square" lIns="91425" tIns="91425" rIns="91425" bIns="91425" anchor="ctr" anchorCtr="0">
             <a:normAutofit/>
           </a:bodyPr>
           <a:lstStyle>
@@ -2616,15 +2684,19 @@
               <a:defRPr sz="3600"/>
             </a:lvl9pPr>
           </a:lstStyle>
-          <a:p/>
+          <a:p>
+            <a:endParaRPr/>
+          </a:p>
         </p:txBody>
       </p:sp>
       <p:sp>
         <p:nvSpPr>
           <p:cNvPr id="19" name="Google Shape;19;p3"/>
-          <p:cNvSpPr txBox="1"/>
+          <p:cNvSpPr txBox="1">
+            <a:spLocks noGrp="1"/>
+          </p:cNvSpPr>
           <p:nvPr>
-            <p:ph idx="12" type="sldNum"/>
+            <p:ph type="sldNum" idx="12"/>
           </p:nvPr>
         </p:nvSpPr>
         <p:spPr>
@@ -2637,7 +2709,7 @@
           </a:prstGeom>
         </p:spPr>
         <p:txBody>
-          <a:bodyPr anchorCtr="0" anchor="ctr" bIns="91425" lIns="91425" spcFirstLastPara="1" rIns="91425" wrap="square" tIns="91425">
+          <a:bodyPr spcFirstLastPara="1" wrap="square" lIns="91425" tIns="91425" rIns="91425" bIns="91425" anchor="ctr" anchorCtr="0">
             <a:normAutofit/>
           </a:bodyPr>
           <a:lstStyle>
@@ -2679,7 +2751,7 @@
             </a:lvl9pPr>
           </a:lstStyle>
           <a:p>
-            <a:pPr indent="0" lvl="0" marL="0" rtl="0" algn="r">
+            <a:pPr marL="0" lvl="0" indent="0" algn="r" rtl="0">
               <a:spcBef>
                 <a:spcPts val="0"/>
               </a:spcBef>
@@ -2705,11 +2777,11 @@
 </file>
 
 <file path=ppt/slideLayouts/slideLayout3.xml><?xml version="1.0" encoding="utf-8"?>
-<p:sldLayout xmlns:a="http://schemas.openxmlformats.org/drawingml/2006/main" xmlns:r="http://schemas.openxmlformats.org/officeDocument/2006/relationships" xmlns:mc="http://schemas.openxmlformats.org/markup-compatibility/2006" xmlns:mv="urn:schemas-microsoft-com:mac:vml" xmlns:p="http://schemas.openxmlformats.org/presentationml/2006/main" xmlns:c="http://schemas.openxmlformats.org/drawingml/2006/chart" xmlns:dgm="http://schemas.openxmlformats.org/drawingml/2006/diagram" xmlns:o="urn:schemas-microsoft-com:office:office" xmlns:v="urn:schemas-microsoft-com:vml" xmlns:pvml="urn:schemas-microsoft-com:office:powerpoint" xmlns:com="http://schemas.openxmlformats.org/drawingml/2006/compatibility" xmlns:p14="http://schemas.microsoft.com/office/powerpoint/2010/main" xmlns:p15="http://schemas.microsoft.com/office/powerpoint/2012/main" xmlns:ahyp="http://schemas.microsoft.com/office/drawing/2018/hyperlinkcolor" matchingName="Title and body" type="tx">
+<p:sldLayout xmlns:a="http://schemas.openxmlformats.org/drawingml/2006/main" xmlns:r="http://schemas.openxmlformats.org/officeDocument/2006/relationships" xmlns:p="http://schemas.openxmlformats.org/presentationml/2006/main" matchingName="Title and body" type="tx">
   <p:cSld name="TITLE_AND_BODY">
     <p:spTree>
       <p:nvGrpSpPr>
-        <p:cNvPr id="20" name="Shape 20"/>
+        <p:cNvPr id="1" name="Shape 20"/>
         <p:cNvGrpSpPr/>
         <p:nvPr/>
       </p:nvGrpSpPr>
@@ -2724,7 +2796,9 @@
       <p:sp>
         <p:nvSpPr>
           <p:cNvPr id="21" name="Google Shape;21;p4"/>
-          <p:cNvSpPr txBox="1"/>
+          <p:cNvSpPr txBox="1">
+            <a:spLocks noGrp="1"/>
+          </p:cNvSpPr>
           <p:nvPr>
             <p:ph type="title"/>
           </p:nvPr>
@@ -2739,7 +2813,7 @@
           </a:prstGeom>
         </p:spPr>
         <p:txBody>
-          <a:bodyPr anchorCtr="0" anchor="t" bIns="91425" lIns="91425" spcFirstLastPara="1" rIns="91425" wrap="square" tIns="91425">
+          <a:bodyPr spcFirstLastPara="1" wrap="square" lIns="91425" tIns="91425" rIns="91425" bIns="91425" anchor="t" anchorCtr="0">
             <a:normAutofit/>
           </a:bodyPr>
           <a:lstStyle>
@@ -2843,15 +2917,19 @@
               <a:defRPr/>
             </a:lvl9pPr>
           </a:lstStyle>
-          <a:p/>
+          <a:p>
+            <a:endParaRPr/>
+          </a:p>
         </p:txBody>
       </p:sp>
       <p:sp>
         <p:nvSpPr>
           <p:cNvPr id="22" name="Google Shape;22;p4"/>
-          <p:cNvSpPr txBox="1"/>
+          <p:cNvSpPr txBox="1">
+            <a:spLocks noGrp="1"/>
+          </p:cNvSpPr>
           <p:nvPr>
-            <p:ph idx="1" type="body"/>
+            <p:ph type="body" idx="1"/>
           </p:nvPr>
         </p:nvSpPr>
         <p:spPr>
@@ -2864,11 +2942,11 @@
           </a:prstGeom>
         </p:spPr>
         <p:txBody>
-          <a:bodyPr anchorCtr="0" anchor="t" bIns="91425" lIns="91425" spcFirstLastPara="1" rIns="91425" wrap="square" tIns="91425">
+          <a:bodyPr spcFirstLastPara="1" wrap="square" lIns="91425" tIns="91425" rIns="91425" bIns="91425" anchor="t" anchorCtr="0">
             <a:normAutofit/>
           </a:bodyPr>
           <a:lstStyle>
-            <a:lvl1pPr indent="-342900" lvl="0" marL="457200">
+            <a:lvl1pPr marL="457200" lvl="0" indent="-342900">
               <a:spcBef>
                 <a:spcPts val="0"/>
               </a:spcBef>
@@ -2879,7 +2957,7 @@
               <a:buChar char="●"/>
               <a:defRPr/>
             </a:lvl1pPr>
-            <a:lvl2pPr indent="-317500" lvl="1" marL="914400">
+            <a:lvl2pPr marL="914400" lvl="1" indent="-317500">
               <a:spcBef>
                 <a:spcPts val="0"/>
               </a:spcBef>
@@ -2890,7 +2968,7 @@
               <a:buChar char="○"/>
               <a:defRPr/>
             </a:lvl2pPr>
-            <a:lvl3pPr indent="-317500" lvl="2" marL="1371600">
+            <a:lvl3pPr marL="1371600" lvl="2" indent="-317500">
               <a:spcBef>
                 <a:spcPts val="0"/>
               </a:spcBef>
@@ -2901,7 +2979,7 @@
               <a:buChar char="■"/>
               <a:defRPr/>
             </a:lvl3pPr>
-            <a:lvl4pPr indent="-317500" lvl="3" marL="1828800">
+            <a:lvl4pPr marL="1828800" lvl="3" indent="-317500">
               <a:spcBef>
                 <a:spcPts val="0"/>
               </a:spcBef>
@@ -2912,7 +2990,7 @@
               <a:buChar char="●"/>
               <a:defRPr/>
             </a:lvl4pPr>
-            <a:lvl5pPr indent="-317500" lvl="4" marL="2286000">
+            <a:lvl5pPr marL="2286000" lvl="4" indent="-317500">
               <a:spcBef>
                 <a:spcPts val="0"/>
               </a:spcBef>
@@ -2923,7 +3001,7 @@
               <a:buChar char="○"/>
               <a:defRPr/>
             </a:lvl5pPr>
-            <a:lvl6pPr indent="-317500" lvl="5" marL="2743200">
+            <a:lvl6pPr marL="2743200" lvl="5" indent="-317500">
               <a:spcBef>
                 <a:spcPts val="0"/>
               </a:spcBef>
@@ -2934,7 +3012,7 @@
               <a:buChar char="■"/>
               <a:defRPr/>
             </a:lvl6pPr>
-            <a:lvl7pPr indent="-317500" lvl="6" marL="3200400">
+            <a:lvl7pPr marL="3200400" lvl="6" indent="-317500">
               <a:spcBef>
                 <a:spcPts val="0"/>
               </a:spcBef>
@@ -2945,7 +3023,7 @@
               <a:buChar char="●"/>
               <a:defRPr/>
             </a:lvl7pPr>
-            <a:lvl8pPr indent="-317500" lvl="7" marL="3657600">
+            <a:lvl8pPr marL="3657600" lvl="7" indent="-317500">
               <a:spcBef>
                 <a:spcPts val="0"/>
               </a:spcBef>
@@ -2956,7 +3034,7 @@
               <a:buChar char="○"/>
               <a:defRPr/>
             </a:lvl8pPr>
-            <a:lvl9pPr indent="-317500" lvl="8" marL="4114800">
+            <a:lvl9pPr marL="4114800" lvl="8" indent="-317500">
               <a:spcBef>
                 <a:spcPts val="0"/>
               </a:spcBef>
@@ -2968,15 +3046,19 @@
               <a:defRPr/>
             </a:lvl9pPr>
           </a:lstStyle>
-          <a:p/>
+          <a:p>
+            <a:endParaRPr/>
+          </a:p>
         </p:txBody>
       </p:sp>
       <p:sp>
         <p:nvSpPr>
           <p:cNvPr id="23" name="Google Shape;23;p4"/>
-          <p:cNvSpPr txBox="1"/>
+          <p:cNvSpPr txBox="1">
+            <a:spLocks noGrp="1"/>
+          </p:cNvSpPr>
           <p:nvPr>
-            <p:ph idx="12" type="sldNum"/>
+            <p:ph type="sldNum" idx="12"/>
           </p:nvPr>
         </p:nvSpPr>
         <p:spPr>
@@ -2989,7 +3071,7 @@
           </a:prstGeom>
         </p:spPr>
         <p:txBody>
-          <a:bodyPr anchorCtr="0" anchor="ctr" bIns="91425" lIns="91425" spcFirstLastPara="1" rIns="91425" wrap="square" tIns="91425">
+          <a:bodyPr spcFirstLastPara="1" wrap="square" lIns="91425" tIns="91425" rIns="91425" bIns="91425" anchor="ctr" anchorCtr="0">
             <a:normAutofit/>
           </a:bodyPr>
           <a:lstStyle>
@@ -3031,7 +3113,7 @@
             </a:lvl9pPr>
           </a:lstStyle>
           <a:p>
-            <a:pPr indent="0" lvl="0" marL="0" rtl="0" algn="r">
+            <a:pPr marL="0" lvl="0" indent="0" algn="r" rtl="0">
               <a:spcBef>
                 <a:spcPts val="0"/>
               </a:spcBef>
@@ -3057,11 +3139,11 @@
 </file>
 
 <file path=ppt/slideLayouts/slideLayout4.xml><?xml version="1.0" encoding="utf-8"?>
-<p:sldLayout xmlns:a="http://schemas.openxmlformats.org/drawingml/2006/main" xmlns:r="http://schemas.openxmlformats.org/officeDocument/2006/relationships" xmlns:mc="http://schemas.openxmlformats.org/markup-compatibility/2006" xmlns:mv="urn:schemas-microsoft-com:mac:vml" xmlns:p="http://schemas.openxmlformats.org/presentationml/2006/main" xmlns:c="http://schemas.openxmlformats.org/drawingml/2006/chart" xmlns:dgm="http://schemas.openxmlformats.org/drawingml/2006/diagram" xmlns:o="urn:schemas-microsoft-com:office:office" xmlns:v="urn:schemas-microsoft-com:vml" xmlns:pvml="urn:schemas-microsoft-com:office:powerpoint" xmlns:com="http://schemas.openxmlformats.org/drawingml/2006/compatibility" xmlns:p14="http://schemas.microsoft.com/office/powerpoint/2010/main" xmlns:p15="http://schemas.microsoft.com/office/powerpoint/2012/main" xmlns:ahyp="http://schemas.microsoft.com/office/drawing/2018/hyperlinkcolor" matchingName="Title and two columns" type="twoColTx">
+<p:sldLayout xmlns:a="http://schemas.openxmlformats.org/drawingml/2006/main" xmlns:r="http://schemas.openxmlformats.org/officeDocument/2006/relationships" xmlns:p="http://schemas.openxmlformats.org/presentationml/2006/main" matchingName="Title and two columns" type="twoColTx">
   <p:cSld name="TITLE_AND_TWO_COLUMNS">
     <p:spTree>
       <p:nvGrpSpPr>
-        <p:cNvPr id="24" name="Shape 24"/>
+        <p:cNvPr id="1" name="Shape 24"/>
         <p:cNvGrpSpPr/>
         <p:nvPr/>
       </p:nvGrpSpPr>
@@ -3076,7 +3158,9 @@
       <p:sp>
         <p:nvSpPr>
           <p:cNvPr id="25" name="Google Shape;25;p5"/>
-          <p:cNvSpPr txBox="1"/>
+          <p:cNvSpPr txBox="1">
+            <a:spLocks noGrp="1"/>
+          </p:cNvSpPr>
           <p:nvPr>
             <p:ph type="title"/>
           </p:nvPr>
@@ -3091,7 +3175,7 @@
           </a:prstGeom>
         </p:spPr>
         <p:txBody>
-          <a:bodyPr anchorCtr="0" anchor="t" bIns="91425" lIns="91425" spcFirstLastPara="1" rIns="91425" wrap="square" tIns="91425">
+          <a:bodyPr spcFirstLastPara="1" wrap="square" lIns="91425" tIns="91425" rIns="91425" bIns="91425" anchor="t" anchorCtr="0">
             <a:normAutofit/>
           </a:bodyPr>
           <a:lstStyle>
@@ -3195,15 +3279,19 @@
               <a:defRPr/>
             </a:lvl9pPr>
           </a:lstStyle>
-          <a:p/>
+          <a:p>
+            <a:endParaRPr/>
+          </a:p>
         </p:txBody>
       </p:sp>
       <p:sp>
         <p:nvSpPr>
           <p:cNvPr id="26" name="Google Shape;26;p5"/>
-          <p:cNvSpPr txBox="1"/>
+          <p:cNvSpPr txBox="1">
+            <a:spLocks noGrp="1"/>
+          </p:cNvSpPr>
           <p:nvPr>
-            <p:ph idx="1" type="body"/>
+            <p:ph type="body" idx="1"/>
           </p:nvPr>
         </p:nvSpPr>
         <p:spPr>
@@ -3216,11 +3304,11 @@
           </a:prstGeom>
         </p:spPr>
         <p:txBody>
-          <a:bodyPr anchorCtr="0" anchor="t" bIns="91425" lIns="91425" spcFirstLastPara="1" rIns="91425" wrap="square" tIns="91425">
+          <a:bodyPr spcFirstLastPara="1" wrap="square" lIns="91425" tIns="91425" rIns="91425" bIns="91425" anchor="t" anchorCtr="0">
             <a:normAutofit/>
           </a:bodyPr>
           <a:lstStyle>
-            <a:lvl1pPr indent="-317500" lvl="0" marL="457200">
+            <a:lvl1pPr marL="457200" lvl="0" indent="-317500">
               <a:spcBef>
                 <a:spcPts val="0"/>
               </a:spcBef>
@@ -3231,7 +3319,7 @@
               <a:buChar char="●"/>
               <a:defRPr sz="1400"/>
             </a:lvl1pPr>
-            <a:lvl2pPr indent="-304800" lvl="1" marL="914400">
+            <a:lvl2pPr marL="914400" lvl="1" indent="-304800">
               <a:spcBef>
                 <a:spcPts val="0"/>
               </a:spcBef>
@@ -3242,7 +3330,7 @@
               <a:buChar char="○"/>
               <a:defRPr sz="1200"/>
             </a:lvl2pPr>
-            <a:lvl3pPr indent="-304800" lvl="2" marL="1371600">
+            <a:lvl3pPr marL="1371600" lvl="2" indent="-304800">
               <a:spcBef>
                 <a:spcPts val="0"/>
               </a:spcBef>
@@ -3253,7 +3341,7 @@
               <a:buChar char="■"/>
               <a:defRPr sz="1200"/>
             </a:lvl3pPr>
-            <a:lvl4pPr indent="-304800" lvl="3" marL="1828800">
+            <a:lvl4pPr marL="1828800" lvl="3" indent="-304800">
               <a:spcBef>
                 <a:spcPts val="0"/>
               </a:spcBef>
@@ -3264,7 +3352,7 @@
               <a:buChar char="●"/>
               <a:defRPr sz="1200"/>
             </a:lvl4pPr>
-            <a:lvl5pPr indent="-304800" lvl="4" marL="2286000">
+            <a:lvl5pPr marL="2286000" lvl="4" indent="-304800">
               <a:spcBef>
                 <a:spcPts val="0"/>
               </a:spcBef>
@@ -3275,7 +3363,7 @@
               <a:buChar char="○"/>
               <a:defRPr sz="1200"/>
             </a:lvl5pPr>
-            <a:lvl6pPr indent="-304800" lvl="5" marL="2743200">
+            <a:lvl6pPr marL="2743200" lvl="5" indent="-304800">
               <a:spcBef>
                 <a:spcPts val="0"/>
               </a:spcBef>
@@ -3286,7 +3374,7 @@
               <a:buChar char="■"/>
               <a:defRPr sz="1200"/>
             </a:lvl6pPr>
-            <a:lvl7pPr indent="-304800" lvl="6" marL="3200400">
+            <a:lvl7pPr marL="3200400" lvl="6" indent="-304800">
               <a:spcBef>
                 <a:spcPts val="0"/>
               </a:spcBef>
@@ -3297,7 +3385,7 @@
               <a:buChar char="●"/>
               <a:defRPr sz="1200"/>
             </a:lvl7pPr>
-            <a:lvl8pPr indent="-304800" lvl="7" marL="3657600">
+            <a:lvl8pPr marL="3657600" lvl="7" indent="-304800">
               <a:spcBef>
                 <a:spcPts val="0"/>
               </a:spcBef>
@@ -3308,7 +3396,7 @@
               <a:buChar char="○"/>
               <a:defRPr sz="1200"/>
             </a:lvl8pPr>
-            <a:lvl9pPr indent="-304800" lvl="8" marL="4114800">
+            <a:lvl9pPr marL="4114800" lvl="8" indent="-304800">
               <a:spcBef>
                 <a:spcPts val="0"/>
               </a:spcBef>
@@ -3320,15 +3408,19 @@
               <a:defRPr sz="1200"/>
             </a:lvl9pPr>
           </a:lstStyle>
-          <a:p/>
+          <a:p>
+            <a:endParaRPr/>
+          </a:p>
         </p:txBody>
       </p:sp>
       <p:sp>
         <p:nvSpPr>
           <p:cNvPr id="27" name="Google Shape;27;p5"/>
-          <p:cNvSpPr txBox="1"/>
+          <p:cNvSpPr txBox="1">
+            <a:spLocks noGrp="1"/>
+          </p:cNvSpPr>
           <p:nvPr>
-            <p:ph idx="2" type="body"/>
+            <p:ph type="body" idx="2"/>
           </p:nvPr>
         </p:nvSpPr>
         <p:spPr>
@@ -3341,11 +3433,11 @@
           </a:prstGeom>
         </p:spPr>
         <p:txBody>
-          <a:bodyPr anchorCtr="0" anchor="t" bIns="91425" lIns="91425" spcFirstLastPara="1" rIns="91425" wrap="square" tIns="91425">
+          <a:bodyPr spcFirstLastPara="1" wrap="square" lIns="91425" tIns="91425" rIns="91425" bIns="91425" anchor="t" anchorCtr="0">
             <a:normAutofit/>
           </a:bodyPr>
           <a:lstStyle>
-            <a:lvl1pPr indent="-317500" lvl="0" marL="457200">
+            <a:lvl1pPr marL="457200" lvl="0" indent="-317500">
               <a:spcBef>
                 <a:spcPts val="0"/>
               </a:spcBef>
@@ -3356,7 +3448,7 @@
               <a:buChar char="●"/>
               <a:defRPr sz="1400"/>
             </a:lvl1pPr>
-            <a:lvl2pPr indent="-304800" lvl="1" marL="914400">
+            <a:lvl2pPr marL="914400" lvl="1" indent="-304800">
               <a:spcBef>
                 <a:spcPts val="0"/>
               </a:spcBef>
@@ -3367,7 +3459,7 @@
               <a:buChar char="○"/>
               <a:defRPr sz="1200"/>
             </a:lvl2pPr>
-            <a:lvl3pPr indent="-304800" lvl="2" marL="1371600">
+            <a:lvl3pPr marL="1371600" lvl="2" indent="-304800">
               <a:spcBef>
                 <a:spcPts val="0"/>
               </a:spcBef>
@@ -3378,7 +3470,7 @@
               <a:buChar char="■"/>
               <a:defRPr sz="1200"/>
             </a:lvl3pPr>
-            <a:lvl4pPr indent="-304800" lvl="3" marL="1828800">
+            <a:lvl4pPr marL="1828800" lvl="3" indent="-304800">
               <a:spcBef>
                 <a:spcPts val="0"/>
               </a:spcBef>
@@ -3389,7 +3481,7 @@
               <a:buChar char="●"/>
               <a:defRPr sz="1200"/>
             </a:lvl4pPr>
-            <a:lvl5pPr indent="-304800" lvl="4" marL="2286000">
+            <a:lvl5pPr marL="2286000" lvl="4" indent="-304800">
               <a:spcBef>
                 <a:spcPts val="0"/>
               </a:spcBef>
@@ -3400,7 +3492,7 @@
               <a:buChar char="○"/>
               <a:defRPr sz="1200"/>
             </a:lvl5pPr>
-            <a:lvl6pPr indent="-304800" lvl="5" marL="2743200">
+            <a:lvl6pPr marL="2743200" lvl="5" indent="-304800">
               <a:spcBef>
                 <a:spcPts val="0"/>
               </a:spcBef>
@@ -3411,7 +3503,7 @@
               <a:buChar char="■"/>
               <a:defRPr sz="1200"/>
             </a:lvl6pPr>
-            <a:lvl7pPr indent="-304800" lvl="6" marL="3200400">
+            <a:lvl7pPr marL="3200400" lvl="6" indent="-304800">
               <a:spcBef>
                 <a:spcPts val="0"/>
               </a:spcBef>
@@ -3422,7 +3514,7 @@
               <a:buChar char="●"/>
               <a:defRPr sz="1200"/>
             </a:lvl7pPr>
-            <a:lvl8pPr indent="-304800" lvl="7" marL="3657600">
+            <a:lvl8pPr marL="3657600" lvl="7" indent="-304800">
               <a:spcBef>
                 <a:spcPts val="0"/>
               </a:spcBef>
@@ -3433,7 +3525,7 @@
               <a:buChar char="○"/>
               <a:defRPr sz="1200"/>
             </a:lvl8pPr>
-            <a:lvl9pPr indent="-304800" lvl="8" marL="4114800">
+            <a:lvl9pPr marL="4114800" lvl="8" indent="-304800">
               <a:spcBef>
                 <a:spcPts val="0"/>
               </a:spcBef>
@@ -3445,15 +3537,19 @@
               <a:defRPr sz="1200"/>
             </a:lvl9pPr>
           </a:lstStyle>
-          <a:p/>
+          <a:p>
+            <a:endParaRPr/>
+          </a:p>
         </p:txBody>
       </p:sp>
       <p:sp>
         <p:nvSpPr>
           <p:cNvPr id="28" name="Google Shape;28;p5"/>
-          <p:cNvSpPr txBox="1"/>
+          <p:cNvSpPr txBox="1">
+            <a:spLocks noGrp="1"/>
+          </p:cNvSpPr>
           <p:nvPr>
-            <p:ph idx="12" type="sldNum"/>
+            <p:ph type="sldNum" idx="12"/>
           </p:nvPr>
         </p:nvSpPr>
         <p:spPr>
@@ -3466,7 +3562,7 @@
           </a:prstGeom>
         </p:spPr>
         <p:txBody>
-          <a:bodyPr anchorCtr="0" anchor="ctr" bIns="91425" lIns="91425" spcFirstLastPara="1" rIns="91425" wrap="square" tIns="91425">
+          <a:bodyPr spcFirstLastPara="1" wrap="square" lIns="91425" tIns="91425" rIns="91425" bIns="91425" anchor="ctr" anchorCtr="0">
             <a:normAutofit/>
           </a:bodyPr>
           <a:lstStyle>
@@ -3508,7 +3604,7 @@
             </a:lvl9pPr>
           </a:lstStyle>
           <a:p>
-            <a:pPr indent="0" lvl="0" marL="0" rtl="0" algn="r">
+            <a:pPr marL="0" lvl="0" indent="0" algn="r" rtl="0">
               <a:spcBef>
                 <a:spcPts val="0"/>
               </a:spcBef>
@@ -3534,11 +3630,11 @@
 </file>
 
 <file path=ppt/slideLayouts/slideLayout5.xml><?xml version="1.0" encoding="utf-8"?>
-<p:sldLayout xmlns:a="http://schemas.openxmlformats.org/drawingml/2006/main" xmlns:r="http://schemas.openxmlformats.org/officeDocument/2006/relationships" xmlns:mc="http://schemas.openxmlformats.org/markup-compatibility/2006" xmlns:mv="urn:schemas-microsoft-com:mac:vml" xmlns:p="http://schemas.openxmlformats.org/presentationml/2006/main" xmlns:c="http://schemas.openxmlformats.org/drawingml/2006/chart" xmlns:dgm="http://schemas.openxmlformats.org/drawingml/2006/diagram" xmlns:o="urn:schemas-microsoft-com:office:office" xmlns:v="urn:schemas-microsoft-com:vml" xmlns:pvml="urn:schemas-microsoft-com:office:powerpoint" xmlns:com="http://schemas.openxmlformats.org/drawingml/2006/compatibility" xmlns:p14="http://schemas.microsoft.com/office/powerpoint/2010/main" xmlns:p15="http://schemas.microsoft.com/office/powerpoint/2012/main" xmlns:ahyp="http://schemas.microsoft.com/office/drawing/2018/hyperlinkcolor" matchingName="Title only" type="titleOnly">
+<p:sldLayout xmlns:a="http://schemas.openxmlformats.org/drawingml/2006/main" xmlns:r="http://schemas.openxmlformats.org/officeDocument/2006/relationships" xmlns:p="http://schemas.openxmlformats.org/presentationml/2006/main" matchingName="Title only" type="titleOnly">
   <p:cSld name="TITLE_ONLY">
     <p:spTree>
       <p:nvGrpSpPr>
-        <p:cNvPr id="29" name="Shape 29"/>
+        <p:cNvPr id="1" name="Shape 29"/>
         <p:cNvGrpSpPr/>
         <p:nvPr/>
       </p:nvGrpSpPr>
@@ -3553,7 +3649,9 @@
       <p:sp>
         <p:nvSpPr>
           <p:cNvPr id="30" name="Google Shape;30;p6"/>
-          <p:cNvSpPr txBox="1"/>
+          <p:cNvSpPr txBox="1">
+            <a:spLocks noGrp="1"/>
+          </p:cNvSpPr>
           <p:nvPr>
             <p:ph type="title"/>
           </p:nvPr>
@@ -3568,7 +3666,7 @@
           </a:prstGeom>
         </p:spPr>
         <p:txBody>
-          <a:bodyPr anchorCtr="0" anchor="t" bIns="91425" lIns="91425" spcFirstLastPara="1" rIns="91425" wrap="square" tIns="91425">
+          <a:bodyPr spcFirstLastPara="1" wrap="square" lIns="91425" tIns="91425" rIns="91425" bIns="91425" anchor="t" anchorCtr="0">
             <a:normAutofit/>
           </a:bodyPr>
           <a:lstStyle>
@@ -3672,15 +3770,19 @@
               <a:defRPr/>
             </a:lvl9pPr>
           </a:lstStyle>
-          <a:p/>
+          <a:p>
+            <a:endParaRPr/>
+          </a:p>
         </p:txBody>
       </p:sp>
       <p:sp>
         <p:nvSpPr>
           <p:cNvPr id="31" name="Google Shape;31;p6"/>
-          <p:cNvSpPr txBox="1"/>
+          <p:cNvSpPr txBox="1">
+            <a:spLocks noGrp="1"/>
+          </p:cNvSpPr>
           <p:nvPr>
-            <p:ph idx="12" type="sldNum"/>
+            <p:ph type="sldNum" idx="12"/>
           </p:nvPr>
         </p:nvSpPr>
         <p:spPr>
@@ -3693,7 +3795,7 @@
           </a:prstGeom>
         </p:spPr>
         <p:txBody>
-          <a:bodyPr anchorCtr="0" anchor="ctr" bIns="91425" lIns="91425" spcFirstLastPara="1" rIns="91425" wrap="square" tIns="91425">
+          <a:bodyPr spcFirstLastPara="1" wrap="square" lIns="91425" tIns="91425" rIns="91425" bIns="91425" anchor="ctr" anchorCtr="0">
             <a:normAutofit/>
           </a:bodyPr>
           <a:lstStyle>
@@ -3735,7 +3837,7 @@
             </a:lvl9pPr>
           </a:lstStyle>
           <a:p>
-            <a:pPr indent="0" lvl="0" marL="0" rtl="0" algn="r">
+            <a:pPr marL="0" lvl="0" indent="0" algn="r" rtl="0">
               <a:spcBef>
                 <a:spcPts val="0"/>
               </a:spcBef>
@@ -3761,11 +3863,11 @@
 </file>
 
 <file path=ppt/slideLayouts/slideLayout6.xml><?xml version="1.0" encoding="utf-8"?>
-<p:sldLayout xmlns:a="http://schemas.openxmlformats.org/drawingml/2006/main" xmlns:r="http://schemas.openxmlformats.org/officeDocument/2006/relationships" xmlns:mc="http://schemas.openxmlformats.org/markup-compatibility/2006" xmlns:mv="urn:schemas-microsoft-com:mac:vml" xmlns:p="http://schemas.openxmlformats.org/presentationml/2006/main" xmlns:c="http://schemas.openxmlformats.org/drawingml/2006/chart" xmlns:dgm="http://schemas.openxmlformats.org/drawingml/2006/diagram" xmlns:o="urn:schemas-microsoft-com:office:office" xmlns:v="urn:schemas-microsoft-com:vml" xmlns:pvml="urn:schemas-microsoft-com:office:powerpoint" xmlns:com="http://schemas.openxmlformats.org/drawingml/2006/compatibility" xmlns:p14="http://schemas.microsoft.com/office/powerpoint/2010/main" xmlns:p15="http://schemas.microsoft.com/office/powerpoint/2012/main" xmlns:ahyp="http://schemas.microsoft.com/office/drawing/2018/hyperlinkcolor" matchingName="One column text">
+<p:sldLayout xmlns:a="http://schemas.openxmlformats.org/drawingml/2006/main" xmlns:r="http://schemas.openxmlformats.org/officeDocument/2006/relationships" xmlns:p="http://schemas.openxmlformats.org/presentationml/2006/main" matchingName="One column text">
   <p:cSld name="ONE_COLUMN_TEXT">
     <p:spTree>
       <p:nvGrpSpPr>
-        <p:cNvPr id="32" name="Shape 32"/>
+        <p:cNvPr id="1" name="Shape 32"/>
         <p:cNvGrpSpPr/>
         <p:nvPr/>
       </p:nvGrpSpPr>
@@ -3780,7 +3882,9 @@
       <p:sp>
         <p:nvSpPr>
           <p:cNvPr id="33" name="Google Shape;33;p7"/>
-          <p:cNvSpPr txBox="1"/>
+          <p:cNvSpPr txBox="1">
+            <a:spLocks noGrp="1"/>
+          </p:cNvSpPr>
           <p:nvPr>
             <p:ph type="title"/>
           </p:nvPr>
@@ -3795,7 +3899,7 @@
           </a:prstGeom>
         </p:spPr>
         <p:txBody>
-          <a:bodyPr anchorCtr="0" anchor="b" bIns="91425" lIns="91425" spcFirstLastPara="1" rIns="91425" wrap="square" tIns="91425">
+          <a:bodyPr spcFirstLastPara="1" wrap="square" lIns="91425" tIns="91425" rIns="91425" bIns="91425" anchor="b" anchorCtr="0">
             <a:normAutofit/>
           </a:bodyPr>
           <a:lstStyle>
@@ -3899,15 +4003,19 @@
               <a:defRPr sz="2400"/>
             </a:lvl9pPr>
           </a:lstStyle>
-          <a:p/>
+          <a:p>
+            <a:endParaRPr/>
+          </a:p>
         </p:txBody>
       </p:sp>
       <p:sp>
         <p:nvSpPr>
           <p:cNvPr id="34" name="Google Shape;34;p7"/>
-          <p:cNvSpPr txBox="1"/>
+          <p:cNvSpPr txBox="1">
+            <a:spLocks noGrp="1"/>
+          </p:cNvSpPr>
           <p:nvPr>
-            <p:ph idx="1" type="body"/>
+            <p:ph type="body" idx="1"/>
           </p:nvPr>
         </p:nvSpPr>
         <p:spPr>
@@ -3920,11 +4028,11 @@
           </a:prstGeom>
         </p:spPr>
         <p:txBody>
-          <a:bodyPr anchorCtr="0" anchor="t" bIns="91425" lIns="91425" spcFirstLastPara="1" rIns="91425" wrap="square" tIns="91425">
+          <a:bodyPr spcFirstLastPara="1" wrap="square" lIns="91425" tIns="91425" rIns="91425" bIns="91425" anchor="t" anchorCtr="0">
             <a:normAutofit/>
           </a:bodyPr>
           <a:lstStyle>
-            <a:lvl1pPr indent="-304800" lvl="0" marL="457200">
+            <a:lvl1pPr marL="457200" lvl="0" indent="-304800">
               <a:spcBef>
                 <a:spcPts val="0"/>
               </a:spcBef>
@@ -3935,7 +4043,7 @@
               <a:buChar char="●"/>
               <a:defRPr sz="1200"/>
             </a:lvl1pPr>
-            <a:lvl2pPr indent="-304800" lvl="1" marL="914400">
+            <a:lvl2pPr marL="914400" lvl="1" indent="-304800">
               <a:spcBef>
                 <a:spcPts val="0"/>
               </a:spcBef>
@@ -3946,7 +4054,7 @@
               <a:buChar char="○"/>
               <a:defRPr sz="1200"/>
             </a:lvl2pPr>
-            <a:lvl3pPr indent="-304800" lvl="2" marL="1371600">
+            <a:lvl3pPr marL="1371600" lvl="2" indent="-304800">
               <a:spcBef>
                 <a:spcPts val="0"/>
               </a:spcBef>
@@ -3957,7 +4065,7 @@
               <a:buChar char="■"/>
               <a:defRPr sz="1200"/>
             </a:lvl3pPr>
-            <a:lvl4pPr indent="-304800" lvl="3" marL="1828800">
+            <a:lvl4pPr marL="1828800" lvl="3" indent="-304800">
               <a:spcBef>
                 <a:spcPts val="0"/>
               </a:spcBef>
@@ -3968,7 +4076,7 @@
               <a:buChar char="●"/>
               <a:defRPr sz="1200"/>
             </a:lvl4pPr>
-            <a:lvl5pPr indent="-304800" lvl="4" marL="2286000">
+            <a:lvl5pPr marL="2286000" lvl="4" indent="-304800">
               <a:spcBef>
                 <a:spcPts val="0"/>
               </a:spcBef>
@@ -3979,7 +4087,7 @@
               <a:buChar char="○"/>
               <a:defRPr sz="1200"/>
             </a:lvl5pPr>
-            <a:lvl6pPr indent="-304800" lvl="5" marL="2743200">
+            <a:lvl6pPr marL="2743200" lvl="5" indent="-304800">
               <a:spcBef>
                 <a:spcPts val="0"/>
               </a:spcBef>
@@ -3990,7 +4098,7 @@
               <a:buChar char="■"/>
               <a:defRPr sz="1200"/>
             </a:lvl6pPr>
-            <a:lvl7pPr indent="-304800" lvl="6" marL="3200400">
+            <a:lvl7pPr marL="3200400" lvl="6" indent="-304800">
               <a:spcBef>
                 <a:spcPts val="0"/>
               </a:spcBef>
@@ -4001,7 +4109,7 @@
               <a:buChar char="●"/>
               <a:defRPr sz="1200"/>
             </a:lvl7pPr>
-            <a:lvl8pPr indent="-304800" lvl="7" marL="3657600">
+            <a:lvl8pPr marL="3657600" lvl="7" indent="-304800">
               <a:spcBef>
                 <a:spcPts val="0"/>
               </a:spcBef>
@@ -4012,7 +4120,7 @@
               <a:buChar char="○"/>
               <a:defRPr sz="1200"/>
             </a:lvl8pPr>
-            <a:lvl9pPr indent="-304800" lvl="8" marL="4114800">
+            <a:lvl9pPr marL="4114800" lvl="8" indent="-304800">
               <a:spcBef>
                 <a:spcPts val="0"/>
               </a:spcBef>
@@ -4024,15 +4132,19 @@
               <a:defRPr sz="1200"/>
             </a:lvl9pPr>
           </a:lstStyle>
-          <a:p/>
+          <a:p>
+            <a:endParaRPr/>
+          </a:p>
         </p:txBody>
       </p:sp>
       <p:sp>
         <p:nvSpPr>
           <p:cNvPr id="35" name="Google Shape;35;p7"/>
-          <p:cNvSpPr txBox="1"/>
+          <p:cNvSpPr txBox="1">
+            <a:spLocks noGrp="1"/>
+          </p:cNvSpPr>
           <p:nvPr>
-            <p:ph idx="12" type="sldNum"/>
+            <p:ph type="sldNum" idx="12"/>
           </p:nvPr>
         </p:nvSpPr>
         <p:spPr>
@@ -4045,7 +4157,7 @@
           </a:prstGeom>
         </p:spPr>
         <p:txBody>
-          <a:bodyPr anchorCtr="0" anchor="ctr" bIns="91425" lIns="91425" spcFirstLastPara="1" rIns="91425" wrap="square" tIns="91425">
+          <a:bodyPr spcFirstLastPara="1" wrap="square" lIns="91425" tIns="91425" rIns="91425" bIns="91425" anchor="ctr" anchorCtr="0">
             <a:normAutofit/>
           </a:bodyPr>
           <a:lstStyle>
@@ -4087,7 +4199,7 @@
             </a:lvl9pPr>
           </a:lstStyle>
           <a:p>
-            <a:pPr indent="0" lvl="0" marL="0" rtl="0" algn="r">
+            <a:pPr marL="0" lvl="0" indent="0" algn="r" rtl="0">
               <a:spcBef>
                 <a:spcPts val="0"/>
               </a:spcBef>
@@ -4113,18 +4225,19 @@
 </file>
 
 <file path=ppt/slideLayouts/slideLayout7.xml><?xml version="1.0" encoding="utf-8"?>
-<p:sldLayout xmlns:a="http://schemas.openxmlformats.org/drawingml/2006/main" xmlns:r="http://schemas.openxmlformats.org/officeDocument/2006/relationships" xmlns:mc="http://schemas.openxmlformats.org/markup-compatibility/2006" xmlns:mv="urn:schemas-microsoft-com:mac:vml" xmlns:p="http://schemas.openxmlformats.org/presentationml/2006/main" xmlns:c="http://schemas.openxmlformats.org/drawingml/2006/chart" xmlns:dgm="http://schemas.openxmlformats.org/drawingml/2006/diagram" xmlns:o="urn:schemas-microsoft-com:office:office" xmlns:v="urn:schemas-microsoft-com:vml" xmlns:pvml="urn:schemas-microsoft-com:office:powerpoint" xmlns:com="http://schemas.openxmlformats.org/drawingml/2006/compatibility" xmlns:p14="http://schemas.microsoft.com/office/powerpoint/2010/main" xmlns:p15="http://schemas.microsoft.com/office/powerpoint/2012/main" xmlns:ahyp="http://schemas.microsoft.com/office/drawing/2018/hyperlinkcolor" matchingName="Main point">
+<p:sldLayout xmlns:a="http://schemas.openxmlformats.org/drawingml/2006/main" xmlns:r="http://schemas.openxmlformats.org/officeDocument/2006/relationships" xmlns:p="http://schemas.openxmlformats.org/presentationml/2006/main" matchingName="Main point">
   <p:cSld name="MAIN_POINT">
     <p:bg>
       <p:bgPr>
         <a:solidFill>
           <a:schemeClr val="lt2"/>
         </a:solidFill>
+        <a:effectLst/>
       </p:bgPr>
     </p:bg>
     <p:spTree>
       <p:nvGrpSpPr>
-        <p:cNvPr id="36" name="Shape 36"/>
+        <p:cNvPr id="1" name="Shape 36"/>
         <p:cNvGrpSpPr/>
         <p:nvPr/>
       </p:nvGrpSpPr>
@@ -4139,7 +4252,9 @@
       <p:sp>
         <p:nvSpPr>
           <p:cNvPr id="37" name="Google Shape;37;p8"/>
-          <p:cNvSpPr txBox="1"/>
+          <p:cNvSpPr txBox="1">
+            <a:spLocks noGrp="1"/>
+          </p:cNvSpPr>
           <p:nvPr>
             <p:ph type="title"/>
           </p:nvPr>
@@ -4154,7 +4269,7 @@
           </a:prstGeom>
         </p:spPr>
         <p:txBody>
-          <a:bodyPr anchorCtr="0" anchor="ctr" bIns="91425" lIns="91425" spcFirstLastPara="1" rIns="91425" wrap="square" tIns="91425">
+          <a:bodyPr spcFirstLastPara="1" wrap="square" lIns="91425" tIns="91425" rIns="91425" bIns="91425" anchor="ctr" anchorCtr="0">
             <a:normAutofit/>
           </a:bodyPr>
           <a:lstStyle>
@@ -4321,15 +4436,19 @@
               </a:defRPr>
             </a:lvl9pPr>
           </a:lstStyle>
-          <a:p/>
+          <a:p>
+            <a:endParaRPr/>
+          </a:p>
         </p:txBody>
       </p:sp>
       <p:sp>
         <p:nvSpPr>
           <p:cNvPr id="38" name="Google Shape;38;p8"/>
-          <p:cNvSpPr txBox="1"/>
+          <p:cNvSpPr txBox="1">
+            <a:spLocks noGrp="1"/>
+          </p:cNvSpPr>
           <p:nvPr>
-            <p:ph idx="12" type="sldNum"/>
+            <p:ph type="sldNum" idx="12"/>
           </p:nvPr>
         </p:nvSpPr>
         <p:spPr>
@@ -4342,7 +4461,7 @@
           </a:prstGeom>
         </p:spPr>
         <p:txBody>
-          <a:bodyPr anchorCtr="0" anchor="ctr" bIns="91425" lIns="91425" spcFirstLastPara="1" rIns="91425" wrap="square" tIns="91425">
+          <a:bodyPr spcFirstLastPara="1" wrap="square" lIns="91425" tIns="91425" rIns="91425" bIns="91425" anchor="ctr" anchorCtr="0">
             <a:normAutofit/>
           </a:bodyPr>
           <a:lstStyle>
@@ -4420,7 +4539,7 @@
             </a:lvl9pPr>
           </a:lstStyle>
           <a:p>
-            <a:pPr indent="0" lvl="0" marL="0" rtl="0" algn="r">
+            <a:pPr marL="0" lvl="0" indent="0" algn="r" rtl="0">
               <a:spcBef>
                 <a:spcPts val="0"/>
               </a:spcBef>
@@ -4446,11 +4565,11 @@
 </file>
 
 <file path=ppt/slideLayouts/slideLayout8.xml><?xml version="1.0" encoding="utf-8"?>
-<p:sldLayout xmlns:a="http://schemas.openxmlformats.org/drawingml/2006/main" xmlns:r="http://schemas.openxmlformats.org/officeDocument/2006/relationships" xmlns:mc="http://schemas.openxmlformats.org/markup-compatibility/2006" xmlns:mv="urn:schemas-microsoft-com:mac:vml" xmlns:p="http://schemas.openxmlformats.org/presentationml/2006/main" xmlns:c="http://schemas.openxmlformats.org/drawingml/2006/chart" xmlns:dgm="http://schemas.openxmlformats.org/drawingml/2006/diagram" xmlns:o="urn:schemas-microsoft-com:office:office" xmlns:v="urn:schemas-microsoft-com:vml" xmlns:pvml="urn:schemas-microsoft-com:office:powerpoint" xmlns:com="http://schemas.openxmlformats.org/drawingml/2006/compatibility" xmlns:p14="http://schemas.microsoft.com/office/powerpoint/2010/main" xmlns:p15="http://schemas.microsoft.com/office/powerpoint/2012/main" xmlns:ahyp="http://schemas.microsoft.com/office/drawing/2018/hyperlinkcolor" matchingName="Section title and description">
+<p:sldLayout xmlns:a="http://schemas.openxmlformats.org/drawingml/2006/main" xmlns:r="http://schemas.openxmlformats.org/officeDocument/2006/relationships" xmlns:p="http://schemas.openxmlformats.org/presentationml/2006/main" matchingName="Section title and description">
   <p:cSld name="SECTION_TITLE_AND_DESCRIPTION">
     <p:spTree>
       <p:nvGrpSpPr>
-        <p:cNvPr id="39" name="Shape 39"/>
+        <p:cNvPr id="1" name="Shape 39"/>
         <p:cNvGrpSpPr/>
         <p:nvPr/>
       </p:nvGrpSpPr>
@@ -4484,12 +4603,12 @@
           </a:ln>
         </p:spPr>
         <p:txBody>
-          <a:bodyPr anchorCtr="0" anchor="ctr" bIns="91425" lIns="91425" spcFirstLastPara="1" rIns="91425" wrap="square" tIns="91425">
+          <a:bodyPr spcFirstLastPara="1" wrap="square" lIns="91425" tIns="91425" rIns="91425" bIns="91425" anchor="ctr" anchorCtr="0">
             <a:noAutofit/>
           </a:bodyPr>
           <a:lstStyle/>
           <a:p>
-            <a:pPr indent="0" lvl="0" marL="0" rtl="0" algn="l">
+            <a:pPr marL="0" lvl="0" indent="0" algn="l" rtl="0">
               <a:spcBef>
                 <a:spcPts val="0"/>
               </a:spcBef>
@@ -4498,9 +4617,6 @@
               </a:spcAft>
               <a:buNone/>
             </a:pPr>
-            <a:r>
-              <a:t/>
-            </a:r>
             <a:endParaRPr/>
           </a:p>
         </p:txBody>
@@ -4520,21 +4636,23 @@
             <a:avLst/>
           </a:prstGeom>
           <a:noFill/>
-          <a:ln cap="flat" cmpd="sng" w="19050">
+          <a:ln w="19050" cap="flat" cmpd="sng">
             <a:solidFill>
               <a:schemeClr val="lt1"/>
             </a:solidFill>
             <a:prstDash val="solid"/>
             <a:round/>
-            <a:headEnd len="sm" w="sm" type="none"/>
-            <a:tailEnd len="sm" w="sm" type="none"/>
+            <a:headEnd type="none" w="sm" len="sm"/>
+            <a:tailEnd type="none" w="sm" len="sm"/>
           </a:ln>
         </p:spPr>
       </p:cxnSp>
       <p:sp>
         <p:nvSpPr>
           <p:cNvPr id="42" name="Google Shape;42;p9"/>
-          <p:cNvSpPr txBox="1"/>
+          <p:cNvSpPr txBox="1">
+            <a:spLocks noGrp="1"/>
+          </p:cNvSpPr>
           <p:nvPr>
             <p:ph type="title"/>
           </p:nvPr>
@@ -4549,7 +4667,7 @@
           </a:prstGeom>
         </p:spPr>
         <p:txBody>
-          <a:bodyPr anchorCtr="0" anchor="b" bIns="91425" lIns="91425" spcFirstLastPara="1" rIns="91425" wrap="square" tIns="91425">
+          <a:bodyPr spcFirstLastPara="1" wrap="square" lIns="91425" tIns="91425" rIns="91425" bIns="91425" anchor="b" anchorCtr="0">
             <a:normAutofit/>
           </a:bodyPr>
           <a:lstStyle>
@@ -4653,15 +4771,19 @@
               <a:defRPr sz="4200"/>
             </a:lvl9pPr>
           </a:lstStyle>
-          <a:p/>
+          <a:p>
+            <a:endParaRPr/>
+          </a:p>
         </p:txBody>
       </p:sp>
       <p:sp>
         <p:nvSpPr>
           <p:cNvPr id="43" name="Google Shape;43;p9"/>
-          <p:cNvSpPr txBox="1"/>
+          <p:cNvSpPr txBox="1">
+            <a:spLocks noGrp="1"/>
+          </p:cNvSpPr>
           <p:nvPr>
-            <p:ph idx="1" type="subTitle"/>
+            <p:ph type="subTitle" idx="1"/>
           </p:nvPr>
         </p:nvSpPr>
         <p:spPr>
@@ -4674,7 +4796,7 @@
           </a:prstGeom>
         </p:spPr>
         <p:txBody>
-          <a:bodyPr anchorCtr="0" anchor="t" bIns="91425" lIns="91425" spcFirstLastPara="1" rIns="91425" wrap="square" tIns="91425">
+          <a:bodyPr spcFirstLastPara="1" wrap="square" lIns="91425" tIns="91425" rIns="91425" bIns="91425" anchor="t" anchorCtr="0">
             <a:normAutofit/>
           </a:bodyPr>
           <a:lstStyle>
@@ -4868,15 +4990,19 @@
               </a:defRPr>
             </a:lvl9pPr>
           </a:lstStyle>
-          <a:p/>
+          <a:p>
+            <a:endParaRPr/>
+          </a:p>
         </p:txBody>
       </p:sp>
       <p:sp>
         <p:nvSpPr>
           <p:cNvPr id="44" name="Google Shape;44;p9"/>
-          <p:cNvSpPr txBox="1"/>
+          <p:cNvSpPr txBox="1">
+            <a:spLocks noGrp="1"/>
+          </p:cNvSpPr>
           <p:nvPr>
-            <p:ph idx="2" type="body"/>
+            <p:ph type="body" idx="2"/>
           </p:nvPr>
         </p:nvSpPr>
         <p:spPr>
@@ -4889,11 +5015,11 @@
           </a:prstGeom>
         </p:spPr>
         <p:txBody>
-          <a:bodyPr anchorCtr="0" anchor="ctr" bIns="91425" lIns="91425" spcFirstLastPara="1" rIns="91425" wrap="square" tIns="91425">
+          <a:bodyPr spcFirstLastPara="1" wrap="square" lIns="91425" tIns="91425" rIns="91425" bIns="91425" anchor="ctr" anchorCtr="0">
             <a:normAutofit/>
           </a:bodyPr>
           <a:lstStyle>
-            <a:lvl1pPr indent="-342900" lvl="0" marL="457200">
+            <a:lvl1pPr marL="457200" lvl="0" indent="-342900">
               <a:spcBef>
                 <a:spcPts val="0"/>
               </a:spcBef>
@@ -4911,7 +5037,7 @@
                 </a:solidFill>
               </a:defRPr>
             </a:lvl1pPr>
-            <a:lvl2pPr indent="-317500" lvl="1" marL="914400">
+            <a:lvl2pPr marL="914400" lvl="1" indent="-317500">
               <a:spcBef>
                 <a:spcPts val="0"/>
               </a:spcBef>
@@ -4929,7 +5055,7 @@
                 </a:solidFill>
               </a:defRPr>
             </a:lvl2pPr>
-            <a:lvl3pPr indent="-317500" lvl="2" marL="1371600">
+            <a:lvl3pPr marL="1371600" lvl="2" indent="-317500">
               <a:spcBef>
                 <a:spcPts val="0"/>
               </a:spcBef>
@@ -4947,7 +5073,7 @@
                 </a:solidFill>
               </a:defRPr>
             </a:lvl3pPr>
-            <a:lvl4pPr indent="-317500" lvl="3" marL="1828800">
+            <a:lvl4pPr marL="1828800" lvl="3" indent="-317500">
               <a:spcBef>
                 <a:spcPts val="0"/>
               </a:spcBef>
@@ -4965,7 +5091,7 @@
                 </a:solidFill>
               </a:defRPr>
             </a:lvl4pPr>
-            <a:lvl5pPr indent="-317500" lvl="4" marL="2286000">
+            <a:lvl5pPr marL="2286000" lvl="4" indent="-317500">
               <a:spcBef>
                 <a:spcPts val="0"/>
               </a:spcBef>
@@ -4983,7 +5109,7 @@
                 </a:solidFill>
               </a:defRPr>
             </a:lvl5pPr>
-            <a:lvl6pPr indent="-317500" lvl="5" marL="2743200">
+            <a:lvl6pPr marL="2743200" lvl="5" indent="-317500">
               <a:spcBef>
                 <a:spcPts val="0"/>
               </a:spcBef>
@@ -5001,7 +5127,7 @@
                 </a:solidFill>
               </a:defRPr>
             </a:lvl6pPr>
-            <a:lvl7pPr indent="-317500" lvl="6" marL="3200400">
+            <a:lvl7pPr marL="3200400" lvl="6" indent="-317500">
               <a:spcBef>
                 <a:spcPts val="0"/>
               </a:spcBef>
@@ -5019,7 +5145,7 @@
                 </a:solidFill>
               </a:defRPr>
             </a:lvl7pPr>
-            <a:lvl8pPr indent="-317500" lvl="7" marL="3657600">
+            <a:lvl8pPr marL="3657600" lvl="7" indent="-317500">
               <a:spcBef>
                 <a:spcPts val="0"/>
               </a:spcBef>
@@ -5037,7 +5163,7 @@
                 </a:solidFill>
               </a:defRPr>
             </a:lvl8pPr>
-            <a:lvl9pPr indent="-317500" lvl="8" marL="4114800">
+            <a:lvl9pPr marL="4114800" lvl="8" indent="-317500">
               <a:spcBef>
                 <a:spcPts val="0"/>
               </a:spcBef>
@@ -5056,15 +5182,19 @@
               </a:defRPr>
             </a:lvl9pPr>
           </a:lstStyle>
-          <a:p/>
+          <a:p>
+            <a:endParaRPr/>
+          </a:p>
         </p:txBody>
       </p:sp>
       <p:sp>
         <p:nvSpPr>
           <p:cNvPr id="45" name="Google Shape;45;p9"/>
-          <p:cNvSpPr txBox="1"/>
+          <p:cNvSpPr txBox="1">
+            <a:spLocks noGrp="1"/>
+          </p:cNvSpPr>
           <p:nvPr>
-            <p:ph idx="12" type="sldNum"/>
+            <p:ph type="sldNum" idx="12"/>
           </p:nvPr>
         </p:nvSpPr>
         <p:spPr>
@@ -5077,7 +5207,7 @@
           </a:prstGeom>
         </p:spPr>
         <p:txBody>
-          <a:bodyPr anchorCtr="0" anchor="ctr" bIns="91425" lIns="91425" spcFirstLastPara="1" rIns="91425" wrap="square" tIns="91425">
+          <a:bodyPr spcFirstLastPara="1" wrap="square" lIns="91425" tIns="91425" rIns="91425" bIns="91425" anchor="ctr" anchorCtr="0">
             <a:normAutofit/>
           </a:bodyPr>
           <a:lstStyle>
@@ -5155,7 +5285,7 @@
             </a:lvl9pPr>
           </a:lstStyle>
           <a:p>
-            <a:pPr indent="0" lvl="0" marL="0" rtl="0" algn="r">
+            <a:pPr marL="0" lvl="0" indent="0" algn="r" rtl="0">
               <a:spcBef>
                 <a:spcPts val="0"/>
               </a:spcBef>
@@ -5181,11 +5311,11 @@
 </file>
 
 <file path=ppt/slideLayouts/slideLayout9.xml><?xml version="1.0" encoding="utf-8"?>
-<p:sldLayout xmlns:a="http://schemas.openxmlformats.org/drawingml/2006/main" xmlns:r="http://schemas.openxmlformats.org/officeDocument/2006/relationships" xmlns:mc="http://schemas.openxmlformats.org/markup-compatibility/2006" xmlns:mv="urn:schemas-microsoft-com:mac:vml" xmlns:p="http://schemas.openxmlformats.org/presentationml/2006/main" xmlns:c="http://schemas.openxmlformats.org/drawingml/2006/chart" xmlns:dgm="http://schemas.openxmlformats.org/drawingml/2006/diagram" xmlns:o="urn:schemas-microsoft-com:office:office" xmlns:v="urn:schemas-microsoft-com:vml" xmlns:pvml="urn:schemas-microsoft-com:office:powerpoint" xmlns:com="http://schemas.openxmlformats.org/drawingml/2006/compatibility" xmlns:p14="http://schemas.microsoft.com/office/powerpoint/2010/main" xmlns:p15="http://schemas.microsoft.com/office/powerpoint/2012/main" xmlns:ahyp="http://schemas.microsoft.com/office/drawing/2018/hyperlinkcolor" matchingName="Caption">
+<p:sldLayout xmlns:a="http://schemas.openxmlformats.org/drawingml/2006/main" xmlns:r="http://schemas.openxmlformats.org/officeDocument/2006/relationships" xmlns:p="http://schemas.openxmlformats.org/presentationml/2006/main" matchingName="Caption">
   <p:cSld name="CAPTION_ONLY">
     <p:spTree>
       <p:nvGrpSpPr>
-        <p:cNvPr id="46" name="Shape 46"/>
+        <p:cNvPr id="1" name="Shape 46"/>
         <p:cNvGrpSpPr/>
         <p:nvPr/>
       </p:nvGrpSpPr>
@@ -5200,9 +5330,11 @@
       <p:sp>
         <p:nvSpPr>
           <p:cNvPr id="47" name="Google Shape;47;p10"/>
-          <p:cNvSpPr txBox="1"/>
+          <p:cNvSpPr txBox="1">
+            <a:spLocks noGrp="1"/>
+          </p:cNvSpPr>
           <p:nvPr>
-            <p:ph idx="1" type="body"/>
+            <p:ph type="body" idx="1"/>
           </p:nvPr>
         </p:nvSpPr>
         <p:spPr>
@@ -5215,11 +5347,11 @@
           </a:prstGeom>
         </p:spPr>
         <p:txBody>
-          <a:bodyPr anchorCtr="0" anchor="ctr" bIns="91425" lIns="91425" spcFirstLastPara="1" rIns="91425" wrap="square" tIns="91425">
+          <a:bodyPr spcFirstLastPara="1" wrap="square" lIns="91425" tIns="91425" rIns="91425" bIns="91425" anchor="ctr" anchorCtr="0">
             <a:normAutofit/>
           </a:bodyPr>
           <a:lstStyle>
-            <a:lvl1pPr indent="-228600" lvl="0" marL="457200">
+            <a:lvl1pPr marL="457200" lvl="0" indent="-228600">
               <a:lnSpc>
                 <a:spcPct val="100000"/>
               </a:lnSpc>
@@ -5246,15 +5378,19 @@
               </a:defRPr>
             </a:lvl1pPr>
           </a:lstStyle>
-          <a:p/>
+          <a:p>
+            <a:endParaRPr/>
+          </a:p>
         </p:txBody>
       </p:sp>
       <p:sp>
         <p:nvSpPr>
           <p:cNvPr id="48" name="Google Shape;48;p10"/>
-          <p:cNvSpPr txBox="1"/>
+          <p:cNvSpPr txBox="1">
+            <a:spLocks noGrp="1"/>
+          </p:cNvSpPr>
           <p:nvPr>
-            <p:ph idx="12" type="sldNum"/>
+            <p:ph type="sldNum" idx="12"/>
           </p:nvPr>
         </p:nvSpPr>
         <p:spPr>
@@ -5267,7 +5403,7 @@
           </a:prstGeom>
         </p:spPr>
         <p:txBody>
-          <a:bodyPr anchorCtr="0" anchor="ctr" bIns="91425" lIns="91425" spcFirstLastPara="1" rIns="91425" wrap="square" tIns="91425">
+          <a:bodyPr spcFirstLastPara="1" wrap="square" lIns="91425" tIns="91425" rIns="91425" bIns="91425" anchor="ctr" anchorCtr="0">
             <a:normAutofit/>
           </a:bodyPr>
           <a:lstStyle>
@@ -5309,7 +5445,7 @@
             </a:lvl9pPr>
           </a:lstStyle>
           <a:p>
-            <a:pPr indent="0" lvl="0" marL="0" rtl="0" algn="r">
+            <a:pPr marL="0" lvl="0" indent="0" algn="r" rtl="0">
               <a:spcBef>
                 <a:spcPts val="0"/>
               </a:spcBef>
@@ -5335,18 +5471,19 @@
 </file>
 
 <file path=ppt/slideMasters/slideMaster1.xml><?xml version="1.0" encoding="utf-8"?>
-<p:sldMaster xmlns:a="http://schemas.openxmlformats.org/drawingml/2006/main" xmlns:r="http://schemas.openxmlformats.org/officeDocument/2006/relationships" xmlns:mc="http://schemas.openxmlformats.org/markup-compatibility/2006" xmlns:mv="urn:schemas-microsoft-com:mac:vml" xmlns:p="http://schemas.openxmlformats.org/presentationml/2006/main" xmlns:c="http://schemas.openxmlformats.org/drawingml/2006/chart" xmlns:dgm="http://schemas.openxmlformats.org/drawingml/2006/diagram" xmlns:o="urn:schemas-microsoft-com:office:office" xmlns:v="urn:schemas-microsoft-com:vml" xmlns:pvml="urn:schemas-microsoft-com:office:powerpoint" xmlns:com="http://schemas.openxmlformats.org/drawingml/2006/compatibility" xmlns:p14="http://schemas.microsoft.com/office/powerpoint/2010/main" xmlns:p15="http://schemas.microsoft.com/office/powerpoint/2012/main" xmlns:ahyp="http://schemas.microsoft.com/office/drawing/2018/hyperlinkcolor">
+<p:sldMaster xmlns:a="http://schemas.openxmlformats.org/drawingml/2006/main" xmlns:r="http://schemas.openxmlformats.org/officeDocument/2006/relationships" xmlns:p="http://schemas.openxmlformats.org/presentationml/2006/main">
   <p:cSld name="slate">
     <p:bg>
       <p:bgPr>
         <a:solidFill>
           <a:schemeClr val="lt1"/>
         </a:solidFill>
+        <a:effectLst/>
       </p:bgPr>
     </p:bg>
     <p:spTree>
       <p:nvGrpSpPr>
-        <p:cNvPr id="5" name="Shape 5"/>
+        <p:cNvPr id="1" name="Shape 5"/>
         <p:cNvGrpSpPr/>
         <p:nvPr/>
       </p:nvGrpSpPr>
@@ -5361,7 +5498,9 @@
       <p:sp>
         <p:nvSpPr>
           <p:cNvPr id="6" name="Google Shape;6;p1"/>
-          <p:cNvSpPr txBox="1"/>
+          <p:cNvSpPr txBox="1">
+            <a:spLocks noGrp="1"/>
+          </p:cNvSpPr>
           <p:nvPr>
             <p:ph type="title"/>
           </p:nvPr>
@@ -5380,7 +5519,7 @@
           </a:ln>
         </p:spPr>
         <p:txBody>
-          <a:bodyPr anchorCtr="0" anchor="t" bIns="91425" lIns="91425" spcFirstLastPara="1" rIns="91425" wrap="square" tIns="91425">
+          <a:bodyPr spcFirstLastPara="1" wrap="square" lIns="91425" tIns="91425" rIns="91425" bIns="91425" anchor="t" anchorCtr="0">
             <a:normAutofit/>
           </a:bodyPr>
           <a:lstStyle>
@@ -5592,15 +5731,19 @@
               </a:defRPr>
             </a:lvl9pPr>
           </a:lstStyle>
-          <a:p/>
+          <a:p>
+            <a:endParaRPr/>
+          </a:p>
         </p:txBody>
       </p:sp>
       <p:sp>
         <p:nvSpPr>
           <p:cNvPr id="7" name="Google Shape;7;p1"/>
-          <p:cNvSpPr txBox="1"/>
+          <p:cNvSpPr txBox="1">
+            <a:spLocks noGrp="1"/>
+          </p:cNvSpPr>
           <p:nvPr>
-            <p:ph idx="1" type="body"/>
+            <p:ph type="body" idx="1"/>
           </p:nvPr>
         </p:nvSpPr>
         <p:spPr>
@@ -5617,11 +5760,11 @@
           </a:ln>
         </p:spPr>
         <p:txBody>
-          <a:bodyPr anchorCtr="0" anchor="t" bIns="91425" lIns="91425" spcFirstLastPara="1" rIns="91425" wrap="square" tIns="91425">
+          <a:bodyPr spcFirstLastPara="1" wrap="square" lIns="91425" tIns="91425" rIns="91425" bIns="91425" anchor="t" anchorCtr="0">
             <a:normAutofit/>
           </a:bodyPr>
           <a:lstStyle>
-            <a:lvl1pPr indent="-342900" lvl="0" marL="457200">
+            <a:lvl1pPr marL="457200" lvl="0" indent="-342900">
               <a:lnSpc>
                 <a:spcPct val="115000"/>
               </a:lnSpc>
@@ -5647,7 +5790,7 @@
                 <a:sym typeface="Average"/>
               </a:defRPr>
             </a:lvl1pPr>
-            <a:lvl2pPr indent="-317500" lvl="1" marL="914400">
+            <a:lvl2pPr marL="914400" lvl="1" indent="-317500">
               <a:lnSpc>
                 <a:spcPct val="115000"/>
               </a:lnSpc>
@@ -5673,7 +5816,7 @@
                 <a:sym typeface="Average"/>
               </a:defRPr>
             </a:lvl2pPr>
-            <a:lvl3pPr indent="-317500" lvl="2" marL="1371600">
+            <a:lvl3pPr marL="1371600" lvl="2" indent="-317500">
               <a:lnSpc>
                 <a:spcPct val="115000"/>
               </a:lnSpc>
@@ -5699,7 +5842,7 @@
                 <a:sym typeface="Average"/>
               </a:defRPr>
             </a:lvl3pPr>
-            <a:lvl4pPr indent="-317500" lvl="3" marL="1828800">
+            <a:lvl4pPr marL="1828800" lvl="3" indent="-317500">
               <a:lnSpc>
                 <a:spcPct val="115000"/>
               </a:lnSpc>
@@ -5725,7 +5868,7 @@
                 <a:sym typeface="Average"/>
               </a:defRPr>
             </a:lvl4pPr>
-            <a:lvl5pPr indent="-317500" lvl="4" marL="2286000">
+            <a:lvl5pPr marL="2286000" lvl="4" indent="-317500">
               <a:lnSpc>
                 <a:spcPct val="115000"/>
               </a:lnSpc>
@@ -5751,7 +5894,7 @@
                 <a:sym typeface="Average"/>
               </a:defRPr>
             </a:lvl5pPr>
-            <a:lvl6pPr indent="-317500" lvl="5" marL="2743200">
+            <a:lvl6pPr marL="2743200" lvl="5" indent="-317500">
               <a:lnSpc>
                 <a:spcPct val="115000"/>
               </a:lnSpc>
@@ -5777,7 +5920,7 @@
                 <a:sym typeface="Average"/>
               </a:defRPr>
             </a:lvl6pPr>
-            <a:lvl7pPr indent="-317500" lvl="6" marL="3200400">
+            <a:lvl7pPr marL="3200400" lvl="6" indent="-317500">
               <a:lnSpc>
                 <a:spcPct val="115000"/>
               </a:lnSpc>
@@ -5803,7 +5946,7 @@
                 <a:sym typeface="Average"/>
               </a:defRPr>
             </a:lvl7pPr>
-            <a:lvl8pPr indent="-317500" lvl="7" marL="3657600">
+            <a:lvl8pPr marL="3657600" lvl="7" indent="-317500">
               <a:lnSpc>
                 <a:spcPct val="115000"/>
               </a:lnSpc>
@@ -5829,7 +5972,7 @@
                 <a:sym typeface="Average"/>
               </a:defRPr>
             </a:lvl8pPr>
-            <a:lvl9pPr indent="-317500" lvl="8" marL="4114800">
+            <a:lvl9pPr marL="4114800" lvl="8" indent="-317500">
               <a:lnSpc>
                 <a:spcPct val="115000"/>
               </a:lnSpc>
@@ -5856,15 +5999,19 @@
               </a:defRPr>
             </a:lvl9pPr>
           </a:lstStyle>
-          <a:p/>
+          <a:p>
+            <a:endParaRPr/>
+          </a:p>
         </p:txBody>
       </p:sp>
       <p:sp>
         <p:nvSpPr>
           <p:cNvPr id="8" name="Google Shape;8;p1"/>
-          <p:cNvSpPr txBox="1"/>
+          <p:cNvSpPr txBox="1">
+            <a:spLocks noGrp="1"/>
+          </p:cNvSpPr>
           <p:nvPr>
-            <p:ph idx="12" type="sldNum"/>
+            <p:ph type="sldNum" idx="12"/>
           </p:nvPr>
         </p:nvSpPr>
         <p:spPr>
@@ -5881,7 +6028,7 @@
           </a:ln>
         </p:spPr>
         <p:txBody>
-          <a:bodyPr anchorCtr="0" anchor="ctr" bIns="91425" lIns="91425" spcFirstLastPara="1" rIns="91425" wrap="square" tIns="91425">
+          <a:bodyPr spcFirstLastPara="1" wrap="square" lIns="91425" tIns="91425" rIns="91425" bIns="91425" anchor="ctr" anchorCtr="0">
             <a:normAutofit/>
           </a:bodyPr>
           <a:lstStyle>
@@ -5995,7 +6142,7 @@
             </a:lvl9pPr>
           </a:lstStyle>
           <a:p>
-            <a:pPr indent="0" lvl="0" marL="0" rtl="0" algn="r">
+            <a:pPr marL="0" lvl="0" indent="0" algn="r" rtl="0">
               <a:spcBef>
                 <a:spcPts val="0"/>
               </a:spcBef>
@@ -6014,7 +6161,7 @@
       </p:sp>
     </p:spTree>
   </p:cSld>
-  <p:clrMap accent1="accent1" accent2="accent2" accent3="accent3" accent4="accent4" accent5="accent5" accent6="accent6" bg1="lt1" bg2="dk2" tx1="dk1" tx2="lt2" folHlink="folHlink" hlink="hlink"/>
+  <p:clrMap bg1="lt1" tx1="dk1" bg2="dk2" tx2="lt2" accent1="accent1" accent2="accent2" accent3="accent3" accent4="accent4" accent5="accent5" accent6="accent6" hlink="hlink" folHlink="folHlink"/>
   <p:sldLayoutIdLst>
     <p:sldLayoutId id="2147483648" r:id="rId1"/>
     <p:sldLayoutId id="2147483649" r:id="rId2"/>
@@ -6028,10 +6175,10 @@
     <p:sldLayoutId id="2147483657" r:id="rId10"/>
     <p:sldLayoutId id="2147483658" r:id="rId11"/>
   </p:sldLayoutIdLst>
-  <p:hf dt="0" ftr="0" hdr="0" sldNum="0"/>
+  <p:hf sldNum="0" hdr="0" ftr="0" dt="0"/>
   <p:txStyles>
     <p:titleStyle>
-      <a:defPPr lvl="0" marR="0" rtl="0" algn="l">
+      <a:defPPr marR="0" lvl="0" algn="l" rtl="0">
         <a:lnSpc>
           <a:spcPct val="100000"/>
         </a:lnSpc>
@@ -6042,7 +6189,7 @@
           <a:spcPts val="0"/>
         </a:spcAft>
       </a:defPPr>
-      <a:lvl1pPr lvl="0" marR="0" rtl="0" algn="l">
+      <a:lvl1pPr marR="0" lvl="0" algn="l" rtl="0">
         <a:lnSpc>
           <a:spcPct val="100000"/>
         </a:lnSpc>
@@ -6056,7 +6203,7 @@
           <a:srgbClr val="000000"/>
         </a:buClr>
         <a:buFont typeface="Arial"/>
-        <a:defRPr b="0" i="0" sz="1400" u="none" cap="none" strike="noStrike">
+        <a:defRPr sz="1400" b="0" i="0" u="none" strike="noStrike" cap="none">
           <a:solidFill>
             <a:srgbClr val="000000"/>
           </a:solidFill>
@@ -6066,7 +6213,7 @@
           <a:sym typeface="Arial"/>
         </a:defRPr>
       </a:lvl1pPr>
-      <a:lvl2pPr lvl="1" marR="0" rtl="0" algn="l">
+      <a:lvl2pPr marR="0" lvl="1" algn="l" rtl="0">
         <a:lnSpc>
           <a:spcPct val="100000"/>
         </a:lnSpc>
@@ -6080,7 +6227,7 @@
           <a:srgbClr val="000000"/>
         </a:buClr>
         <a:buFont typeface="Arial"/>
-        <a:defRPr b="0" i="0" sz="1400" u="none" cap="none" strike="noStrike">
+        <a:defRPr sz="1400" b="0" i="0" u="none" strike="noStrike" cap="none">
           <a:solidFill>
             <a:srgbClr val="000000"/>
           </a:solidFill>
@@ -6090,7 +6237,7 @@
           <a:sym typeface="Arial"/>
         </a:defRPr>
       </a:lvl2pPr>
-      <a:lvl3pPr lvl="2" marR="0" rtl="0" algn="l">
+      <a:lvl3pPr marR="0" lvl="2" algn="l" rtl="0">
         <a:lnSpc>
           <a:spcPct val="100000"/>
         </a:lnSpc>
@@ -6104,7 +6251,7 @@
           <a:srgbClr val="000000"/>
         </a:buClr>
         <a:buFont typeface="Arial"/>
-        <a:defRPr b="0" i="0" sz="1400" u="none" cap="none" strike="noStrike">
+        <a:defRPr sz="1400" b="0" i="0" u="none" strike="noStrike" cap="none">
           <a:solidFill>
             <a:srgbClr val="000000"/>
           </a:solidFill>
@@ -6114,7 +6261,7 @@
           <a:sym typeface="Arial"/>
         </a:defRPr>
       </a:lvl3pPr>
-      <a:lvl4pPr lvl="3" marR="0" rtl="0" algn="l">
+      <a:lvl4pPr marR="0" lvl="3" algn="l" rtl="0">
         <a:lnSpc>
           <a:spcPct val="100000"/>
         </a:lnSpc>
@@ -6128,7 +6275,7 @@
           <a:srgbClr val="000000"/>
         </a:buClr>
         <a:buFont typeface="Arial"/>
-        <a:defRPr b="0" i="0" sz="1400" u="none" cap="none" strike="noStrike">
+        <a:defRPr sz="1400" b="0" i="0" u="none" strike="noStrike" cap="none">
           <a:solidFill>
             <a:srgbClr val="000000"/>
           </a:solidFill>
@@ -6138,7 +6285,7 @@
           <a:sym typeface="Arial"/>
         </a:defRPr>
       </a:lvl4pPr>
-      <a:lvl5pPr lvl="4" marR="0" rtl="0" algn="l">
+      <a:lvl5pPr marR="0" lvl="4" algn="l" rtl="0">
         <a:lnSpc>
           <a:spcPct val="100000"/>
         </a:lnSpc>
@@ -6152,7 +6299,7 @@
           <a:srgbClr val="000000"/>
         </a:buClr>
         <a:buFont typeface="Arial"/>
-        <a:defRPr b="0" i="0" sz="1400" u="none" cap="none" strike="noStrike">
+        <a:defRPr sz="1400" b="0" i="0" u="none" strike="noStrike" cap="none">
           <a:solidFill>
             <a:srgbClr val="000000"/>
           </a:solidFill>
@@ -6162,7 +6309,7 @@
           <a:sym typeface="Arial"/>
         </a:defRPr>
       </a:lvl5pPr>
-      <a:lvl6pPr lvl="5" marR="0" rtl="0" algn="l">
+      <a:lvl6pPr marR="0" lvl="5" algn="l" rtl="0">
         <a:lnSpc>
           <a:spcPct val="100000"/>
         </a:lnSpc>
@@ -6176,7 +6323,7 @@
           <a:srgbClr val="000000"/>
         </a:buClr>
         <a:buFont typeface="Arial"/>
-        <a:defRPr b="0" i="0" sz="1400" u="none" cap="none" strike="noStrike">
+        <a:defRPr sz="1400" b="0" i="0" u="none" strike="noStrike" cap="none">
           <a:solidFill>
             <a:srgbClr val="000000"/>
           </a:solidFill>
@@ -6186,7 +6333,7 @@
           <a:sym typeface="Arial"/>
         </a:defRPr>
       </a:lvl6pPr>
-      <a:lvl7pPr lvl="6" marR="0" rtl="0" algn="l">
+      <a:lvl7pPr marR="0" lvl="6" algn="l" rtl="0">
         <a:lnSpc>
           <a:spcPct val="100000"/>
         </a:lnSpc>
@@ -6200,7 +6347,7 @@
           <a:srgbClr val="000000"/>
         </a:buClr>
         <a:buFont typeface="Arial"/>
-        <a:defRPr b="0" i="0" sz="1400" u="none" cap="none" strike="noStrike">
+        <a:defRPr sz="1400" b="0" i="0" u="none" strike="noStrike" cap="none">
           <a:solidFill>
             <a:srgbClr val="000000"/>
           </a:solidFill>
@@ -6210,7 +6357,7 @@
           <a:sym typeface="Arial"/>
         </a:defRPr>
       </a:lvl7pPr>
-      <a:lvl8pPr lvl="7" marR="0" rtl="0" algn="l">
+      <a:lvl8pPr marR="0" lvl="7" algn="l" rtl="0">
         <a:lnSpc>
           <a:spcPct val="100000"/>
         </a:lnSpc>
@@ -6224,7 +6371,7 @@
           <a:srgbClr val="000000"/>
         </a:buClr>
         <a:buFont typeface="Arial"/>
-        <a:defRPr b="0" i="0" sz="1400" u="none" cap="none" strike="noStrike">
+        <a:defRPr sz="1400" b="0" i="0" u="none" strike="noStrike" cap="none">
           <a:solidFill>
             <a:srgbClr val="000000"/>
           </a:solidFill>
@@ -6234,7 +6381,7 @@
           <a:sym typeface="Arial"/>
         </a:defRPr>
       </a:lvl8pPr>
-      <a:lvl9pPr lvl="8" marR="0" rtl="0" algn="l">
+      <a:lvl9pPr marR="0" lvl="8" algn="l" rtl="0">
         <a:lnSpc>
           <a:spcPct val="100000"/>
         </a:lnSpc>
@@ -6248,7 +6395,7 @@
           <a:srgbClr val="000000"/>
         </a:buClr>
         <a:buFont typeface="Arial"/>
-        <a:defRPr b="0" i="0" sz="1400" u="none" cap="none" strike="noStrike">
+        <a:defRPr sz="1400" b="0" i="0" u="none" strike="noStrike" cap="none">
           <a:solidFill>
             <a:srgbClr val="000000"/>
           </a:solidFill>
@@ -6260,7 +6407,7 @@
       </a:lvl9pPr>
     </p:titleStyle>
     <p:bodyStyle>
-      <a:defPPr lvl="0" marR="0" rtl="0" algn="l">
+      <a:defPPr marR="0" lvl="0" algn="l" rtl="0">
         <a:lnSpc>
           <a:spcPct val="100000"/>
         </a:lnSpc>
@@ -6271,7 +6418,7 @@
           <a:spcPts val="0"/>
         </a:spcAft>
       </a:defPPr>
-      <a:lvl1pPr lvl="0" marR="0" rtl="0" algn="l">
+      <a:lvl1pPr marR="0" lvl="0" algn="l" rtl="0">
         <a:lnSpc>
           <a:spcPct val="100000"/>
         </a:lnSpc>
@@ -6285,7 +6432,7 @@
           <a:srgbClr val="000000"/>
         </a:buClr>
         <a:buFont typeface="Arial"/>
-        <a:defRPr b="0" i="0" sz="1400" u="none" cap="none" strike="noStrike">
+        <a:defRPr sz="1400" b="0" i="0" u="none" strike="noStrike" cap="none">
           <a:solidFill>
             <a:srgbClr val="000000"/>
           </a:solidFill>
@@ -6295,7 +6442,7 @@
           <a:sym typeface="Arial"/>
         </a:defRPr>
       </a:lvl1pPr>
-      <a:lvl2pPr lvl="1" marR="0" rtl="0" algn="l">
+      <a:lvl2pPr marR="0" lvl="1" algn="l" rtl="0">
         <a:lnSpc>
           <a:spcPct val="100000"/>
         </a:lnSpc>
@@ -6309,7 +6456,7 @@
           <a:srgbClr val="000000"/>
         </a:buClr>
         <a:buFont typeface="Arial"/>
-        <a:defRPr b="0" i="0" sz="1400" u="none" cap="none" strike="noStrike">
+        <a:defRPr sz="1400" b="0" i="0" u="none" strike="noStrike" cap="none">
           <a:solidFill>
             <a:srgbClr val="000000"/>
           </a:solidFill>
@@ -6319,7 +6466,7 @@
           <a:sym typeface="Arial"/>
         </a:defRPr>
       </a:lvl2pPr>
-      <a:lvl3pPr lvl="2" marR="0" rtl="0" algn="l">
+      <a:lvl3pPr marR="0" lvl="2" algn="l" rtl="0">
         <a:lnSpc>
           <a:spcPct val="100000"/>
         </a:lnSpc>
@@ -6333,7 +6480,7 @@
           <a:srgbClr val="000000"/>
         </a:buClr>
         <a:buFont typeface="Arial"/>
-        <a:defRPr b="0" i="0" sz="1400" u="none" cap="none" strike="noStrike">
+        <a:defRPr sz="1400" b="0" i="0" u="none" strike="noStrike" cap="none">
           <a:solidFill>
             <a:srgbClr val="000000"/>
           </a:solidFill>
@@ -6343,7 +6490,7 @@
           <a:sym typeface="Arial"/>
         </a:defRPr>
       </a:lvl3pPr>
-      <a:lvl4pPr lvl="3" marR="0" rtl="0" algn="l">
+      <a:lvl4pPr marR="0" lvl="3" algn="l" rtl="0">
         <a:lnSpc>
           <a:spcPct val="100000"/>
         </a:lnSpc>
@@ -6357,7 +6504,7 @@
           <a:srgbClr val="000000"/>
         </a:buClr>
         <a:buFont typeface="Arial"/>
-        <a:defRPr b="0" i="0" sz="1400" u="none" cap="none" strike="noStrike">
+        <a:defRPr sz="1400" b="0" i="0" u="none" strike="noStrike" cap="none">
           <a:solidFill>
             <a:srgbClr val="000000"/>
           </a:solidFill>
@@ -6367,7 +6514,7 @@
           <a:sym typeface="Arial"/>
         </a:defRPr>
       </a:lvl4pPr>
-      <a:lvl5pPr lvl="4" marR="0" rtl="0" algn="l">
+      <a:lvl5pPr marR="0" lvl="4" algn="l" rtl="0">
         <a:lnSpc>
           <a:spcPct val="100000"/>
         </a:lnSpc>
@@ -6381,7 +6528,7 @@
           <a:srgbClr val="000000"/>
         </a:buClr>
         <a:buFont typeface="Arial"/>
-        <a:defRPr b="0" i="0" sz="1400" u="none" cap="none" strike="noStrike">
+        <a:defRPr sz="1400" b="0" i="0" u="none" strike="noStrike" cap="none">
           <a:solidFill>
             <a:srgbClr val="000000"/>
           </a:solidFill>
@@ -6391,7 +6538,7 @@
           <a:sym typeface="Arial"/>
         </a:defRPr>
       </a:lvl5pPr>
-      <a:lvl6pPr lvl="5" marR="0" rtl="0" algn="l">
+      <a:lvl6pPr marR="0" lvl="5" algn="l" rtl="0">
         <a:lnSpc>
           <a:spcPct val="100000"/>
         </a:lnSpc>
@@ -6405,7 +6552,7 @@
           <a:srgbClr val="000000"/>
         </a:buClr>
         <a:buFont typeface="Arial"/>
-        <a:defRPr b="0" i="0" sz="1400" u="none" cap="none" strike="noStrike">
+        <a:defRPr sz="1400" b="0" i="0" u="none" strike="noStrike" cap="none">
           <a:solidFill>
             <a:srgbClr val="000000"/>
           </a:solidFill>
@@ -6415,7 +6562,7 @@
           <a:sym typeface="Arial"/>
         </a:defRPr>
       </a:lvl6pPr>
-      <a:lvl7pPr lvl="6" marR="0" rtl="0" algn="l">
+      <a:lvl7pPr marR="0" lvl="6" algn="l" rtl="0">
         <a:lnSpc>
           <a:spcPct val="100000"/>
         </a:lnSpc>
@@ -6429,7 +6576,7 @@
           <a:srgbClr val="000000"/>
         </a:buClr>
         <a:buFont typeface="Arial"/>
-        <a:defRPr b="0" i="0" sz="1400" u="none" cap="none" strike="noStrike">
+        <a:defRPr sz="1400" b="0" i="0" u="none" strike="noStrike" cap="none">
           <a:solidFill>
             <a:srgbClr val="000000"/>
           </a:solidFill>
@@ -6439,7 +6586,7 @@
           <a:sym typeface="Arial"/>
         </a:defRPr>
       </a:lvl7pPr>
-      <a:lvl8pPr lvl="7" marR="0" rtl="0" algn="l">
+      <a:lvl8pPr marR="0" lvl="7" algn="l" rtl="0">
         <a:lnSpc>
           <a:spcPct val="100000"/>
         </a:lnSpc>
@@ -6453,7 +6600,7 @@
           <a:srgbClr val="000000"/>
         </a:buClr>
         <a:buFont typeface="Arial"/>
-        <a:defRPr b="0" i="0" sz="1400" u="none" cap="none" strike="noStrike">
+        <a:defRPr sz="1400" b="0" i="0" u="none" strike="noStrike" cap="none">
           <a:solidFill>
             <a:srgbClr val="000000"/>
           </a:solidFill>
@@ -6463,7 +6610,7 @@
           <a:sym typeface="Arial"/>
         </a:defRPr>
       </a:lvl8pPr>
-      <a:lvl9pPr lvl="8" marR="0" rtl="0" algn="l">
+      <a:lvl9pPr marR="0" lvl="8" algn="l" rtl="0">
         <a:lnSpc>
           <a:spcPct val="100000"/>
         </a:lnSpc>
@@ -6477,7 +6624,7 @@
           <a:srgbClr val="000000"/>
         </a:buClr>
         <a:buFont typeface="Arial"/>
-        <a:defRPr b="0" i="0" sz="1400" u="none" cap="none" strike="noStrike">
+        <a:defRPr sz="1400" b="0" i="0" u="none" strike="noStrike" cap="none">
           <a:solidFill>
             <a:srgbClr val="000000"/>
           </a:solidFill>
@@ -6489,7 +6636,7 @@
       </a:lvl9pPr>
     </p:bodyStyle>
     <p:otherStyle>
-      <a:defPPr lvl="0" marR="0" rtl="0" algn="l">
+      <a:defPPr marR="0" lvl="0" algn="l" rtl="0">
         <a:lnSpc>
           <a:spcPct val="100000"/>
         </a:lnSpc>
@@ -6500,7 +6647,7 @@
           <a:spcPts val="0"/>
         </a:spcAft>
       </a:defPPr>
-      <a:lvl1pPr lvl="0" marR="0" rtl="0" algn="l">
+      <a:lvl1pPr marR="0" lvl="0" algn="l" rtl="0">
         <a:lnSpc>
           <a:spcPct val="100000"/>
         </a:lnSpc>
@@ -6514,7 +6661,7 @@
           <a:srgbClr val="000000"/>
         </a:buClr>
         <a:buFont typeface="Arial"/>
-        <a:defRPr b="0" i="0" sz="1400" u="none" cap="none" strike="noStrike">
+        <a:defRPr sz="1400" b="0" i="0" u="none" strike="noStrike" cap="none">
           <a:solidFill>
             <a:srgbClr val="000000"/>
           </a:solidFill>
@@ -6524,7 +6671,7 @@
           <a:sym typeface="Arial"/>
         </a:defRPr>
       </a:lvl1pPr>
-      <a:lvl2pPr lvl="1" marR="0" rtl="0" algn="l">
+      <a:lvl2pPr marR="0" lvl="1" algn="l" rtl="0">
         <a:lnSpc>
           <a:spcPct val="100000"/>
         </a:lnSpc>
@@ -6538,7 +6685,7 @@
           <a:srgbClr val="000000"/>
         </a:buClr>
         <a:buFont typeface="Arial"/>
-        <a:defRPr b="0" i="0" sz="1400" u="none" cap="none" strike="noStrike">
+        <a:defRPr sz="1400" b="0" i="0" u="none" strike="noStrike" cap="none">
           <a:solidFill>
             <a:srgbClr val="000000"/>
           </a:solidFill>
@@ -6548,7 +6695,7 @@
           <a:sym typeface="Arial"/>
         </a:defRPr>
       </a:lvl2pPr>
-      <a:lvl3pPr lvl="2" marR="0" rtl="0" algn="l">
+      <a:lvl3pPr marR="0" lvl="2" algn="l" rtl="0">
         <a:lnSpc>
           <a:spcPct val="100000"/>
         </a:lnSpc>
@@ -6562,7 +6709,7 @@
           <a:srgbClr val="000000"/>
         </a:buClr>
         <a:buFont typeface="Arial"/>
-        <a:defRPr b="0" i="0" sz="1400" u="none" cap="none" strike="noStrike">
+        <a:defRPr sz="1400" b="0" i="0" u="none" strike="noStrike" cap="none">
           <a:solidFill>
             <a:srgbClr val="000000"/>
           </a:solidFill>
@@ -6572,7 +6719,7 @@
           <a:sym typeface="Arial"/>
         </a:defRPr>
       </a:lvl3pPr>
-      <a:lvl4pPr lvl="3" marR="0" rtl="0" algn="l">
+      <a:lvl4pPr marR="0" lvl="3" algn="l" rtl="0">
         <a:lnSpc>
           <a:spcPct val="100000"/>
         </a:lnSpc>
@@ -6586,7 +6733,7 @@
           <a:srgbClr val="000000"/>
         </a:buClr>
         <a:buFont typeface="Arial"/>
-        <a:defRPr b="0" i="0" sz="1400" u="none" cap="none" strike="noStrike">
+        <a:defRPr sz="1400" b="0" i="0" u="none" strike="noStrike" cap="none">
           <a:solidFill>
             <a:srgbClr val="000000"/>
           </a:solidFill>
@@ -6596,7 +6743,7 @@
           <a:sym typeface="Arial"/>
         </a:defRPr>
       </a:lvl4pPr>
-      <a:lvl5pPr lvl="4" marR="0" rtl="0" algn="l">
+      <a:lvl5pPr marR="0" lvl="4" algn="l" rtl="0">
         <a:lnSpc>
           <a:spcPct val="100000"/>
         </a:lnSpc>
@@ -6610,7 +6757,7 @@
           <a:srgbClr val="000000"/>
         </a:buClr>
         <a:buFont typeface="Arial"/>
-        <a:defRPr b="0" i="0" sz="1400" u="none" cap="none" strike="noStrike">
+        <a:defRPr sz="1400" b="0" i="0" u="none" strike="noStrike" cap="none">
           <a:solidFill>
             <a:srgbClr val="000000"/>
           </a:solidFill>
@@ -6620,7 +6767,7 @@
           <a:sym typeface="Arial"/>
         </a:defRPr>
       </a:lvl5pPr>
-      <a:lvl6pPr lvl="5" marR="0" rtl="0" algn="l">
+      <a:lvl6pPr marR="0" lvl="5" algn="l" rtl="0">
         <a:lnSpc>
           <a:spcPct val="100000"/>
         </a:lnSpc>
@@ -6634,7 +6781,7 @@
           <a:srgbClr val="000000"/>
         </a:buClr>
         <a:buFont typeface="Arial"/>
-        <a:defRPr b="0" i="0" sz="1400" u="none" cap="none" strike="noStrike">
+        <a:defRPr sz="1400" b="0" i="0" u="none" strike="noStrike" cap="none">
           <a:solidFill>
             <a:srgbClr val="000000"/>
           </a:solidFill>
@@ -6644,7 +6791,7 @@
           <a:sym typeface="Arial"/>
         </a:defRPr>
       </a:lvl6pPr>
-      <a:lvl7pPr lvl="6" marR="0" rtl="0" algn="l">
+      <a:lvl7pPr marR="0" lvl="6" algn="l" rtl="0">
         <a:lnSpc>
           <a:spcPct val="100000"/>
         </a:lnSpc>
@@ -6658,7 +6805,7 @@
           <a:srgbClr val="000000"/>
         </a:buClr>
         <a:buFont typeface="Arial"/>
-        <a:defRPr b="0" i="0" sz="1400" u="none" cap="none" strike="noStrike">
+        <a:defRPr sz="1400" b="0" i="0" u="none" strike="noStrike" cap="none">
           <a:solidFill>
             <a:srgbClr val="000000"/>
           </a:solidFill>
@@ -6668,7 +6815,7 @@
           <a:sym typeface="Arial"/>
         </a:defRPr>
       </a:lvl7pPr>
-      <a:lvl8pPr lvl="7" marR="0" rtl="0" algn="l">
+      <a:lvl8pPr marR="0" lvl="7" algn="l" rtl="0">
         <a:lnSpc>
           <a:spcPct val="100000"/>
         </a:lnSpc>
@@ -6682,7 +6829,7 @@
           <a:srgbClr val="000000"/>
         </a:buClr>
         <a:buFont typeface="Arial"/>
-        <a:defRPr b="0" i="0" sz="1400" u="none" cap="none" strike="noStrike">
+        <a:defRPr sz="1400" b="0" i="0" u="none" strike="noStrike" cap="none">
           <a:solidFill>
             <a:srgbClr val="000000"/>
           </a:solidFill>
@@ -6692,7 +6839,7 @@
           <a:sym typeface="Arial"/>
         </a:defRPr>
       </a:lvl8pPr>
-      <a:lvl9pPr lvl="8" marR="0" rtl="0" algn="l">
+      <a:lvl9pPr marR="0" lvl="8" algn="l" rtl="0">
         <a:lnSpc>
           <a:spcPct val="100000"/>
         </a:lnSpc>
@@ -6706,7 +6853,7 @@
           <a:srgbClr val="000000"/>
         </a:buClr>
         <a:buFont typeface="Arial"/>
-        <a:defRPr b="0" i="0" sz="1400" u="none" cap="none" strike="noStrike">
+        <a:defRPr sz="1400" b="0" i="0" u="none" strike="noStrike" cap="none">
           <a:solidFill>
             <a:srgbClr val="000000"/>
           </a:solidFill>
@@ -6722,11 +6869,11 @@
 </file>
 
 <file path=ppt/slides/slide1.xml><?xml version="1.0" encoding="utf-8"?>
-<p:sld xmlns:a="http://schemas.openxmlformats.org/drawingml/2006/main" xmlns:r="http://schemas.openxmlformats.org/officeDocument/2006/relationships" xmlns:mc="http://schemas.openxmlformats.org/markup-compatibility/2006" xmlns:mv="urn:schemas-microsoft-com:mac:vml" xmlns:p="http://schemas.openxmlformats.org/presentationml/2006/main" xmlns:c="http://schemas.openxmlformats.org/drawingml/2006/chart" xmlns:dgm="http://schemas.openxmlformats.org/drawingml/2006/diagram" xmlns:o="urn:schemas-microsoft-com:office:office" xmlns:v="urn:schemas-microsoft-com:vml" xmlns:pvml="urn:schemas-microsoft-com:office:powerpoint" xmlns:com="http://schemas.openxmlformats.org/drawingml/2006/compatibility" xmlns:p14="http://schemas.microsoft.com/office/powerpoint/2010/main" xmlns:p15="http://schemas.microsoft.com/office/powerpoint/2012/main" xmlns:ahyp="http://schemas.microsoft.com/office/drawing/2018/hyperlinkcolor">
+<p:sld xmlns:a="http://schemas.openxmlformats.org/drawingml/2006/main" xmlns:r="http://schemas.openxmlformats.org/officeDocument/2006/relationships" xmlns:p="http://schemas.openxmlformats.org/presentationml/2006/main">
   <p:cSld>
     <p:spTree>
       <p:nvGrpSpPr>
-        <p:cNvPr id="58" name="Shape 58"/>
+        <p:cNvPr id="1" name="Shape 58"/>
         <p:cNvGrpSpPr/>
         <p:nvPr/>
       </p:nvGrpSpPr>
@@ -6741,7 +6888,9 @@
       <p:sp>
         <p:nvSpPr>
           <p:cNvPr id="59" name="Google Shape;59;p13"/>
-          <p:cNvSpPr txBox="1"/>
+          <p:cNvSpPr txBox="1">
+            <a:spLocks noGrp="1"/>
+          </p:cNvSpPr>
           <p:nvPr>
             <p:ph type="ctrTitle"/>
           </p:nvPr>
@@ -6756,12 +6905,12 @@
           </a:prstGeom>
         </p:spPr>
         <p:txBody>
-          <a:bodyPr anchorCtr="0" anchor="b" bIns="91425" lIns="91425" spcFirstLastPara="1" rIns="91425" wrap="square" tIns="91425">
+          <a:bodyPr spcFirstLastPara="1" wrap="square" lIns="91425" tIns="91425" rIns="91425" bIns="91425" anchor="b" anchorCtr="0">
             <a:normAutofit/>
           </a:bodyPr>
           <a:lstStyle/>
           <a:p>
-            <a:pPr indent="0" lvl="0" marL="0" rtl="0" algn="ctr">
+            <a:pPr marL="0" lvl="0" indent="0" algn="ctr" rtl="0">
               <a:spcBef>
                 <a:spcPts val="0"/>
               </a:spcBef>
@@ -6771,19 +6920,21 @@
               <a:buNone/>
             </a:pPr>
             <a:r>
-              <a:rPr lang="en"/>
-              <a:t>NBA MAD MONEY</a:t>
+              <a:rPr lang="en" dirty="0"/>
+              <a:t>NBA GAME PREDICTIONS</a:t>
             </a:r>
-            <a:endParaRPr/>
+            <a:endParaRPr dirty="0"/>
           </a:p>
         </p:txBody>
       </p:sp>
       <p:sp>
         <p:nvSpPr>
           <p:cNvPr id="60" name="Google Shape;60;p13"/>
-          <p:cNvSpPr txBox="1"/>
+          <p:cNvSpPr txBox="1">
+            <a:spLocks noGrp="1"/>
+          </p:cNvSpPr>
           <p:nvPr>
-            <p:ph idx="1" type="subTitle"/>
+            <p:ph type="subTitle" idx="1"/>
           </p:nvPr>
         </p:nvSpPr>
         <p:spPr>
@@ -6796,12 +6947,12 @@
           </a:prstGeom>
         </p:spPr>
         <p:txBody>
-          <a:bodyPr anchorCtr="0" anchor="t" bIns="91425" lIns="91425" spcFirstLastPara="1" rIns="91425" wrap="square" tIns="91425">
+          <a:bodyPr spcFirstLastPara="1" wrap="square" lIns="91425" tIns="91425" rIns="91425" bIns="91425" anchor="t" anchorCtr="0">
             <a:noAutofit/>
           </a:bodyPr>
           <a:lstStyle/>
           <a:p>
-            <a:pPr indent="0" lvl="0" marL="0" rtl="0" algn="ctr">
+            <a:pPr marL="0" lvl="0" indent="0" algn="ctr" rtl="0">
               <a:lnSpc>
                 <a:spcPct val="80000"/>
               </a:lnSpc>
@@ -6815,13 +6966,13 @@
               <a:buNone/>
             </a:pPr>
             <a:r>
-              <a:rPr lang="en" sz="1312"/>
+              <a:rPr lang="en" sz="1312" dirty="0"/>
               <a:t>Levi Christian</a:t>
             </a:r>
-            <a:endParaRPr sz="1312"/>
+            <a:endParaRPr sz="1312" dirty="0"/>
           </a:p>
           <a:p>
-            <a:pPr indent="0" lvl="0" marL="0" rtl="0" algn="ctr">
+            <a:pPr marL="0" lvl="0" indent="0" algn="ctr" rtl="0">
               <a:lnSpc>
                 <a:spcPct val="80000"/>
               </a:lnSpc>
@@ -6835,13 +6986,13 @@
               <a:buNone/>
             </a:pPr>
             <a:r>
-              <a:rPr lang="en" sz="1312"/>
+              <a:rPr lang="en" sz="1312" dirty="0"/>
               <a:t>James Pak</a:t>
             </a:r>
-            <a:endParaRPr sz="1312"/>
+            <a:endParaRPr sz="1312" dirty="0"/>
           </a:p>
           <a:p>
-            <a:pPr indent="0" lvl="0" marL="0" rtl="0" algn="ctr">
+            <a:pPr marL="0" lvl="0" indent="0" algn="ctr" rtl="0">
               <a:lnSpc>
                 <a:spcPct val="80000"/>
               </a:lnSpc>
@@ -6855,10 +7006,302 @@
               <a:buNone/>
             </a:pPr>
             <a:r>
-              <a:rPr lang="en" sz="1312"/>
+              <a:rPr lang="en" sz="1312" dirty="0"/>
               <a:t>William Udeh</a:t>
             </a:r>
-            <a:endParaRPr sz="1312"/>
+            <a:endParaRPr sz="1312" dirty="0"/>
+          </a:p>
+        </p:txBody>
+      </p:sp>
+      <p:sp>
+        <p:nvSpPr>
+          <p:cNvPr id="4" name="Google Shape;60;p13">
+            <a:extLst>
+              <a:ext uri="{FF2B5EF4-FFF2-40B4-BE49-F238E27FC236}">
+                <a16:creationId xmlns:a16="http://schemas.microsoft.com/office/drawing/2014/main" id="{68837C7D-D3C7-4DE6-A3F5-CE2F9AAC6563}"/>
+              </a:ext>
+            </a:extLst>
+          </p:cNvPr>
+          <p:cNvSpPr txBox="1">
+            <a:spLocks/>
+          </p:cNvSpPr>
+          <p:nvPr/>
+        </p:nvSpPr>
+        <p:spPr>
+          <a:xfrm>
+            <a:off x="419614" y="4025152"/>
+            <a:ext cx="2823317" cy="792600"/>
+          </a:xfrm>
+          <a:prstGeom prst="rect">
+            <a:avLst/>
+          </a:prstGeom>
+          <a:noFill/>
+          <a:ln>
+            <a:noFill/>
+          </a:ln>
+        </p:spPr>
+        <p:txBody>
+          <a:bodyPr spcFirstLastPara="1" wrap="square" lIns="91425" tIns="91425" rIns="91425" bIns="91425" anchor="t" anchorCtr="0">
+            <a:noAutofit/>
+          </a:bodyPr>
+          <a:lstStyle>
+            <a:defPPr marR="0" lvl="0" algn="l" rtl="0">
+              <a:lnSpc>
+                <a:spcPct val="100000"/>
+              </a:lnSpc>
+              <a:spcBef>
+                <a:spcPts val="0"/>
+              </a:spcBef>
+              <a:spcAft>
+                <a:spcPts val="0"/>
+              </a:spcAft>
+            </a:defPPr>
+            <a:lvl1pPr marL="457200" marR="0" lvl="0" indent="-342900" algn="ctr" rtl="0">
+              <a:lnSpc>
+                <a:spcPct val="100000"/>
+              </a:lnSpc>
+              <a:spcBef>
+                <a:spcPts val="0"/>
+              </a:spcBef>
+              <a:spcAft>
+                <a:spcPts val="0"/>
+              </a:spcAft>
+              <a:buClr>
+                <a:schemeClr val="accent3"/>
+              </a:buClr>
+              <a:buSzPts val="2100"/>
+              <a:buFont typeface="Average"/>
+              <a:buNone/>
+              <a:defRPr sz="2100" b="0" i="0" u="none" strike="noStrike" cap="none">
+                <a:solidFill>
+                  <a:schemeClr val="accent3"/>
+                </a:solidFill>
+                <a:latin typeface="Average"/>
+                <a:ea typeface="Average"/>
+                <a:cs typeface="Average"/>
+                <a:sym typeface="Average"/>
+              </a:defRPr>
+            </a:lvl1pPr>
+            <a:lvl2pPr marL="914400" marR="0" lvl="1" indent="-317500" algn="ctr" rtl="0">
+              <a:lnSpc>
+                <a:spcPct val="100000"/>
+              </a:lnSpc>
+              <a:spcBef>
+                <a:spcPts val="0"/>
+              </a:spcBef>
+              <a:spcAft>
+                <a:spcPts val="0"/>
+              </a:spcAft>
+              <a:buClr>
+                <a:schemeClr val="accent3"/>
+              </a:buClr>
+              <a:buSzPts val="2100"/>
+              <a:buFont typeface="Average"/>
+              <a:buNone/>
+              <a:defRPr sz="2100" b="0" i="0" u="none" strike="noStrike" cap="none">
+                <a:solidFill>
+                  <a:schemeClr val="accent3"/>
+                </a:solidFill>
+                <a:latin typeface="Average"/>
+                <a:ea typeface="Average"/>
+                <a:cs typeface="Average"/>
+                <a:sym typeface="Average"/>
+              </a:defRPr>
+            </a:lvl2pPr>
+            <a:lvl3pPr marL="1371600" marR="0" lvl="2" indent="-317500" algn="ctr" rtl="0">
+              <a:lnSpc>
+                <a:spcPct val="100000"/>
+              </a:lnSpc>
+              <a:spcBef>
+                <a:spcPts val="0"/>
+              </a:spcBef>
+              <a:spcAft>
+                <a:spcPts val="0"/>
+              </a:spcAft>
+              <a:buClr>
+                <a:schemeClr val="accent3"/>
+              </a:buClr>
+              <a:buSzPts val="2100"/>
+              <a:buFont typeface="Average"/>
+              <a:buNone/>
+              <a:defRPr sz="2100" b="0" i="0" u="none" strike="noStrike" cap="none">
+                <a:solidFill>
+                  <a:schemeClr val="accent3"/>
+                </a:solidFill>
+                <a:latin typeface="Average"/>
+                <a:ea typeface="Average"/>
+                <a:cs typeface="Average"/>
+                <a:sym typeface="Average"/>
+              </a:defRPr>
+            </a:lvl3pPr>
+            <a:lvl4pPr marL="1828800" marR="0" lvl="3" indent="-317500" algn="ctr" rtl="0">
+              <a:lnSpc>
+                <a:spcPct val="100000"/>
+              </a:lnSpc>
+              <a:spcBef>
+                <a:spcPts val="0"/>
+              </a:spcBef>
+              <a:spcAft>
+                <a:spcPts val="0"/>
+              </a:spcAft>
+              <a:buClr>
+                <a:schemeClr val="accent3"/>
+              </a:buClr>
+              <a:buSzPts val="2100"/>
+              <a:buFont typeface="Average"/>
+              <a:buNone/>
+              <a:defRPr sz="2100" b="0" i="0" u="none" strike="noStrike" cap="none">
+                <a:solidFill>
+                  <a:schemeClr val="accent3"/>
+                </a:solidFill>
+                <a:latin typeface="Average"/>
+                <a:ea typeface="Average"/>
+                <a:cs typeface="Average"/>
+                <a:sym typeface="Average"/>
+              </a:defRPr>
+            </a:lvl4pPr>
+            <a:lvl5pPr marL="2286000" marR="0" lvl="4" indent="-317500" algn="ctr" rtl="0">
+              <a:lnSpc>
+                <a:spcPct val="100000"/>
+              </a:lnSpc>
+              <a:spcBef>
+                <a:spcPts val="0"/>
+              </a:spcBef>
+              <a:spcAft>
+                <a:spcPts val="0"/>
+              </a:spcAft>
+              <a:buClr>
+                <a:schemeClr val="accent3"/>
+              </a:buClr>
+              <a:buSzPts val="2100"/>
+              <a:buFont typeface="Average"/>
+              <a:buNone/>
+              <a:defRPr sz="2100" b="0" i="0" u="none" strike="noStrike" cap="none">
+                <a:solidFill>
+                  <a:schemeClr val="accent3"/>
+                </a:solidFill>
+                <a:latin typeface="Average"/>
+                <a:ea typeface="Average"/>
+                <a:cs typeface="Average"/>
+                <a:sym typeface="Average"/>
+              </a:defRPr>
+            </a:lvl5pPr>
+            <a:lvl6pPr marL="2743200" marR="0" lvl="5" indent="-317500" algn="ctr" rtl="0">
+              <a:lnSpc>
+                <a:spcPct val="100000"/>
+              </a:lnSpc>
+              <a:spcBef>
+                <a:spcPts val="0"/>
+              </a:spcBef>
+              <a:spcAft>
+                <a:spcPts val="0"/>
+              </a:spcAft>
+              <a:buClr>
+                <a:schemeClr val="accent3"/>
+              </a:buClr>
+              <a:buSzPts val="2100"/>
+              <a:buFont typeface="Average"/>
+              <a:buNone/>
+              <a:defRPr sz="2100" b="0" i="0" u="none" strike="noStrike" cap="none">
+                <a:solidFill>
+                  <a:schemeClr val="accent3"/>
+                </a:solidFill>
+                <a:latin typeface="Average"/>
+                <a:ea typeface="Average"/>
+                <a:cs typeface="Average"/>
+                <a:sym typeface="Average"/>
+              </a:defRPr>
+            </a:lvl6pPr>
+            <a:lvl7pPr marL="3200400" marR="0" lvl="6" indent="-317500" algn="ctr" rtl="0">
+              <a:lnSpc>
+                <a:spcPct val="100000"/>
+              </a:lnSpc>
+              <a:spcBef>
+                <a:spcPts val="0"/>
+              </a:spcBef>
+              <a:spcAft>
+                <a:spcPts val="0"/>
+              </a:spcAft>
+              <a:buClr>
+                <a:schemeClr val="accent3"/>
+              </a:buClr>
+              <a:buSzPts val="2100"/>
+              <a:buFont typeface="Average"/>
+              <a:buNone/>
+              <a:defRPr sz="2100" b="0" i="0" u="none" strike="noStrike" cap="none">
+                <a:solidFill>
+                  <a:schemeClr val="accent3"/>
+                </a:solidFill>
+                <a:latin typeface="Average"/>
+                <a:ea typeface="Average"/>
+                <a:cs typeface="Average"/>
+                <a:sym typeface="Average"/>
+              </a:defRPr>
+            </a:lvl7pPr>
+            <a:lvl8pPr marL="3657600" marR="0" lvl="7" indent="-317500" algn="ctr" rtl="0">
+              <a:lnSpc>
+                <a:spcPct val="100000"/>
+              </a:lnSpc>
+              <a:spcBef>
+                <a:spcPts val="0"/>
+              </a:spcBef>
+              <a:spcAft>
+                <a:spcPts val="0"/>
+              </a:spcAft>
+              <a:buClr>
+                <a:schemeClr val="accent3"/>
+              </a:buClr>
+              <a:buSzPts val="2100"/>
+              <a:buFont typeface="Average"/>
+              <a:buNone/>
+              <a:defRPr sz="2100" b="0" i="0" u="none" strike="noStrike" cap="none">
+                <a:solidFill>
+                  <a:schemeClr val="accent3"/>
+                </a:solidFill>
+                <a:latin typeface="Average"/>
+                <a:ea typeface="Average"/>
+                <a:cs typeface="Average"/>
+                <a:sym typeface="Average"/>
+              </a:defRPr>
+            </a:lvl8pPr>
+            <a:lvl9pPr marL="4114800" marR="0" lvl="8" indent="-317500" algn="ctr" rtl="0">
+              <a:lnSpc>
+                <a:spcPct val="100000"/>
+              </a:lnSpc>
+              <a:spcBef>
+                <a:spcPts val="0"/>
+              </a:spcBef>
+              <a:spcAft>
+                <a:spcPts val="0"/>
+              </a:spcAft>
+              <a:buClr>
+                <a:schemeClr val="accent3"/>
+              </a:buClr>
+              <a:buSzPts val="2100"/>
+              <a:buFont typeface="Average"/>
+              <a:buNone/>
+              <a:defRPr sz="2100" b="0" i="0" u="none" strike="noStrike" cap="none">
+                <a:solidFill>
+                  <a:schemeClr val="accent3"/>
+                </a:solidFill>
+                <a:latin typeface="Average"/>
+                <a:ea typeface="Average"/>
+                <a:cs typeface="Average"/>
+                <a:sym typeface="Average"/>
+              </a:defRPr>
+            </a:lvl9pPr>
+          </a:lstStyle>
+          <a:p>
+            <a:pPr marL="0" indent="0" algn="l">
+              <a:lnSpc>
+                <a:spcPct val="80000"/>
+              </a:lnSpc>
+              <a:buSzPts val="688"/>
+            </a:pPr>
+            <a:r>
+              <a:rPr lang="en-US" sz="1312" dirty="0"/>
+              <a:t>April 28, 2021</a:t>
+            </a:r>
           </a:p>
         </p:txBody>
       </p:sp>
@@ -6871,11 +7314,11 @@
 </file>
 
 <file path=ppt/slides/slide2.xml><?xml version="1.0" encoding="utf-8"?>
-<p:sld xmlns:a="http://schemas.openxmlformats.org/drawingml/2006/main" xmlns:r="http://schemas.openxmlformats.org/officeDocument/2006/relationships" xmlns:mc="http://schemas.openxmlformats.org/markup-compatibility/2006" xmlns:mv="urn:schemas-microsoft-com:mac:vml" xmlns:p="http://schemas.openxmlformats.org/presentationml/2006/main" xmlns:c="http://schemas.openxmlformats.org/drawingml/2006/chart" xmlns:dgm="http://schemas.openxmlformats.org/drawingml/2006/diagram" xmlns:o="urn:schemas-microsoft-com:office:office" xmlns:v="urn:schemas-microsoft-com:vml" xmlns:pvml="urn:schemas-microsoft-com:office:powerpoint" xmlns:com="http://schemas.openxmlformats.org/drawingml/2006/compatibility" xmlns:p14="http://schemas.microsoft.com/office/powerpoint/2010/main" xmlns:p15="http://schemas.microsoft.com/office/powerpoint/2012/main" xmlns:ahyp="http://schemas.microsoft.com/office/drawing/2018/hyperlinkcolor">
+<p:sld xmlns:a="http://schemas.openxmlformats.org/drawingml/2006/main" xmlns:r="http://schemas.openxmlformats.org/officeDocument/2006/relationships" xmlns:p="http://schemas.openxmlformats.org/presentationml/2006/main">
   <p:cSld>
     <p:spTree>
       <p:nvGrpSpPr>
-        <p:cNvPr id="64" name="Shape 64"/>
+        <p:cNvPr id="1" name="Shape 64"/>
         <p:cNvGrpSpPr/>
         <p:nvPr/>
       </p:nvGrpSpPr>
@@ -6890,7 +7333,9 @@
       <p:sp>
         <p:nvSpPr>
           <p:cNvPr id="65" name="Google Shape;65;p14"/>
-          <p:cNvSpPr txBox="1"/>
+          <p:cNvSpPr txBox="1">
+            <a:spLocks noGrp="1"/>
+          </p:cNvSpPr>
           <p:nvPr>
             <p:ph type="title"/>
           </p:nvPr>
@@ -6905,12 +7350,12 @@
           </a:prstGeom>
         </p:spPr>
         <p:txBody>
-          <a:bodyPr anchorCtr="0" anchor="t" bIns="91425" lIns="91425" spcFirstLastPara="1" rIns="91425" wrap="square" tIns="91425">
+          <a:bodyPr spcFirstLastPara="1" wrap="square" lIns="91425" tIns="91425" rIns="91425" bIns="91425" anchor="t" anchorCtr="0">
             <a:normAutofit fontScale="90000"/>
           </a:bodyPr>
           <a:lstStyle/>
           <a:p>
-            <a:pPr indent="0" lvl="0" marL="0" rtl="0" algn="l">
+            <a:pPr marL="0" lvl="0" indent="0" algn="l" rtl="0">
               <a:spcBef>
                 <a:spcPts val="0"/>
               </a:spcBef>
@@ -6930,9 +7375,11 @@
       <p:sp>
         <p:nvSpPr>
           <p:cNvPr id="66" name="Google Shape;66;p14"/>
-          <p:cNvSpPr txBox="1"/>
+          <p:cNvSpPr txBox="1">
+            <a:spLocks noGrp="1"/>
+          </p:cNvSpPr>
           <p:nvPr>
-            <p:ph idx="1" type="body"/>
+            <p:ph type="body" idx="1"/>
           </p:nvPr>
         </p:nvSpPr>
         <p:spPr>
@@ -6945,12 +7392,12 @@
           </a:prstGeom>
         </p:spPr>
         <p:txBody>
-          <a:bodyPr anchorCtr="0" anchor="t" bIns="91425" lIns="91425" spcFirstLastPara="1" rIns="91425" wrap="square" tIns="91425">
-            <a:normAutofit/>
+          <a:bodyPr spcFirstLastPara="1" wrap="square" lIns="91425" tIns="91425" rIns="91425" bIns="91425" anchor="t" anchorCtr="0">
+            <a:normAutofit lnSpcReduction="10000"/>
           </a:bodyPr>
           <a:lstStyle/>
           <a:p>
-            <a:pPr indent="0" lvl="0" marL="0" rtl="0" algn="l">
+            <a:pPr marL="0" lvl="0" indent="0" algn="l" rtl="0">
               <a:spcBef>
                 <a:spcPts val="0"/>
               </a:spcBef>
@@ -6960,29 +7407,21 @@
               <a:buNone/>
             </a:pPr>
             <a:r>
-              <a:rPr lang="en"/>
-              <a:t>Our end result for </a:t>
+              <a:rPr lang="en" dirty="0"/>
+              <a:t>Our goal for this project is to develop a Machine Learning </a:t>
             </a:r>
             <a:r>
-              <a:rPr lang="en"/>
-              <a:t>the</a:t>
+              <a:rPr lang="en-US" dirty="0"/>
+              <a:t>algorithm</a:t>
             </a:r>
             <a:r>
-              <a:rPr lang="en"/>
-              <a:t> project is to </a:t>
+              <a:rPr lang="en" dirty="0"/>
+              <a:t> that predicts which NBA team will win or loose their next game.</a:t>
             </a:r>
-            <a:r>
-              <a:rPr lang="en"/>
-              <a:t>create</a:t>
-            </a:r>
-            <a:r>
-              <a:rPr lang="en"/>
-              <a:t> a code that helps us predict either if a certain NBA team will win their next against a certain opponent.</a:t>
-            </a:r>
-            <a:endParaRPr/>
+            <a:endParaRPr dirty="0"/>
           </a:p>
           <a:p>
-            <a:pPr indent="0" lvl="0" marL="0" rtl="0" algn="l">
+            <a:pPr marL="0" lvl="0" indent="0" algn="l" rtl="0">
               <a:spcBef>
                 <a:spcPts val="1200"/>
               </a:spcBef>
@@ -6992,21 +7431,13 @@
               <a:buNone/>
             </a:pPr>
             <a:r>
-              <a:rPr lang="en"/>
-              <a:t>We will use various machine learning methods such as Linear regression models and decision trees to figure which can give our model the best </a:t>
+              <a:rPr lang="en" dirty="0"/>
+              <a:t>We will use various machine learning classification and regression models to measure accuracy, precision &amp; recall as well as confusion matrix to reveal true negatives and positives to evaluate performance and determine which model produces the most accurate results.</a:t>
             </a:r>
-            <a:r>
-              <a:rPr lang="en"/>
-              <a:t>accuracy</a:t>
-            </a:r>
-            <a:r>
-              <a:rPr lang="en"/>
-              <a:t> for predicting a win</a:t>
-            </a:r>
-            <a:endParaRPr/>
+            <a:endParaRPr dirty="0"/>
           </a:p>
           <a:p>
-            <a:pPr indent="0" lvl="0" marL="0" rtl="0" algn="l">
+            <a:pPr marL="0" lvl="0" indent="0" algn="l" rtl="0">
               <a:spcBef>
                 <a:spcPts val="1200"/>
               </a:spcBef>
@@ -7016,18 +7447,10 @@
               <a:buNone/>
             </a:pPr>
             <a:r>
-              <a:rPr lang="en"/>
-              <a:t>The data our group has pulled from comes from the NBA website and lists basketball games from the past 6 years. The main features from this we want to incorporate(base our code on) are the 2-point and 3-point shooting </a:t>
+              <a:rPr lang="en" dirty="0"/>
+              <a:t>Our data source consist of NBA team stats over the past 6 years. The targeted features for our model are: 2-point and 3-point shooting accuracy, average field goal percentage,  wins/loss ratio and team ranking.</a:t>
             </a:r>
-            <a:r>
-              <a:rPr lang="en"/>
-              <a:t>accuracy</a:t>
-            </a:r>
-            <a:r>
-              <a:rPr lang="en"/>
-              <a:t>, points per game,  wins/losses for each team, rebounds</a:t>
-            </a:r>
-            <a:endParaRPr/>
+            <a:endParaRPr dirty="0"/>
           </a:p>
         </p:txBody>
       </p:sp>
@@ -7040,11 +7463,11 @@
 </file>
 
 <file path=ppt/slides/slide3.xml><?xml version="1.0" encoding="utf-8"?>
-<p:sld xmlns:a="http://schemas.openxmlformats.org/drawingml/2006/main" xmlns:r="http://schemas.openxmlformats.org/officeDocument/2006/relationships" xmlns:mc="http://schemas.openxmlformats.org/markup-compatibility/2006" xmlns:mv="urn:schemas-microsoft-com:mac:vml" xmlns:p="http://schemas.openxmlformats.org/presentationml/2006/main" xmlns:c="http://schemas.openxmlformats.org/drawingml/2006/chart" xmlns:dgm="http://schemas.openxmlformats.org/drawingml/2006/diagram" xmlns:o="urn:schemas-microsoft-com:office:office" xmlns:v="urn:schemas-microsoft-com:vml" xmlns:pvml="urn:schemas-microsoft-com:office:powerpoint" xmlns:com="http://schemas.openxmlformats.org/drawingml/2006/compatibility" xmlns:p14="http://schemas.microsoft.com/office/powerpoint/2010/main" xmlns:p15="http://schemas.microsoft.com/office/powerpoint/2012/main" xmlns:ahyp="http://schemas.microsoft.com/office/drawing/2018/hyperlinkcolor">
+<p:sld xmlns:a="http://schemas.openxmlformats.org/drawingml/2006/main" xmlns:r="http://schemas.openxmlformats.org/officeDocument/2006/relationships" xmlns:p="http://schemas.openxmlformats.org/presentationml/2006/main">
   <p:cSld>
     <p:spTree>
       <p:nvGrpSpPr>
-        <p:cNvPr id="70" name="Shape 70"/>
+        <p:cNvPr id="1" name="Shape 70"/>
         <p:cNvGrpSpPr/>
         <p:nvPr/>
       </p:nvGrpSpPr>
@@ -7059,7 +7482,9 @@
       <p:sp>
         <p:nvSpPr>
           <p:cNvPr id="71" name="Google Shape;71;p15"/>
-          <p:cNvSpPr txBox="1"/>
+          <p:cNvSpPr txBox="1">
+            <a:spLocks noGrp="1"/>
+          </p:cNvSpPr>
           <p:nvPr>
             <p:ph type="title"/>
           </p:nvPr>
@@ -7074,12 +7499,12 @@
           </a:prstGeom>
         </p:spPr>
         <p:txBody>
-          <a:bodyPr anchorCtr="0" anchor="t" bIns="91425" lIns="91425" spcFirstLastPara="1" rIns="91425" wrap="square" tIns="91425">
+          <a:bodyPr spcFirstLastPara="1" wrap="square" lIns="91425" tIns="91425" rIns="91425" bIns="91425" anchor="t" anchorCtr="0">
             <a:normAutofit fontScale="90000"/>
           </a:bodyPr>
           <a:lstStyle/>
           <a:p>
-            <a:pPr indent="0" lvl="0" marL="0" rtl="0" algn="l">
+            <a:pPr marL="0" lvl="0" indent="0" algn="l" rtl="0">
               <a:spcBef>
                 <a:spcPts val="0"/>
               </a:spcBef>
@@ -7099,9 +7524,11 @@
       <p:sp>
         <p:nvSpPr>
           <p:cNvPr id="72" name="Google Shape;72;p15"/>
-          <p:cNvSpPr txBox="1"/>
+          <p:cNvSpPr txBox="1">
+            <a:spLocks noGrp="1"/>
+          </p:cNvSpPr>
           <p:nvPr>
-            <p:ph idx="1" type="body"/>
+            <p:ph type="body" idx="1"/>
           </p:nvPr>
         </p:nvSpPr>
         <p:spPr>
@@ -7114,12 +7541,12 @@
           </a:prstGeom>
         </p:spPr>
         <p:txBody>
-          <a:bodyPr anchorCtr="0" anchor="t" bIns="91425" lIns="91425" spcFirstLastPara="1" rIns="91425" wrap="square" tIns="91425">
-            <a:normAutofit lnSpcReduction="10000"/>
+          <a:bodyPr spcFirstLastPara="1" wrap="square" lIns="91425" tIns="91425" rIns="91425" bIns="91425" anchor="t" anchorCtr="0">
+            <a:normAutofit fontScale="92500"/>
           </a:bodyPr>
           <a:lstStyle/>
           <a:p>
-            <a:pPr indent="0" lvl="0" marL="0" rtl="0" algn="l">
+            <a:pPr marL="0" lvl="0" indent="0" algn="l" rtl="0">
               <a:spcBef>
                 <a:spcPts val="0"/>
               </a:spcBef>
@@ -7130,28 +7557,12 @@
             </a:pPr>
             <a:r>
               <a:rPr lang="en"/>
-              <a:t>Sports </a:t>
-            </a:r>
-            <a:r>
-              <a:rPr lang="en"/>
-              <a:t>betting</a:t>
-            </a:r>
-            <a:r>
-              <a:rPr lang="en"/>
-              <a:t> is common among fans </a:t>
-            </a:r>
-            <a:r>
-              <a:rPr lang="en"/>
-              <a:t>who</a:t>
-            </a:r>
-            <a:r>
-              <a:rPr lang="en"/>
-              <a:t> are interested in sports and have favorite teams. People bet good sums of money to take a chance and earn based off their teams success</a:t>
+              <a:t>Sports betting is common among fans who are interested in sports and have favorite teams. People bet good sums of money to take a chance and earn based off their teams success</a:t>
             </a:r>
             <a:endParaRPr/>
           </a:p>
           <a:p>
-            <a:pPr indent="0" lvl="0" marL="0" rtl="0" algn="l">
+            <a:pPr marL="0" lvl="0" indent="0" algn="l" rtl="0">
               <a:spcBef>
                 <a:spcPts val="1200"/>
               </a:spcBef>
@@ -7167,7 +7578,7 @@
             <a:endParaRPr/>
           </a:p>
           <a:p>
-            <a:pPr indent="0" lvl="0" marL="0" rtl="0" algn="l">
+            <a:pPr marL="0" lvl="0" indent="0" algn="l" rtl="0">
               <a:spcBef>
                 <a:spcPts val="1200"/>
               </a:spcBef>
@@ -7178,11 +7589,7 @@
             </a:pPr>
             <a:r>
               <a:rPr lang="en"/>
-              <a:t>Our main questions we want answered are what are the best </a:t>
-            </a:r>
-            <a:r>
-              <a:rPr lang="en"/>
-              <a:t>parameters that need to be used to get our best model? What model should we use that will get us the best results? What NBA data do we need, how many seasons should we use to build the model?</a:t>
+              <a:t>Our main questions we want answered are what are the best parameters that need to be used to get our best model? What model should we use that will get us the best results? What NBA data do we need, how many seasons should we use to build the model?</a:t>
             </a:r>
             <a:endParaRPr/>
           </a:p>
@@ -7197,11 +7604,11 @@
 </file>
 
 <file path=ppt/slides/slide4.xml><?xml version="1.0" encoding="utf-8"?>
-<p:sld xmlns:a="http://schemas.openxmlformats.org/drawingml/2006/main" xmlns:r="http://schemas.openxmlformats.org/officeDocument/2006/relationships" xmlns:mc="http://schemas.openxmlformats.org/markup-compatibility/2006" xmlns:mv="urn:schemas-microsoft-com:mac:vml" xmlns:p="http://schemas.openxmlformats.org/presentationml/2006/main" xmlns:c="http://schemas.openxmlformats.org/drawingml/2006/chart" xmlns:dgm="http://schemas.openxmlformats.org/drawingml/2006/diagram" xmlns:o="urn:schemas-microsoft-com:office:office" xmlns:v="urn:schemas-microsoft-com:vml" xmlns:pvml="urn:schemas-microsoft-com:office:powerpoint" xmlns:com="http://schemas.openxmlformats.org/drawingml/2006/compatibility" xmlns:p14="http://schemas.microsoft.com/office/powerpoint/2010/main" xmlns:p15="http://schemas.microsoft.com/office/powerpoint/2012/main" xmlns:ahyp="http://schemas.microsoft.com/office/drawing/2018/hyperlinkcolor">
+<p:sld xmlns:a="http://schemas.openxmlformats.org/drawingml/2006/main" xmlns:r="http://schemas.openxmlformats.org/officeDocument/2006/relationships" xmlns:p="http://schemas.openxmlformats.org/presentationml/2006/main">
   <p:cSld>
     <p:spTree>
       <p:nvGrpSpPr>
-        <p:cNvPr id="76" name="Shape 76"/>
+        <p:cNvPr id="1" name="Shape 76"/>
         <p:cNvGrpSpPr/>
         <p:nvPr/>
       </p:nvGrpSpPr>
@@ -7216,7 +7623,9 @@
       <p:sp>
         <p:nvSpPr>
           <p:cNvPr id="77" name="Google Shape;77;p16"/>
-          <p:cNvSpPr txBox="1"/>
+          <p:cNvSpPr txBox="1">
+            <a:spLocks noGrp="1"/>
+          </p:cNvSpPr>
           <p:nvPr>
             <p:ph type="title"/>
           </p:nvPr>
@@ -7231,12 +7640,12 @@
           </a:prstGeom>
         </p:spPr>
         <p:txBody>
-          <a:bodyPr anchorCtr="0" anchor="t" bIns="91425" lIns="91425" spcFirstLastPara="1" rIns="91425" wrap="square" tIns="91425">
+          <a:bodyPr spcFirstLastPara="1" wrap="square" lIns="91425" tIns="91425" rIns="91425" bIns="91425" anchor="t" anchorCtr="0">
             <a:normAutofit fontScale="90000"/>
           </a:bodyPr>
           <a:lstStyle/>
           <a:p>
-            <a:pPr indent="0" lvl="0" marL="0" rtl="0" algn="l">
+            <a:pPr marL="0" lvl="0" indent="0" algn="l" rtl="0">
               <a:spcBef>
                 <a:spcPts val="0"/>
               </a:spcBef>
@@ -7256,9 +7665,11 @@
       <p:sp>
         <p:nvSpPr>
           <p:cNvPr id="78" name="Google Shape;78;p16"/>
-          <p:cNvSpPr txBox="1"/>
+          <p:cNvSpPr txBox="1">
+            <a:spLocks noGrp="1"/>
+          </p:cNvSpPr>
           <p:nvPr>
-            <p:ph idx="1" type="body"/>
+            <p:ph type="body" idx="1"/>
           </p:nvPr>
         </p:nvSpPr>
         <p:spPr>
@@ -7271,12 +7682,12 @@
           </a:prstGeom>
         </p:spPr>
         <p:txBody>
-          <a:bodyPr anchorCtr="0" anchor="t" bIns="91425" lIns="91425" spcFirstLastPara="1" rIns="91425" wrap="square" tIns="91425">
+          <a:bodyPr spcFirstLastPara="1" wrap="square" lIns="91425" tIns="91425" rIns="91425" bIns="91425" anchor="t" anchorCtr="0">
             <a:normAutofit/>
           </a:bodyPr>
           <a:lstStyle/>
           <a:p>
-            <a:pPr indent="0" lvl="0" marL="0" rtl="0" algn="l">
+            <a:pPr marL="0" lvl="0" indent="0" algn="l" rtl="0">
               <a:spcBef>
                 <a:spcPts val="0"/>
               </a:spcBef>
@@ -7286,13 +7697,13 @@
               <a:buNone/>
             </a:pPr>
             <a:r>
-              <a:rPr lang="en"/>
+              <a:rPr lang="en" dirty="0"/>
               <a:t>Our first step was to find out what NBA data we wanted to use. We ended up going with team data. As a group we thought it would be better than individual data due to injuries and team changes during the season.</a:t>
             </a:r>
-            <a:endParaRPr/>
+            <a:endParaRPr dirty="0"/>
           </a:p>
           <a:p>
-            <a:pPr indent="0" lvl="0" marL="0" rtl="0" algn="l">
+            <a:pPr marL="0" lvl="0" indent="0" algn="l" rtl="0">
               <a:spcBef>
                 <a:spcPts val="1200"/>
               </a:spcBef>
@@ -7302,29 +7713,13 @@
               <a:buNone/>
             </a:pPr>
             <a:r>
-              <a:rPr lang="en"/>
-              <a:t>When we first finalized an got the data we realized that there were many other factors that we </a:t>
+              <a:rPr lang="en" dirty="0"/>
+              <a:t>When finalizing the data, we realized that there were many other factors that we didn't consider that could effectively be taken into account, and could further improve our model such as wining or losing streak</a:t>
             </a:r>
-            <a:r>
-              <a:rPr lang="en"/>
-              <a:t>didn't</a:t>
-            </a:r>
-            <a:r>
-              <a:rPr lang="en"/>
-              <a:t> consider that could </a:t>
-            </a:r>
-            <a:r>
-              <a:rPr lang="en"/>
-              <a:t>effectively</a:t>
-            </a:r>
-            <a:r>
-              <a:rPr lang="en"/>
-              <a:t> be taken into account, and could further improve our model</a:t>
-            </a:r>
-            <a:endParaRPr/>
+            <a:endParaRPr dirty="0"/>
           </a:p>
           <a:p>
-            <a:pPr indent="0" lvl="0" marL="0" rtl="0" algn="l">
+            <a:pPr marL="0" lvl="0" indent="0" algn="l" rtl="0">
               <a:spcBef>
                 <a:spcPts val="1200"/>
               </a:spcBef>
@@ -7334,10 +7729,10 @@
               <a:buNone/>
             </a:pPr>
             <a:r>
-              <a:rPr lang="en"/>
-              <a:t>While cleaning the data we had to change data types do that we could correctly run parts of the code that are necessary for the model setup</a:t>
+              <a:rPr lang="en" dirty="0"/>
+              <a:t>While cleaning the data we had to change data types in order to correctly run parts of the code that are necessary for the model setup</a:t>
             </a:r>
-            <a:endParaRPr/>
+            <a:endParaRPr dirty="0"/>
           </a:p>
         </p:txBody>
       </p:sp>
@@ -7350,11 +7745,11 @@
 </file>
 
 <file path=ppt/slides/slide5.xml><?xml version="1.0" encoding="utf-8"?>
-<p:sld xmlns:a="http://schemas.openxmlformats.org/drawingml/2006/main" xmlns:r="http://schemas.openxmlformats.org/officeDocument/2006/relationships" xmlns:mc="http://schemas.openxmlformats.org/markup-compatibility/2006" xmlns:mv="urn:schemas-microsoft-com:mac:vml" xmlns:p="http://schemas.openxmlformats.org/presentationml/2006/main" xmlns:c="http://schemas.openxmlformats.org/drawingml/2006/chart" xmlns:dgm="http://schemas.openxmlformats.org/drawingml/2006/diagram" xmlns:o="urn:schemas-microsoft-com:office:office" xmlns:v="urn:schemas-microsoft-com:vml" xmlns:pvml="urn:schemas-microsoft-com:office:powerpoint" xmlns:com="http://schemas.openxmlformats.org/drawingml/2006/compatibility" xmlns:p14="http://schemas.microsoft.com/office/powerpoint/2010/main" xmlns:p15="http://schemas.microsoft.com/office/powerpoint/2012/main" xmlns:ahyp="http://schemas.microsoft.com/office/drawing/2018/hyperlinkcolor">
+<p:sld xmlns:a="http://schemas.openxmlformats.org/drawingml/2006/main" xmlns:r="http://schemas.openxmlformats.org/officeDocument/2006/relationships" xmlns:p="http://schemas.openxmlformats.org/presentationml/2006/main">
   <p:cSld>
     <p:spTree>
       <p:nvGrpSpPr>
-        <p:cNvPr id="82" name="Shape 82"/>
+        <p:cNvPr id="1" name="Shape 82"/>
         <p:cNvGrpSpPr/>
         <p:nvPr/>
       </p:nvGrpSpPr>
@@ -7369,7 +7764,9 @@
       <p:sp>
         <p:nvSpPr>
           <p:cNvPr id="83" name="Google Shape;83;p17"/>
-          <p:cNvSpPr txBox="1"/>
+          <p:cNvSpPr txBox="1">
+            <a:spLocks noGrp="1"/>
+          </p:cNvSpPr>
           <p:nvPr>
             <p:ph type="title"/>
           </p:nvPr>
@@ -7384,12 +7781,12 @@
           </a:prstGeom>
         </p:spPr>
         <p:txBody>
-          <a:bodyPr anchorCtr="0" anchor="t" bIns="91425" lIns="91425" spcFirstLastPara="1" rIns="91425" wrap="square" tIns="91425">
+          <a:bodyPr spcFirstLastPara="1" wrap="square" lIns="91425" tIns="91425" rIns="91425" bIns="91425" anchor="t" anchorCtr="0">
             <a:normAutofit fontScale="90000"/>
           </a:bodyPr>
           <a:lstStyle/>
           <a:p>
-            <a:pPr indent="0" lvl="0" marL="0" rtl="0" algn="l">
+            <a:pPr marL="0" lvl="0" indent="0" algn="l" rtl="0">
               <a:spcBef>
                 <a:spcPts val="0"/>
               </a:spcBef>
@@ -7409,9 +7806,11 @@
       <p:sp>
         <p:nvSpPr>
           <p:cNvPr id="84" name="Google Shape;84;p17"/>
-          <p:cNvSpPr txBox="1"/>
+          <p:cNvSpPr txBox="1">
+            <a:spLocks noGrp="1"/>
+          </p:cNvSpPr>
           <p:nvPr>
-            <p:ph idx="1" type="body"/>
+            <p:ph type="body" idx="1"/>
           </p:nvPr>
         </p:nvSpPr>
         <p:spPr>
@@ -7424,12 +7823,12 @@
           </a:prstGeom>
         </p:spPr>
         <p:txBody>
-          <a:bodyPr anchorCtr="0" anchor="t" bIns="91425" lIns="91425" spcFirstLastPara="1" rIns="91425" wrap="square" tIns="91425">
+          <a:bodyPr spcFirstLastPara="1" wrap="square" lIns="91425" tIns="91425" rIns="91425" bIns="91425" anchor="t" anchorCtr="0">
             <a:normAutofit/>
           </a:bodyPr>
           <a:lstStyle/>
           <a:p>
-            <a:pPr indent="0" lvl="0" marL="0" rtl="0" algn="l">
+            <a:pPr marL="0" lvl="0" indent="0" algn="l" rtl="0">
               <a:spcBef>
                 <a:spcPts val="0"/>
               </a:spcBef>
@@ -7438,9 +7837,6 @@
               </a:spcAft>
               <a:buNone/>
             </a:pPr>
-            <a:r>
-              <a:t/>
-            </a:r>
             <a:endParaRPr/>
           </a:p>
         </p:txBody>
@@ -7448,9 +7844,11 @@
       <p:sp>
         <p:nvSpPr>
           <p:cNvPr id="85" name="Google Shape;85;p17"/>
-          <p:cNvSpPr txBox="1"/>
+          <p:cNvSpPr txBox="1">
+            <a:spLocks noGrp="1"/>
+          </p:cNvSpPr>
           <p:nvPr>
-            <p:ph idx="2" type="body"/>
+            <p:ph type="body" idx="2"/>
           </p:nvPr>
         </p:nvSpPr>
         <p:spPr>
@@ -7463,12 +7861,12 @@
           </a:prstGeom>
         </p:spPr>
         <p:txBody>
-          <a:bodyPr anchorCtr="0" anchor="t" bIns="91425" lIns="91425" spcFirstLastPara="1" rIns="91425" wrap="square" tIns="91425">
+          <a:bodyPr spcFirstLastPara="1" wrap="square" lIns="91425" tIns="91425" rIns="91425" bIns="91425" anchor="t" anchorCtr="0">
             <a:normAutofit/>
           </a:bodyPr>
           <a:lstStyle/>
           <a:p>
-            <a:pPr indent="0" lvl="0" marL="0" rtl="0" algn="l">
+            <a:pPr marL="0" lvl="0" indent="0" algn="l" rtl="0">
               <a:spcBef>
                 <a:spcPts val="0"/>
               </a:spcBef>
@@ -7477,9 +7875,6 @@
               </a:spcAft>
               <a:buNone/>
             </a:pPr>
-            <a:r>
-              <a:t/>
-            </a:r>
             <a:endParaRPr/>
           </a:p>
         </p:txBody>
@@ -7493,11 +7888,11 @@
 </file>
 
 <file path=ppt/slides/slide6.xml><?xml version="1.0" encoding="utf-8"?>
-<p:sld xmlns:a="http://schemas.openxmlformats.org/drawingml/2006/main" xmlns:r="http://schemas.openxmlformats.org/officeDocument/2006/relationships" xmlns:mc="http://schemas.openxmlformats.org/markup-compatibility/2006" xmlns:mv="urn:schemas-microsoft-com:mac:vml" xmlns:p="http://schemas.openxmlformats.org/presentationml/2006/main" xmlns:c="http://schemas.openxmlformats.org/drawingml/2006/chart" xmlns:dgm="http://schemas.openxmlformats.org/drawingml/2006/diagram" xmlns:o="urn:schemas-microsoft-com:office:office" xmlns:v="urn:schemas-microsoft-com:vml" xmlns:pvml="urn:schemas-microsoft-com:office:powerpoint" xmlns:com="http://schemas.openxmlformats.org/drawingml/2006/compatibility" xmlns:p14="http://schemas.microsoft.com/office/powerpoint/2010/main" xmlns:p15="http://schemas.microsoft.com/office/powerpoint/2012/main" xmlns:ahyp="http://schemas.microsoft.com/office/drawing/2018/hyperlinkcolor">
+<p:sld xmlns:a="http://schemas.openxmlformats.org/drawingml/2006/main" xmlns:r="http://schemas.openxmlformats.org/officeDocument/2006/relationships" xmlns:p="http://schemas.openxmlformats.org/presentationml/2006/main">
   <p:cSld>
     <p:spTree>
       <p:nvGrpSpPr>
-        <p:cNvPr id="89" name="Shape 89"/>
+        <p:cNvPr id="1" name="Shape 89"/>
         <p:cNvGrpSpPr/>
         <p:nvPr/>
       </p:nvGrpSpPr>
@@ -7512,7 +7907,9 @@
       <p:sp>
         <p:nvSpPr>
           <p:cNvPr id="90" name="Google Shape;90;p18"/>
-          <p:cNvSpPr txBox="1"/>
+          <p:cNvSpPr txBox="1">
+            <a:spLocks noGrp="1"/>
+          </p:cNvSpPr>
           <p:nvPr>
             <p:ph type="title"/>
           </p:nvPr>
@@ -7527,12 +7924,12 @@
           </a:prstGeom>
         </p:spPr>
         <p:txBody>
-          <a:bodyPr anchorCtr="0" anchor="t" bIns="91425" lIns="91425" spcFirstLastPara="1" rIns="91425" wrap="square" tIns="91425">
+          <a:bodyPr spcFirstLastPara="1" wrap="square" lIns="91425" tIns="91425" rIns="91425" bIns="91425" anchor="t" anchorCtr="0">
             <a:normAutofit fontScale="90000"/>
           </a:bodyPr>
           <a:lstStyle/>
           <a:p>
-            <a:pPr indent="0" lvl="0" marL="0" rtl="0" algn="l">
+            <a:pPr marL="0" lvl="0" indent="0" algn="l" rtl="0">
               <a:spcBef>
                 <a:spcPts val="0"/>
               </a:spcBef>
@@ -7552,9 +7949,11 @@
       <p:sp>
         <p:nvSpPr>
           <p:cNvPr id="91" name="Google Shape;91;p18"/>
-          <p:cNvSpPr txBox="1"/>
+          <p:cNvSpPr txBox="1">
+            <a:spLocks noGrp="1"/>
+          </p:cNvSpPr>
           <p:nvPr>
-            <p:ph idx="1" type="body"/>
+            <p:ph type="body" idx="1"/>
           </p:nvPr>
         </p:nvSpPr>
         <p:spPr>
@@ -7567,12 +7966,12 @@
           </a:prstGeom>
         </p:spPr>
         <p:txBody>
-          <a:bodyPr anchorCtr="0" anchor="t" bIns="91425" lIns="91425" spcFirstLastPara="1" rIns="91425" wrap="square" tIns="91425">
+          <a:bodyPr spcFirstLastPara="1" wrap="square" lIns="91425" tIns="91425" rIns="91425" bIns="91425" anchor="t" anchorCtr="0">
             <a:normAutofit/>
           </a:bodyPr>
           <a:lstStyle/>
           <a:p>
-            <a:pPr indent="0" lvl="0" marL="0" rtl="0" algn="l">
+            <a:pPr marL="0" lvl="0" indent="0" algn="l" rtl="0">
               <a:spcBef>
                 <a:spcPts val="0"/>
               </a:spcBef>
@@ -7581,9 +7980,6 @@
               </a:spcAft>
               <a:buNone/>
             </a:pPr>
-            <a:r>
-              <a:t/>
-            </a:r>
             <a:endParaRPr/>
           </a:p>
         </p:txBody>
@@ -7597,11 +7993,11 @@
 </file>
 
 <file path=ppt/slides/slide7.xml><?xml version="1.0" encoding="utf-8"?>
-<p:sld xmlns:a="http://schemas.openxmlformats.org/drawingml/2006/main" xmlns:r="http://schemas.openxmlformats.org/officeDocument/2006/relationships" xmlns:mc="http://schemas.openxmlformats.org/markup-compatibility/2006" xmlns:mv="urn:schemas-microsoft-com:mac:vml" xmlns:p="http://schemas.openxmlformats.org/presentationml/2006/main" xmlns:c="http://schemas.openxmlformats.org/drawingml/2006/chart" xmlns:dgm="http://schemas.openxmlformats.org/drawingml/2006/diagram" xmlns:o="urn:schemas-microsoft-com:office:office" xmlns:v="urn:schemas-microsoft-com:vml" xmlns:pvml="urn:schemas-microsoft-com:office:powerpoint" xmlns:com="http://schemas.openxmlformats.org/drawingml/2006/compatibility" xmlns:p14="http://schemas.microsoft.com/office/powerpoint/2010/main" xmlns:p15="http://schemas.microsoft.com/office/powerpoint/2012/main" xmlns:ahyp="http://schemas.microsoft.com/office/drawing/2018/hyperlinkcolor">
+<p:sld xmlns:a="http://schemas.openxmlformats.org/drawingml/2006/main" xmlns:r="http://schemas.openxmlformats.org/officeDocument/2006/relationships" xmlns:p="http://schemas.openxmlformats.org/presentationml/2006/main">
   <p:cSld>
     <p:spTree>
       <p:nvGrpSpPr>
-        <p:cNvPr id="95" name="Shape 95"/>
+        <p:cNvPr id="1" name="Shape 95"/>
         <p:cNvGrpSpPr/>
         <p:nvPr/>
       </p:nvGrpSpPr>
@@ -7616,7 +8012,9 @@
       <p:sp>
         <p:nvSpPr>
           <p:cNvPr id="96" name="Google Shape;96;p19"/>
-          <p:cNvSpPr txBox="1"/>
+          <p:cNvSpPr txBox="1">
+            <a:spLocks noGrp="1"/>
+          </p:cNvSpPr>
           <p:nvPr>
             <p:ph type="title"/>
           </p:nvPr>
@@ -7631,12 +8029,12 @@
           </a:prstGeom>
         </p:spPr>
         <p:txBody>
-          <a:bodyPr anchorCtr="0" anchor="t" bIns="91425" lIns="91425" spcFirstLastPara="1" rIns="91425" wrap="square" tIns="91425">
+          <a:bodyPr spcFirstLastPara="1" wrap="square" lIns="91425" tIns="91425" rIns="91425" bIns="91425" anchor="t" anchorCtr="0">
             <a:normAutofit fontScale="90000"/>
           </a:bodyPr>
           <a:lstStyle/>
           <a:p>
-            <a:pPr indent="0" lvl="0" marL="0" rtl="0" algn="l">
+            <a:pPr marL="0" lvl="0" indent="0" algn="l" rtl="0">
               <a:spcBef>
                 <a:spcPts val="0"/>
               </a:spcBef>
@@ -7656,9 +8054,11 @@
       <p:sp>
         <p:nvSpPr>
           <p:cNvPr id="97" name="Google Shape;97;p19"/>
-          <p:cNvSpPr txBox="1"/>
+          <p:cNvSpPr txBox="1">
+            <a:spLocks noGrp="1"/>
+          </p:cNvSpPr>
           <p:nvPr>
-            <p:ph idx="1" type="body"/>
+            <p:ph type="body" idx="1"/>
           </p:nvPr>
         </p:nvSpPr>
         <p:spPr>
@@ -7671,12 +8071,12 @@
           </a:prstGeom>
         </p:spPr>
         <p:txBody>
-          <a:bodyPr anchorCtr="0" anchor="t" bIns="91425" lIns="91425" spcFirstLastPara="1" rIns="91425" wrap="square" tIns="91425">
+          <a:bodyPr spcFirstLastPara="1" wrap="square" lIns="91425" tIns="91425" rIns="91425" bIns="91425" anchor="t" anchorCtr="0">
             <a:normAutofit/>
           </a:bodyPr>
           <a:lstStyle/>
           <a:p>
-            <a:pPr indent="0" lvl="0" marL="0" rtl="0" algn="l">
+            <a:pPr marL="0" lvl="0" indent="0" algn="l" rtl="0">
               <a:spcBef>
                 <a:spcPts val="0"/>
               </a:spcBef>
@@ -7685,9 +8085,6 @@
               </a:spcAft>
               <a:buNone/>
             </a:pPr>
-            <a:r>
-              <a:t/>
-            </a:r>
             <a:endParaRPr/>
           </a:p>
         </p:txBody>
@@ -7701,11 +8098,11 @@
 </file>
 
 <file path=ppt/slides/slide8.xml><?xml version="1.0" encoding="utf-8"?>
-<p:sld xmlns:a="http://schemas.openxmlformats.org/drawingml/2006/main" xmlns:r="http://schemas.openxmlformats.org/officeDocument/2006/relationships" xmlns:mc="http://schemas.openxmlformats.org/markup-compatibility/2006" xmlns:mv="urn:schemas-microsoft-com:mac:vml" xmlns:p="http://schemas.openxmlformats.org/presentationml/2006/main" xmlns:c="http://schemas.openxmlformats.org/drawingml/2006/chart" xmlns:dgm="http://schemas.openxmlformats.org/drawingml/2006/diagram" xmlns:o="urn:schemas-microsoft-com:office:office" xmlns:v="urn:schemas-microsoft-com:vml" xmlns:pvml="urn:schemas-microsoft-com:office:powerpoint" xmlns:com="http://schemas.openxmlformats.org/drawingml/2006/compatibility" xmlns:p14="http://schemas.microsoft.com/office/powerpoint/2010/main" xmlns:p15="http://schemas.microsoft.com/office/powerpoint/2012/main" xmlns:ahyp="http://schemas.microsoft.com/office/drawing/2018/hyperlinkcolor">
+<p:sld xmlns:a="http://schemas.openxmlformats.org/drawingml/2006/main" xmlns:r="http://schemas.openxmlformats.org/officeDocument/2006/relationships" xmlns:p="http://schemas.openxmlformats.org/presentationml/2006/main">
   <p:cSld>
     <p:spTree>
       <p:nvGrpSpPr>
-        <p:cNvPr id="101" name="Shape 101"/>
+        <p:cNvPr id="1" name="Shape 101"/>
         <p:cNvGrpSpPr/>
         <p:nvPr/>
       </p:nvGrpSpPr>
@@ -7720,7 +8117,9 @@
       <p:sp>
         <p:nvSpPr>
           <p:cNvPr id="102" name="Google Shape;102;p20"/>
-          <p:cNvSpPr txBox="1"/>
+          <p:cNvSpPr txBox="1">
+            <a:spLocks noGrp="1"/>
+          </p:cNvSpPr>
           <p:nvPr>
             <p:ph type="title"/>
           </p:nvPr>
@@ -7735,12 +8134,12 @@
           </a:prstGeom>
         </p:spPr>
         <p:txBody>
-          <a:bodyPr anchorCtr="0" anchor="ctr" bIns="91425" lIns="91425" spcFirstLastPara="1" rIns="91425" wrap="square" tIns="91425">
+          <a:bodyPr spcFirstLastPara="1" wrap="square" lIns="91425" tIns="91425" rIns="91425" bIns="91425" anchor="ctr" anchorCtr="0">
             <a:noAutofit/>
           </a:bodyPr>
           <a:lstStyle/>
           <a:p>
-            <a:pPr indent="0" lvl="0" marL="0" rtl="0" algn="ctr">
+            <a:pPr marL="0" lvl="0" indent="0" algn="ctr" rtl="0">
               <a:spcBef>
                 <a:spcPts val="0"/>
               </a:spcBef>
@@ -7766,7 +8165,7 @@
 </file>
 
 <file path=ppt/theme/theme1.xml><?xml version="1.0" encoding="utf-8"?>
-<a:theme xmlns:a="http://schemas.openxmlformats.org/drawingml/2006/main" xmlns:r="http://schemas.openxmlformats.org/officeDocument/2006/relationships" name="Slate">
+<a:theme xmlns:a="http://schemas.openxmlformats.org/drawingml/2006/main" name="Slate">
   <a:themeElements>
     <a:clrScheme name="Slate">
       <a:dk1>
@@ -8041,11 +8440,13 @@
       </a:bgFillStyleLst>
     </a:fmtScheme>
   </a:themeElements>
+  <a:objectDefaults/>
+  <a:extraClrSchemeLst/>
 </a:theme>
 </file>
 
 <file path=ppt/theme/theme2.xml><?xml version="1.0" encoding="utf-8"?>
-<a:theme xmlns:a="http://schemas.openxmlformats.org/drawingml/2006/main" xmlns:r="http://schemas.openxmlformats.org/officeDocument/2006/relationships">
+<a:theme xmlns:a="http://schemas.openxmlformats.org/drawingml/2006/main">
   <a:themeElements>
     <a:clrScheme name="Default">
       <a:dk1>
@@ -8320,5 +8721,7 @@
       </a:bgFillStyleLst>
     </a:fmtScheme>
   </a:themeElements>
+  <a:objectDefaults/>
+  <a:extraClrSchemeLst/>
 </a:theme>
 </file>